--- a/Week-1/Week-1.pptx
+++ b/Week-1/Week-1.pptx
@@ -8,7 +8,7 @@
     <p:sldMasterId id="2147484780" r:id="rId4"/>
   </p:sldMasterIdLst>
   <p:notesMasterIdLst>
-    <p:notesMasterId r:id="rId76"/>
+    <p:notesMasterId r:id="rId72"/>
   </p:notesMasterIdLst>
   <p:sldIdLst>
     <p:sldId id="256" r:id="rId5"/>
@@ -24,64 +24,60 @@
     <p:sldId id="259" r:id="rId15"/>
     <p:sldId id="260" r:id="rId16"/>
     <p:sldId id="261" r:id="rId17"/>
-    <p:sldId id="268" r:id="rId18"/>
-    <p:sldId id="269" r:id="rId19"/>
-    <p:sldId id="333" r:id="rId20"/>
-    <p:sldId id="262" r:id="rId21"/>
-    <p:sldId id="267" r:id="rId22"/>
-    <p:sldId id="266" r:id="rId23"/>
-    <p:sldId id="281" r:id="rId24"/>
-    <p:sldId id="282" r:id="rId25"/>
-    <p:sldId id="289" r:id="rId26"/>
-    <p:sldId id="278" r:id="rId27"/>
-    <p:sldId id="276" r:id="rId28"/>
-    <p:sldId id="277" r:id="rId29"/>
-    <p:sldId id="279" r:id="rId30"/>
-    <p:sldId id="280" r:id="rId31"/>
-    <p:sldId id="283" r:id="rId32"/>
-    <p:sldId id="284" r:id="rId33"/>
-    <p:sldId id="285" r:id="rId34"/>
-    <p:sldId id="286" r:id="rId35"/>
-    <p:sldId id="287" r:id="rId36"/>
-    <p:sldId id="294" r:id="rId37"/>
-    <p:sldId id="290" r:id="rId38"/>
-    <p:sldId id="288" r:id="rId39"/>
-    <p:sldId id="293" r:id="rId40"/>
-    <p:sldId id="300" r:id="rId41"/>
-    <p:sldId id="301" r:id="rId42"/>
-    <p:sldId id="334" r:id="rId43"/>
-    <p:sldId id="270" r:id="rId44"/>
-    <p:sldId id="272" r:id="rId45"/>
-    <p:sldId id="273" r:id="rId46"/>
-    <p:sldId id="274" r:id="rId47"/>
-    <p:sldId id="275" r:id="rId48"/>
-    <p:sldId id="302" r:id="rId49"/>
-    <p:sldId id="303" r:id="rId50"/>
-    <p:sldId id="336" r:id="rId51"/>
-    <p:sldId id="335" r:id="rId52"/>
-    <p:sldId id="305" r:id="rId53"/>
-    <p:sldId id="306" r:id="rId54"/>
-    <p:sldId id="307" r:id="rId55"/>
-    <p:sldId id="308" r:id="rId56"/>
-    <p:sldId id="314" r:id="rId57"/>
+    <p:sldId id="320" r:id="rId18"/>
+    <p:sldId id="268" r:id="rId19"/>
+    <p:sldId id="269" r:id="rId20"/>
+    <p:sldId id="333" r:id="rId21"/>
+    <p:sldId id="262" r:id="rId22"/>
+    <p:sldId id="267" r:id="rId23"/>
+    <p:sldId id="266" r:id="rId24"/>
+    <p:sldId id="281" r:id="rId25"/>
+    <p:sldId id="282" r:id="rId26"/>
+    <p:sldId id="289" r:id="rId27"/>
+    <p:sldId id="278" r:id="rId28"/>
+    <p:sldId id="276" r:id="rId29"/>
+    <p:sldId id="277" r:id="rId30"/>
+    <p:sldId id="279" r:id="rId31"/>
+    <p:sldId id="280" r:id="rId32"/>
+    <p:sldId id="283" r:id="rId33"/>
+    <p:sldId id="284" r:id="rId34"/>
+    <p:sldId id="285" r:id="rId35"/>
+    <p:sldId id="286" r:id="rId36"/>
+    <p:sldId id="287" r:id="rId37"/>
+    <p:sldId id="294" r:id="rId38"/>
+    <p:sldId id="290" r:id="rId39"/>
+    <p:sldId id="288" r:id="rId40"/>
+    <p:sldId id="293" r:id="rId41"/>
+    <p:sldId id="300" r:id="rId42"/>
+    <p:sldId id="301" r:id="rId43"/>
+    <p:sldId id="334" r:id="rId44"/>
+    <p:sldId id="270" r:id="rId45"/>
+    <p:sldId id="272" r:id="rId46"/>
+    <p:sldId id="273" r:id="rId47"/>
+    <p:sldId id="274" r:id="rId48"/>
+    <p:sldId id="275" r:id="rId49"/>
+    <p:sldId id="302" r:id="rId50"/>
+    <p:sldId id="303" r:id="rId51"/>
+    <p:sldId id="336" r:id="rId52"/>
+    <p:sldId id="335" r:id="rId53"/>
+    <p:sldId id="305" r:id="rId54"/>
+    <p:sldId id="306" r:id="rId55"/>
+    <p:sldId id="307" r:id="rId56"/>
+    <p:sldId id="308" r:id="rId57"/>
     <p:sldId id="315" r:id="rId58"/>
     <p:sldId id="316" r:id="rId59"/>
     <p:sldId id="317" r:id="rId60"/>
     <p:sldId id="318" r:id="rId61"/>
     <p:sldId id="319" r:id="rId62"/>
-    <p:sldId id="320" r:id="rId63"/>
-    <p:sldId id="321" r:id="rId64"/>
-    <p:sldId id="322" r:id="rId65"/>
-    <p:sldId id="323" r:id="rId66"/>
-    <p:sldId id="324" r:id="rId67"/>
-    <p:sldId id="325" r:id="rId68"/>
-    <p:sldId id="326" r:id="rId69"/>
-    <p:sldId id="327" r:id="rId70"/>
-    <p:sldId id="328" r:id="rId71"/>
-    <p:sldId id="329" r:id="rId72"/>
-    <p:sldId id="330" r:id="rId73"/>
-    <p:sldId id="331" r:id="rId74"/>
-    <p:sldId id="332" r:id="rId75"/>
+    <p:sldId id="321" r:id="rId63"/>
+    <p:sldId id="322" r:id="rId64"/>
+    <p:sldId id="323" r:id="rId65"/>
+    <p:sldId id="324" r:id="rId66"/>
+    <p:sldId id="325" r:id="rId67"/>
+    <p:sldId id="329" r:id="rId68"/>
+    <p:sldId id="330" r:id="rId69"/>
+    <p:sldId id="331" r:id="rId70"/>
+    <p:sldId id="332" r:id="rId71"/>
   </p:sldIdLst>
   <p:sldSz cx="12192000" cy="6858000"/>
   <p:notesSz cx="6858000" cy="9144000"/>
@@ -22635,6 +22631,13 @@
   <p:clrMapOvr>
     <a:masterClrMapping/>
   </p:clrMapOvr>
+  <p:timing>
+    <p:tnLst>
+      <p:par>
+        <p:cTn id="1" dur="indefinite" restart="never" nodeType="tmRoot"/>
+      </p:par>
+    </p:tnLst>
+  </p:timing>
 </p:sld>
 </file>
 
@@ -22777,6 +22780,13 @@
   <p:clrMapOvr>
     <a:masterClrMapping/>
   </p:clrMapOvr>
+  <p:timing>
+    <p:tnLst>
+      <p:par>
+        <p:cTn id="1" dur="indefinite" restart="never" nodeType="tmRoot"/>
+      </p:par>
+    </p:tnLst>
+  </p:timing>
 </p:sld>
 </file>
 
@@ -22887,6 +22897,13 @@
   <p:clrMapOvr>
     <a:masterClrMapping/>
   </p:clrMapOvr>
+  <p:timing>
+    <p:tnLst>
+      <p:par>
+        <p:cTn id="1" dur="indefinite" restart="never" nodeType="tmRoot"/>
+      </p:par>
+    </p:tnLst>
+  </p:timing>
 </p:sld>
 </file>
 
@@ -22943,6 +22960,13 @@
   <p:clrMapOvr>
     <a:masterClrMapping/>
   </p:clrMapOvr>
+  <p:timing>
+    <p:tnLst>
+      <p:par>
+        <p:cTn id="1" dur="indefinite" restart="never" nodeType="tmRoot"/>
+      </p:par>
+    </p:tnLst>
+  </p:timing>
 </p:sld>
 </file>
 
@@ -22975,7 +22999,7 @@
         </p:nvSpPr>
         <p:spPr>
           <a:xfrm>
-            <a:off x="420130" y="4590536"/>
+            <a:off x="354227" y="4195121"/>
             <a:ext cx="10709570" cy="1371600"/>
           </a:xfrm>
         </p:spPr>
@@ -23031,6 +23055,104 @@
       </p:grpSpPr>
       <p:sp>
         <p:nvSpPr>
+          <p:cNvPr id="2" name="Title 1"/>
+          <p:cNvSpPr>
+            <a:spLocks noGrp="1"/>
+          </p:cNvSpPr>
+          <p:nvPr>
+            <p:ph type="title"/>
+          </p:nvPr>
+        </p:nvSpPr>
+        <p:spPr/>
+        <p:txBody>
+          <a:bodyPr/>
+          <a:lstStyle/>
+          <a:p>
+            <a:r>
+              <a:rPr lang="en-US"/>
+              <a:t>command line interface</a:t>
+            </a:r>
+          </a:p>
+        </p:txBody>
+      </p:sp>
+      <p:sp>
+        <p:nvSpPr>
+          <p:cNvPr id="3" name="Content Placeholder 2"/>
+          <p:cNvSpPr>
+            <a:spLocks noGrp="1"/>
+          </p:cNvSpPr>
+          <p:nvPr>
+            <p:ph idx="1"/>
+          </p:nvPr>
+        </p:nvSpPr>
+        <p:spPr>
+          <a:xfrm>
+            <a:off x="684212" y="685800"/>
+            <a:ext cx="9025476" cy="3615267"/>
+          </a:xfrm>
+        </p:spPr>
+        <p:txBody>
+          <a:bodyPr/>
+          <a:lstStyle/>
+          <a:p>
+            <a:r>
+              <a:rPr lang="en-US"/>
+              <a:t>dotnet new [console|classlib|web|mvc|…] –n &lt;OUTPUT_NAME&gt;</a:t>
+            </a:r>
+          </a:p>
+          <a:p>
+            <a:r>
+              <a:rPr lang="en-US"/>
+              <a:t>dotnet build</a:t>
+            </a:r>
+          </a:p>
+          <a:p>
+            <a:r>
+              <a:rPr lang="en-US"/>
+              <a:t>dotnet run</a:t>
+            </a:r>
+          </a:p>
+        </p:txBody>
+      </p:sp>
+    </p:spTree>
+    <p:extLst>
+      <p:ext uri="{BB962C8B-B14F-4D97-AF65-F5344CB8AC3E}">
+        <p14:creationId xmlns:p14="http://schemas.microsoft.com/office/powerpoint/2010/main" val="2806863253"/>
+      </p:ext>
+    </p:extLst>
+  </p:cSld>
+  <p:clrMapOvr>
+    <a:masterClrMapping/>
+  </p:clrMapOvr>
+  <p:timing>
+    <p:tnLst>
+      <p:par>
+        <p:cTn id="1" dur="indefinite" restart="never" nodeType="tmRoot"/>
+      </p:par>
+    </p:tnLst>
+  </p:timing>
+</p:sld>
+</file>
+
+<file path=ppt/slides/slide15.xml><?xml version="1.0" encoding="utf-8"?>
+<p:sld xmlns:a="http://schemas.openxmlformats.org/drawingml/2006/main" xmlns:r="http://schemas.openxmlformats.org/officeDocument/2006/relationships" xmlns:p="http://schemas.openxmlformats.org/presentationml/2006/main">
+  <p:cSld>
+    <p:spTree>
+      <p:nvGrpSpPr>
+        <p:cNvPr id="1" name=""/>
+        <p:cNvGrpSpPr/>
+        <p:nvPr/>
+      </p:nvGrpSpPr>
+      <p:grpSpPr>
+        <a:xfrm>
+          <a:off x="0" y="0"/>
+          <a:ext cx="0" cy="0"/>
+          <a:chOff x="0" y="0"/>
+          <a:chExt cx="0" cy="0"/>
+        </a:xfrm>
+      </p:grpSpPr>
+      <p:sp>
+        <p:nvSpPr>
           <p:cNvPr id="5" name="Title 4"/>
           <p:cNvSpPr>
             <a:spLocks noGrp="1"/>
@@ -23061,10 +23183,17 @@
   <p:clrMapOvr>
     <a:masterClrMapping/>
   </p:clrMapOvr>
+  <p:timing>
+    <p:tnLst>
+      <p:par>
+        <p:cTn id="1" dur="indefinite" restart="never" nodeType="tmRoot"/>
+      </p:par>
+    </p:tnLst>
+  </p:timing>
 </p:sld>
 </file>
 
-<file path=ppt/slides/slide15.xml><?xml version="1.0" encoding="utf-8"?>
+<file path=ppt/slides/slide16.xml><?xml version="1.0" encoding="utf-8"?>
 <p:sld xmlns:a="http://schemas.openxmlformats.org/drawingml/2006/main" xmlns:r="http://schemas.openxmlformats.org/officeDocument/2006/relationships" xmlns:p="http://schemas.openxmlformats.org/presentationml/2006/main">
   <p:cSld>
     <p:spTree>
@@ -23914,10 +24043,17 @@
   <p:clrMapOvr>
     <a:masterClrMapping/>
   </p:clrMapOvr>
+  <p:timing>
+    <p:tnLst>
+      <p:par>
+        <p:cTn id="1" dur="indefinite" restart="never" nodeType="tmRoot"/>
+      </p:par>
+    </p:tnLst>
+  </p:timing>
 </p:sld>
 </file>
 
-<file path=ppt/slides/slide16.xml><?xml version="1.0" encoding="utf-8"?>
+<file path=ppt/slides/slide17.xml><?xml version="1.0" encoding="utf-8"?>
 <p:sld xmlns:a="http://schemas.openxmlformats.org/drawingml/2006/main" xmlns:r="http://schemas.openxmlformats.org/officeDocument/2006/relationships" xmlns:p="http://schemas.openxmlformats.org/presentationml/2006/main">
   <p:cSld>
     <p:spTree>
@@ -24015,58 +24151,13 @@
   <p:clrMapOvr>
     <a:masterClrMapping/>
   </p:clrMapOvr>
-</p:sld>
-</file>
-
-<file path=ppt/slides/slide17.xml><?xml version="1.0" encoding="utf-8"?>
-<p:sld xmlns:a="http://schemas.openxmlformats.org/drawingml/2006/main" xmlns:r="http://schemas.openxmlformats.org/officeDocument/2006/relationships" xmlns:p="http://schemas.openxmlformats.org/presentationml/2006/main">
-  <p:cSld>
-    <p:spTree>
-      <p:nvGrpSpPr>
-        <p:cNvPr id="1" name=""/>
-        <p:cNvGrpSpPr/>
-        <p:nvPr/>
-      </p:nvGrpSpPr>
-      <p:grpSpPr>
-        <a:xfrm>
-          <a:off x="0" y="0"/>
-          <a:ext cx="0" cy="0"/>
-          <a:chOff x="0" y="0"/>
-          <a:chExt cx="0" cy="0"/>
-        </a:xfrm>
-      </p:grpSpPr>
-      <p:sp>
-        <p:nvSpPr>
-          <p:cNvPr id="4" name="Title 3"/>
-          <p:cNvSpPr>
-            <a:spLocks noGrp="1"/>
-          </p:cNvSpPr>
-          <p:nvPr>
-            <p:ph type="title"/>
-          </p:nvPr>
-        </p:nvSpPr>
-        <p:spPr/>
-        <p:txBody>
-          <a:bodyPr/>
-          <a:lstStyle/>
-          <a:p>
-            <a:r>
-              <a:rPr lang="ro-RO"/>
-              <a:t>Power of var keyword</a:t>
-            </a:r>
-          </a:p>
-        </p:txBody>
-      </p:sp>
-    </p:spTree>
-    <p:extLst>
-      <p:ext uri="{BB962C8B-B14F-4D97-AF65-F5344CB8AC3E}">
-        <p14:creationId xmlns:p14="http://schemas.microsoft.com/office/powerpoint/2010/main" val="3855755881"/>
-      </p:ext>
-    </p:extLst>
-  </p:cSld>
-  <p:clrMapOvr>
-    <a:masterClrMapping/>
-  </p:clrMapOvr>
+  <p:timing>
+    <p:tnLst>
+      <p:par>
+        <p:cTn id="1" dur="indefinite" restart="never" nodeType="tmRoot"/>
+      </p:par>
+    </p:tnLst>
+  </p:timing>
 </p:sld>
 </file>
 
@@ -24089,7 +24180,7 @@
       </p:grpSpPr>
       <p:sp>
         <p:nvSpPr>
-          <p:cNvPr id="2" name="Title 1"/>
+          <p:cNvPr id="4" name="Title 3"/>
           <p:cNvSpPr>
             <a:spLocks noGrp="1"/>
           </p:cNvSpPr>
@@ -24103,163 +24194,29 @@
           <a:lstStyle/>
           <a:p>
             <a:r>
-              <a:rPr lang="en-US">
-                <a:cs typeface="+mj-ea"/>
-              </a:rPr>
-              <a:t>How</a:t>
-            </a:r>
-            <a:r>
-              <a:rPr lang="en-US"/>
-              <a:t> Some people do it</a:t>
-            </a:r>
-          </a:p>
-        </p:txBody>
-      </p:sp>
-      <p:sp>
-        <p:nvSpPr>
-          <p:cNvPr id="3" name="Content Placeholder 2"/>
-          <p:cNvSpPr>
-            <a:spLocks noGrp="1"/>
-          </p:cNvSpPr>
-          <p:nvPr>
-            <p:ph idx="1"/>
-          </p:nvPr>
-        </p:nvSpPr>
-        <p:spPr>
-          <a:xfrm>
-            <a:off x="684211" y="685800"/>
-            <a:ext cx="9219205" cy="3615267"/>
-          </a:xfrm>
-        </p:spPr>
-        <p:txBody>
-          <a:bodyPr/>
-          <a:lstStyle/>
-          <a:p>
-            <a:pPr>
-              <a:buNone/>
-            </a:pPr>
-            <a:endParaRPr lang="en-US">
-              <a:solidFill>
-                <a:srgbClr val="FFFFFF"/>
-              </a:solidFill>
-            </a:endParaRPr>
-          </a:p>
-          <a:p>
-            <a:pPr algn="ctr">
-              <a:buNone/>
-            </a:pPr>
-            <a:r>
-              <a:rPr lang="en-US"/>
-              <a:t>Dictionary</a:t>
-            </a:r>
-            <a:r>
               <a:rPr lang="ro-RO"/>
-              <a:t>&lt;</a:t>
-            </a:r>
-            <a:r>
-              <a:rPr lang="en-US"/>
-              <a:t>s</a:t>
-            </a:r>
-            <a:r>
-              <a:rPr lang="ro-RO"/>
-              <a:t>tring, </a:t>
-            </a:r>
-            <a:r>
-              <a:rPr lang="en-US"/>
-              <a:t>s</a:t>
-            </a:r>
-            <a:r>
-              <a:rPr lang="ro-RO"/>
-              <a:t>tring&gt;</a:t>
-            </a:r>
-            <a:r>
-              <a:rPr lang="ro-RO">
-                <a:solidFill>
-                  <a:srgbClr val="FFFFFF"/>
-                </a:solidFill>
-              </a:rPr>
-              <a:t> </a:t>
-            </a:r>
-            <a:r>
-              <a:rPr lang="en-US">
-                <a:solidFill>
-                  <a:srgbClr val="FFFFFF"/>
-                </a:solidFill>
-              </a:rPr>
-              <a:t>dict </a:t>
-            </a:r>
-            <a:r>
-              <a:rPr lang="ro-RO">
-                <a:solidFill>
-                  <a:srgbClr val="FFFFFF"/>
-                </a:solidFill>
-              </a:rPr>
-              <a:t>= </a:t>
-            </a:r>
-            <a:r>
-              <a:rPr lang="ro-RO" noProof="1">
-                <a:solidFill>
-                  <a:srgbClr val="FFFFFF"/>
-                </a:solidFill>
-              </a:rPr>
-              <a:t>new</a:t>
-            </a:r>
-            <a:r>
-              <a:rPr lang="ro-RO">
-                <a:solidFill>
-                  <a:srgbClr val="FFFFFF"/>
-                </a:solidFill>
-              </a:rPr>
-              <a:t> </a:t>
-            </a:r>
-            <a:r>
-              <a:rPr lang="en-US"/>
-              <a:t>Dictionary</a:t>
-            </a:r>
-            <a:r>
-              <a:rPr lang="ro-RO"/>
-              <a:t>&lt;</a:t>
-            </a:r>
-            <a:r>
-              <a:rPr lang="en-US"/>
-              <a:t>s</a:t>
-            </a:r>
-            <a:r>
-              <a:rPr lang="ro-RO"/>
-              <a:t>tring, </a:t>
-            </a:r>
-            <a:r>
-              <a:rPr lang="en-US"/>
-              <a:t>s</a:t>
-            </a:r>
-            <a:r>
-              <a:rPr lang="ro-RO"/>
-              <a:t>tring&gt;(); </a:t>
-            </a:r>
-            <a:endParaRPr lang="ro-RO">
-              <a:solidFill>
-                <a:srgbClr val="FFFFFF"/>
-              </a:solidFill>
-            </a:endParaRPr>
-          </a:p>
-          <a:p>
-            <a:pPr marL="0" indent="0">
-              <a:buNone/>
-            </a:pPr>
-            <a:endParaRPr lang="en-US"/>
+              <a:t>Power of var keyword</a:t>
+            </a:r>
           </a:p>
         </p:txBody>
       </p:sp>
     </p:spTree>
     <p:extLst>
       <p:ext uri="{BB962C8B-B14F-4D97-AF65-F5344CB8AC3E}">
-        <p14:creationId xmlns:p14="http://schemas.microsoft.com/office/powerpoint/2010/main" val="1661514410"/>
+        <p14:creationId xmlns:p14="http://schemas.microsoft.com/office/powerpoint/2010/main" val="3855755881"/>
       </p:ext>
     </p:extLst>
   </p:cSld>
   <p:clrMapOvr>
     <a:masterClrMapping/>
   </p:clrMapOvr>
+  <p:timing>
+    <p:tnLst>
+      <p:par>
+        <p:cTn id="1" dur="indefinite" restart="never" nodeType="tmRoot"/>
+      </p:par>
+    </p:tnLst>
+  </p:timing>
 </p:sld>
 </file>
 
@@ -24282,13 +24239,7 @@
       </p:grpSpPr>
       <p:sp>
         <p:nvSpPr>
-          <p:cNvPr id="2" name="Titlu 1">
-            <a:extLst>
-              <a:ext uri="{FF2B5EF4-FFF2-40B4-BE49-F238E27FC236}">
-                <a16:creationId xmlns="" xmlns:a16="http://schemas.microsoft.com/office/drawing/2014/main" id="{3F2786B4-4C88-4AD7-9506-961C181EB0D4}"/>
-              </a:ext>
-            </a:extLst>
-          </p:cNvPr>
+          <p:cNvPr id="2" name="Title 1"/>
           <p:cNvSpPr>
             <a:spLocks noGrp="1"/>
           </p:cNvSpPr>
@@ -24302,21 +24253,21 @@
           <a:lstStyle/>
           <a:p>
             <a:r>
-              <a:rPr lang="en-US" noProof="1"/>
-              <a:t>How Other people do it</a:t>
-            </a:r>
-          </a:p>
-        </p:txBody>
-      </p:sp>
-      <p:sp>
-        <p:nvSpPr>
-          <p:cNvPr id="3" name="Substituent conținut 2">
-            <a:extLst>
-              <a:ext uri="{FF2B5EF4-FFF2-40B4-BE49-F238E27FC236}">
-                <a16:creationId xmlns="" xmlns:a16="http://schemas.microsoft.com/office/drawing/2014/main" id="{2AB5EE9C-4FF0-4B53-BA44-706D5D8543A0}"/>
-              </a:ext>
-            </a:extLst>
-          </p:cNvPr>
+              <a:rPr lang="en-US">
+                <a:cs typeface="+mj-ea"/>
+              </a:rPr>
+              <a:t>How</a:t>
+            </a:r>
+            <a:r>
+              <a:rPr lang="en-US"/>
+              <a:t> Some people do it</a:t>
+            </a:r>
+          </a:p>
+        </p:txBody>
+      </p:sp>
+      <p:sp>
+        <p:nvSpPr>
+          <p:cNvPr id="3" name="Content Placeholder 2"/>
           <p:cNvSpPr>
             <a:spLocks noGrp="1"/>
           </p:cNvSpPr>
@@ -24326,45 +24277,27 @@
         </p:nvSpPr>
         <p:spPr>
           <a:xfrm>
-            <a:off x="684213" y="685800"/>
-            <a:ext cx="9671085" cy="3614738"/>
+            <a:off x="684211" y="685800"/>
+            <a:ext cx="9219205" cy="3615267"/>
           </a:xfrm>
         </p:spPr>
         <p:txBody>
           <a:bodyPr/>
           <a:lstStyle/>
           <a:p>
-            <a:pPr marL="0" indent="0" algn="ctr">
+            <a:pPr>
               <a:buNone/>
             </a:pPr>
-            <a:r>
-              <a:rPr lang="en-US" noProof="1"/>
-              <a:t>var</a:t>
-            </a:r>
-            <a:r>
-              <a:rPr lang="ro-RO"/>
-              <a:t> </a:t>
-            </a:r>
-            <a:r>
-              <a:rPr lang="en-US"/>
-              <a:t>dict </a:t>
-            </a:r>
-            <a:r>
-              <a:rPr lang="ro-RO"/>
-              <a:t>=</a:t>
-            </a:r>
-            <a:r>
-              <a:rPr lang="ro-RO" dirty="0"/>
-              <a:t> </a:t>
-            </a:r>
-            <a:r>
-              <a:rPr lang="ro-RO" dirty="0" err="1"/>
-              <a:t>new</a:t>
-            </a:r>
-            <a:r>
-              <a:rPr lang="ro-RO" dirty="0"/>
-              <a:t> </a:t>
-            </a:r>
+            <a:endParaRPr lang="en-US">
+              <a:solidFill>
+                <a:srgbClr val="FFFFFF"/>
+              </a:solidFill>
+            </a:endParaRPr>
+          </a:p>
+          <a:p>
+            <a:pPr algn="ctr">
+              <a:buNone/>
+            </a:pPr>
             <a:r>
               <a:rPr lang="en-US"/>
               <a:t>Dictionary</a:t>
@@ -24374,7 +24307,7 @@
               <a:t>&lt;</a:t>
             </a:r>
             <a:r>
-              <a:rPr lang="en-US" dirty="0" err="1"/>
+              <a:rPr lang="en-US"/>
               <a:t>s</a:t>
             </a:r>
             <a:r>
@@ -24382,26 +24315,108 @@
               <a:t>tring, </a:t>
             </a:r>
             <a:r>
-              <a:rPr lang="en-US" dirty="0" err="1"/>
+              <a:rPr lang="en-US"/>
+              <a:t>s</a:t>
+            </a:r>
+            <a:r>
+              <a:rPr lang="ro-RO"/>
+              <a:t>tring&gt;</a:t>
+            </a:r>
+            <a:r>
+              <a:rPr lang="ro-RO">
+                <a:solidFill>
+                  <a:srgbClr val="FFFFFF"/>
+                </a:solidFill>
+              </a:rPr>
+              <a:t> </a:t>
+            </a:r>
+            <a:r>
+              <a:rPr lang="en-US">
+                <a:solidFill>
+                  <a:srgbClr val="FFFFFF"/>
+                </a:solidFill>
+              </a:rPr>
+              <a:t>dict </a:t>
+            </a:r>
+            <a:r>
+              <a:rPr lang="ro-RO">
+                <a:solidFill>
+                  <a:srgbClr val="FFFFFF"/>
+                </a:solidFill>
+              </a:rPr>
+              <a:t>= </a:t>
+            </a:r>
+            <a:r>
+              <a:rPr lang="ro-RO" noProof="1">
+                <a:solidFill>
+                  <a:srgbClr val="FFFFFF"/>
+                </a:solidFill>
+              </a:rPr>
+              <a:t>new</a:t>
+            </a:r>
+            <a:r>
+              <a:rPr lang="ro-RO">
+                <a:solidFill>
+                  <a:srgbClr val="FFFFFF"/>
+                </a:solidFill>
+              </a:rPr>
+              <a:t> </a:t>
+            </a:r>
+            <a:r>
+              <a:rPr lang="en-US"/>
+              <a:t>Dictionary</a:t>
+            </a:r>
+            <a:r>
+              <a:rPr lang="ro-RO"/>
+              <a:t>&lt;</a:t>
+            </a:r>
+            <a:r>
+              <a:rPr lang="en-US"/>
+              <a:t>s</a:t>
+            </a:r>
+            <a:r>
+              <a:rPr lang="ro-RO"/>
+              <a:t>tring, </a:t>
+            </a:r>
+            <a:r>
+              <a:rPr lang="en-US"/>
               <a:t>s</a:t>
             </a:r>
             <a:r>
               <a:rPr lang="ro-RO"/>
               <a:t>tring&gt;(); </a:t>
             </a:r>
+            <a:endParaRPr lang="ro-RO">
+              <a:solidFill>
+                <a:srgbClr val="FFFFFF"/>
+              </a:solidFill>
+            </a:endParaRPr>
+          </a:p>
+          <a:p>
+            <a:pPr marL="0" indent="0">
+              <a:buNone/>
+            </a:pPr>
+            <a:endParaRPr lang="en-US"/>
           </a:p>
         </p:txBody>
       </p:sp>
     </p:spTree>
     <p:extLst>
       <p:ext uri="{BB962C8B-B14F-4D97-AF65-F5344CB8AC3E}">
-        <p14:creationId xmlns:p14="http://schemas.microsoft.com/office/powerpoint/2010/main" val="1129742499"/>
+        <p14:creationId xmlns:p14="http://schemas.microsoft.com/office/powerpoint/2010/main" val="1661514410"/>
       </p:ext>
     </p:extLst>
   </p:cSld>
   <p:clrMapOvr>
     <a:masterClrMapping/>
   </p:clrMapOvr>
+  <p:timing>
+    <p:tnLst>
+      <p:par>
+        <p:cTn id="1" dur="indefinite" restart="never" nodeType="tmRoot"/>
+      </p:par>
+    </p:tnLst>
+  </p:timing>
 </p:sld>
 </file>
 
@@ -24493,6 +24508,13 @@
   <p:clrMapOvr>
     <a:masterClrMapping/>
   </p:clrMapOvr>
+  <p:timing>
+    <p:tnLst>
+      <p:par>
+        <p:cTn id="1" dur="indefinite" restart="never" nodeType="tmRoot"/>
+      </p:par>
+    </p:tnLst>
+  </p:timing>
 </p:sld>
 </file>
 
@@ -24515,7 +24537,13 @@
       </p:grpSpPr>
       <p:sp>
         <p:nvSpPr>
-          <p:cNvPr id="4" name="Title 3"/>
+          <p:cNvPr id="2" name="Titlu 1">
+            <a:extLst>
+              <a:ext uri="{FF2B5EF4-FFF2-40B4-BE49-F238E27FC236}">
+                <a16:creationId xmlns="" xmlns:a16="http://schemas.microsoft.com/office/drawing/2014/main" id="{3F2786B4-4C88-4AD7-9506-961C181EB0D4}"/>
+              </a:ext>
+            </a:extLst>
+          </p:cNvPr>
           <p:cNvSpPr>
             <a:spLocks noGrp="1"/>
           </p:cNvSpPr>
@@ -24529,233 +24557,92 @@
           <a:lstStyle/>
           <a:p>
             <a:r>
-              <a:rPr lang="en-US"/>
-              <a:t>Declaration may var-y</a:t>
-            </a:r>
-          </a:p>
-        </p:txBody>
-      </p:sp>
-      <p:sp>
-        <p:nvSpPr>
-          <p:cNvPr id="5" name="Text Placeholder 4"/>
-          <p:cNvSpPr>
-            <a:spLocks noGrp="1"/>
-          </p:cNvSpPr>
-          <p:nvPr>
-            <p:ph type="body" idx="1"/>
-          </p:nvPr>
-        </p:nvSpPr>
-        <p:spPr/>
-        <p:txBody>
-          <a:bodyPr/>
-          <a:lstStyle/>
-          <a:p>
-            <a:r>
-              <a:rPr lang="en-US" noProof="1">
-                <a:solidFill>
-                  <a:srgbClr val="FFFFFF"/>
-                </a:solidFill>
-              </a:rPr>
-              <a:t>Implicitly typed</a:t>
-            </a:r>
-            <a:endParaRPr lang="en-US"/>
-          </a:p>
-        </p:txBody>
-      </p:sp>
-      <p:sp>
-        <p:nvSpPr>
-          <p:cNvPr id="6" name="Content Placeholder 5"/>
-          <p:cNvSpPr>
-            <a:spLocks noGrp="1"/>
-          </p:cNvSpPr>
-          <p:nvPr>
-            <p:ph sz="half" idx="2"/>
-          </p:nvPr>
-        </p:nvSpPr>
-        <p:spPr/>
-        <p:txBody>
-          <a:bodyPr>
-            <a:normAutofit/>
-          </a:bodyPr>
-          <a:lstStyle/>
-          <a:p>
-            <a:pPr marL="0" indent="0">
-              <a:lnSpc>
-                <a:spcPct val="250000"/>
-              </a:lnSpc>
-              <a:buNone/>
-            </a:pPr>
-            <a:r>
-              <a:rPr lang="en-US" sz="1500" noProof="1">
-                <a:solidFill>
-                  <a:srgbClr val="FFFFFF"/>
-                </a:solidFill>
-              </a:rPr>
-              <a:t>var i = 10;</a:t>
-            </a:r>
-          </a:p>
-          <a:p>
-            <a:pPr marL="0" indent="0">
-              <a:lnSpc>
-                <a:spcPct val="250000"/>
-              </a:lnSpc>
-              <a:buNone/>
-            </a:pPr>
-            <a:r>
-              <a:rPr lang="en-US" sz="1500" noProof="1">
-                <a:solidFill>
-                  <a:srgbClr val="FFFFFF"/>
-                </a:solidFill>
-              </a:rPr>
-              <a:t>var user = new User();</a:t>
-            </a:r>
-          </a:p>
-          <a:p>
-            <a:pPr marL="0" indent="0">
-              <a:lnSpc>
-                <a:spcPct val="250000"/>
-              </a:lnSpc>
-              <a:buNone/>
-            </a:pPr>
-            <a:r>
-              <a:rPr lang="en-US" sz="1500"/>
-              <a:t>var magicResult = GenerateMagicMethod();</a:t>
-            </a:r>
-          </a:p>
-          <a:p>
-            <a:pPr marL="0" indent="0">
-              <a:lnSpc>
-                <a:spcPct val="250000"/>
-              </a:lnSpc>
-              <a:buNone/>
-            </a:pPr>
-            <a:r>
-              <a:rPr lang="en-US" sz="1500"/>
-              <a:t>var map = new Dictionary&lt;string, string&gt;();</a:t>
-            </a:r>
-          </a:p>
-          <a:p>
-            <a:pPr marL="0" indent="0">
-              <a:lnSpc>
-                <a:spcPct val="250000"/>
-              </a:lnSpc>
-              <a:buNone/>
-            </a:pPr>
-            <a:endParaRPr lang="en-US" sz="1500"/>
-          </a:p>
-          <a:p>
-            <a:pPr marL="0" indent="0">
-              <a:lnSpc>
-                <a:spcPct val="250000"/>
-              </a:lnSpc>
-              <a:buNone/>
-            </a:pPr>
-            <a:endParaRPr lang="en-US" sz="1500"/>
-          </a:p>
-        </p:txBody>
-      </p:sp>
-      <p:sp>
-        <p:nvSpPr>
-          <p:cNvPr id="7" name="Text Placeholder 6"/>
-          <p:cNvSpPr>
-            <a:spLocks noGrp="1"/>
-          </p:cNvSpPr>
-          <p:nvPr>
-            <p:ph type="body" sz="quarter" idx="3"/>
-          </p:nvPr>
-        </p:nvSpPr>
-        <p:spPr/>
-        <p:txBody>
-          <a:bodyPr/>
-          <a:lstStyle/>
-          <a:p>
-            <a:r>
-              <a:rPr lang="en-US" noProof="1">
-                <a:solidFill>
-                  <a:srgbClr val="FFFFFF"/>
-                </a:solidFill>
-              </a:rPr>
-              <a:t>Explicitily typed</a:t>
-            </a:r>
-            <a:endParaRPr lang="en-US"/>
-          </a:p>
-        </p:txBody>
-      </p:sp>
-      <p:sp>
-        <p:nvSpPr>
-          <p:cNvPr id="8" name="Content Placeholder 7"/>
-          <p:cNvSpPr>
-            <a:spLocks noGrp="1"/>
-          </p:cNvSpPr>
-          <p:nvPr>
-            <p:ph sz="quarter" idx="4"/>
+              <a:rPr lang="en-US" noProof="1"/>
+              <a:t>How Other people do it</a:t>
+            </a:r>
+          </a:p>
+        </p:txBody>
+      </p:sp>
+      <p:sp>
+        <p:nvSpPr>
+          <p:cNvPr id="3" name="Substituent conținut 2">
+            <a:extLst>
+              <a:ext uri="{FF2B5EF4-FFF2-40B4-BE49-F238E27FC236}">
+                <a16:creationId xmlns="" xmlns:a16="http://schemas.microsoft.com/office/drawing/2014/main" id="{2AB5EE9C-4FF0-4B53-BA44-706D5D8543A0}"/>
+              </a:ext>
+            </a:extLst>
+          </p:cNvPr>
+          <p:cNvSpPr>
+            <a:spLocks noGrp="1"/>
+          </p:cNvSpPr>
+          <p:nvPr>
+            <p:ph idx="1"/>
           </p:nvPr>
         </p:nvSpPr>
         <p:spPr>
           <a:xfrm>
-            <a:off x="5806544" y="1262062"/>
-            <a:ext cx="5266995" cy="3030538"/>
+            <a:off x="684213" y="685800"/>
+            <a:ext cx="9671085" cy="3614738"/>
           </a:xfrm>
         </p:spPr>
         <p:txBody>
-          <a:bodyPr>
-            <a:noAutofit/>
-          </a:bodyPr>
-          <a:lstStyle/>
-          <a:p>
-            <a:pPr marL="0" indent="0">
-              <a:lnSpc>
-                <a:spcPct val="250000"/>
-              </a:lnSpc>
+          <a:bodyPr/>
+          <a:lstStyle/>
+          <a:p>
+            <a:pPr marL="0" indent="0" algn="ctr">
               <a:buNone/>
             </a:pPr>
             <a:r>
-              <a:rPr lang="en-US" sz="1500" noProof="1">
-                <a:solidFill>
-                  <a:srgbClr val="FFFFFF"/>
-                </a:solidFill>
-              </a:rPr>
-              <a:t>int i = 10;</a:t>
-            </a:r>
-          </a:p>
-          <a:p>
-            <a:pPr marL="0" indent="0">
-              <a:lnSpc>
-                <a:spcPct val="250000"/>
-              </a:lnSpc>
-              <a:buNone/>
-            </a:pPr>
-            <a:r>
-              <a:rPr lang="en-US" sz="1500" noProof="1">
-                <a:solidFill>
-                  <a:srgbClr val="FFFFFF"/>
-                </a:solidFill>
-              </a:rPr>
-              <a:t>User user = new User();</a:t>
-            </a:r>
-          </a:p>
-          <a:p>
-            <a:pPr marL="0" indent="0">
-              <a:lnSpc>
-                <a:spcPct val="250000"/>
-              </a:lnSpc>
-              <a:buNone/>
-            </a:pPr>
-            <a:r>
-              <a:rPr lang="en-US" sz="1500"/>
-              <a:t>Magic magicResult = GenerateMagicMethod();</a:t>
-            </a:r>
-          </a:p>
-          <a:p>
-            <a:pPr marL="0" indent="0">
-              <a:lnSpc>
-                <a:spcPct val="250000"/>
-              </a:lnSpc>
-              <a:buNone/>
-            </a:pPr>
-            <a:r>
-              <a:rPr lang="en-US" sz="1500"/>
-              <a:t>Dictionary&lt;string, string&gt; map = new Dictionary&lt;string, string&gt;();//this says a lot</a:t>
+              <a:rPr lang="en-US" noProof="1"/>
+              <a:t>var</a:t>
+            </a:r>
+            <a:r>
+              <a:rPr lang="ro-RO"/>
+              <a:t> </a:t>
+            </a:r>
+            <a:r>
+              <a:rPr lang="en-US"/>
+              <a:t>dict </a:t>
+            </a:r>
+            <a:r>
+              <a:rPr lang="ro-RO"/>
+              <a:t>=</a:t>
+            </a:r>
+            <a:r>
+              <a:rPr lang="ro-RO" dirty="0"/>
+              <a:t> </a:t>
+            </a:r>
+            <a:r>
+              <a:rPr lang="ro-RO" dirty="0" err="1"/>
+              <a:t>new</a:t>
+            </a:r>
+            <a:r>
+              <a:rPr lang="ro-RO" dirty="0"/>
+              <a:t> </a:t>
+            </a:r>
+            <a:r>
+              <a:rPr lang="en-US"/>
+              <a:t>Dictionary</a:t>
+            </a:r>
+            <a:r>
+              <a:rPr lang="ro-RO"/>
+              <a:t>&lt;</a:t>
+            </a:r>
+            <a:r>
+              <a:rPr lang="en-US" dirty="0" err="1"/>
+              <a:t>s</a:t>
+            </a:r>
+            <a:r>
+              <a:rPr lang="ro-RO"/>
+              <a:t>tring, </a:t>
+            </a:r>
+            <a:r>
+              <a:rPr lang="en-US" dirty="0" err="1"/>
+              <a:t>s</a:t>
+            </a:r>
+            <a:r>
+              <a:rPr lang="ro-RO"/>
+              <a:t>tring&gt;(); </a:t>
             </a:r>
           </a:p>
         </p:txBody>
@@ -24763,13 +24650,20 @@
     </p:spTree>
     <p:extLst>
       <p:ext uri="{BB962C8B-B14F-4D97-AF65-F5344CB8AC3E}">
-        <p14:creationId xmlns:p14="http://schemas.microsoft.com/office/powerpoint/2010/main" val="3576202317"/>
+        <p14:creationId xmlns:p14="http://schemas.microsoft.com/office/powerpoint/2010/main" val="1129742499"/>
       </p:ext>
     </p:extLst>
   </p:cSld>
   <p:clrMapOvr>
     <a:masterClrMapping/>
   </p:clrMapOvr>
+  <p:timing>
+    <p:tnLst>
+      <p:par>
+        <p:cTn id="1" dur="indefinite" restart="never" nodeType="tmRoot"/>
+      </p:par>
+    </p:tnLst>
+  </p:timing>
 </p:sld>
 </file>
 
@@ -24792,12 +24686,61 @@
       </p:grpSpPr>
       <p:sp>
         <p:nvSpPr>
-          <p:cNvPr id="2" name="Title 1"/>
+          <p:cNvPr id="4" name="Title 3"/>
           <p:cNvSpPr>
             <a:spLocks noGrp="1"/>
           </p:cNvSpPr>
           <p:nvPr>
             <p:ph type="title"/>
+          </p:nvPr>
+        </p:nvSpPr>
+        <p:spPr/>
+        <p:txBody>
+          <a:bodyPr/>
+          <a:lstStyle/>
+          <a:p>
+            <a:r>
+              <a:rPr lang="en-US"/>
+              <a:t>Declaration may var-y</a:t>
+            </a:r>
+          </a:p>
+        </p:txBody>
+      </p:sp>
+      <p:sp>
+        <p:nvSpPr>
+          <p:cNvPr id="5" name="Text Placeholder 4"/>
+          <p:cNvSpPr>
+            <a:spLocks noGrp="1"/>
+          </p:cNvSpPr>
+          <p:nvPr>
+            <p:ph type="body" idx="1"/>
+          </p:nvPr>
+        </p:nvSpPr>
+        <p:spPr/>
+        <p:txBody>
+          <a:bodyPr/>
+          <a:lstStyle/>
+          <a:p>
+            <a:r>
+              <a:rPr lang="en-US" noProof="1">
+                <a:solidFill>
+                  <a:srgbClr val="FFFFFF"/>
+                </a:solidFill>
+              </a:rPr>
+              <a:t>Implicitly typed</a:t>
+            </a:r>
+            <a:endParaRPr lang="en-US"/>
+          </a:p>
+        </p:txBody>
+      </p:sp>
+      <p:sp>
+        <p:nvSpPr>
+          <p:cNvPr id="6" name="Content Placeholder 5"/>
+          <p:cNvSpPr>
+            <a:spLocks noGrp="1"/>
+          </p:cNvSpPr>
+          <p:nvPr>
+            <p:ph sz="half" idx="2"/>
           </p:nvPr>
         </p:nvSpPr>
         <p:spPr/>
@@ -24807,9 +24750,103 @@
           </a:bodyPr>
           <a:lstStyle/>
           <a:p>
-            <a:r>
-              <a:rPr lang="ro-RO"/>
-              <a:t>Only variables declared at method scope can use var</a:t>
+            <a:pPr marL="0" indent="0">
+              <a:lnSpc>
+                <a:spcPct val="250000"/>
+              </a:lnSpc>
+              <a:buNone/>
+            </a:pPr>
+            <a:r>
+              <a:rPr lang="en-US" sz="1500" noProof="1">
+                <a:solidFill>
+                  <a:srgbClr val="FFFFFF"/>
+                </a:solidFill>
+              </a:rPr>
+              <a:t>var i = 10;</a:t>
+            </a:r>
+          </a:p>
+          <a:p>
+            <a:pPr marL="0" indent="0">
+              <a:lnSpc>
+                <a:spcPct val="250000"/>
+              </a:lnSpc>
+              <a:buNone/>
+            </a:pPr>
+            <a:r>
+              <a:rPr lang="en-US" sz="1500" noProof="1">
+                <a:solidFill>
+                  <a:srgbClr val="FFFFFF"/>
+                </a:solidFill>
+              </a:rPr>
+              <a:t>var user = new User();</a:t>
+            </a:r>
+          </a:p>
+          <a:p>
+            <a:pPr marL="0" indent="0">
+              <a:lnSpc>
+                <a:spcPct val="250000"/>
+              </a:lnSpc>
+              <a:buNone/>
+            </a:pPr>
+            <a:r>
+              <a:rPr lang="en-US" sz="1500"/>
+              <a:t>var magicResult = GenerateMagicMethod();</a:t>
+            </a:r>
+          </a:p>
+          <a:p>
+            <a:pPr marL="0" indent="0">
+              <a:lnSpc>
+                <a:spcPct val="250000"/>
+              </a:lnSpc>
+              <a:buNone/>
+            </a:pPr>
+            <a:r>
+              <a:rPr lang="en-US" sz="1500"/>
+              <a:t>var map = new Dictionary&lt;string, string&gt;();</a:t>
+            </a:r>
+          </a:p>
+          <a:p>
+            <a:pPr marL="0" indent="0">
+              <a:lnSpc>
+                <a:spcPct val="250000"/>
+              </a:lnSpc>
+              <a:buNone/>
+            </a:pPr>
+            <a:endParaRPr lang="en-US" sz="1500"/>
+          </a:p>
+          <a:p>
+            <a:pPr marL="0" indent="0">
+              <a:lnSpc>
+                <a:spcPct val="250000"/>
+              </a:lnSpc>
+              <a:buNone/>
+            </a:pPr>
+            <a:endParaRPr lang="en-US" sz="1500"/>
+          </a:p>
+        </p:txBody>
+      </p:sp>
+      <p:sp>
+        <p:nvSpPr>
+          <p:cNvPr id="7" name="Text Placeholder 6"/>
+          <p:cNvSpPr>
+            <a:spLocks noGrp="1"/>
+          </p:cNvSpPr>
+          <p:nvPr>
+            <p:ph type="body" sz="quarter" idx="3"/>
+          </p:nvPr>
+        </p:nvSpPr>
+        <p:spPr/>
+        <p:txBody>
+          <a:bodyPr/>
+          <a:lstStyle/>
+          <a:p>
+            <a:r>
+              <a:rPr lang="en-US" noProof="1">
+                <a:solidFill>
+                  <a:srgbClr val="FFFFFF"/>
+                </a:solidFill>
+              </a:rPr>
+              <a:t>Explicitily typed</a:t>
             </a:r>
             <a:endParaRPr lang="en-US"/>
           </a:p>
@@ -24817,232 +24854,100 @@
       </p:sp>
       <p:sp>
         <p:nvSpPr>
-          <p:cNvPr id="3" name="Text Placeholder 2"/>
-          <p:cNvSpPr>
-            <a:spLocks noGrp="1"/>
-          </p:cNvSpPr>
-          <p:nvPr>
-            <p:ph type="body" idx="1"/>
-          </p:nvPr>
-        </p:nvSpPr>
-        <p:spPr/>
-        <p:txBody>
-          <a:bodyPr/>
-          <a:lstStyle/>
-          <a:p>
-            <a:r>
-              <a:rPr lang="en-US"/>
-              <a:t>This works	</a:t>
-            </a:r>
-          </a:p>
-        </p:txBody>
-      </p:sp>
-      <p:sp>
-        <p:nvSpPr>
-          <p:cNvPr id="4" name="Content Placeholder 3"/>
-          <p:cNvSpPr>
-            <a:spLocks noGrp="1"/>
-          </p:cNvSpPr>
-          <p:nvPr>
-            <p:ph sz="half" idx="2"/>
-          </p:nvPr>
-        </p:nvSpPr>
-        <p:spPr/>
+          <p:cNvPr id="8" name="Content Placeholder 7"/>
+          <p:cNvSpPr>
+            <a:spLocks noGrp="1"/>
+          </p:cNvSpPr>
+          <p:nvPr>
+            <p:ph sz="quarter" idx="4"/>
+          </p:nvPr>
+        </p:nvSpPr>
+        <p:spPr>
+          <a:xfrm>
+            <a:off x="5806544" y="1262062"/>
+            <a:ext cx="5266995" cy="3030538"/>
+          </a:xfrm>
+        </p:spPr>
         <p:txBody>
           <a:bodyPr>
-            <a:normAutofit lnSpcReduction="10000"/>
+            <a:noAutofit/>
           </a:bodyPr>
           <a:lstStyle/>
           <a:p>
             <a:pPr marL="0" indent="0">
+              <a:lnSpc>
+                <a:spcPct val="250000"/>
+              </a:lnSpc>
               <a:buNone/>
             </a:pPr>
-            <a:endParaRPr lang="en-US"/>
+            <a:r>
+              <a:rPr lang="en-US" sz="1500" noProof="1">
+                <a:solidFill>
+                  <a:srgbClr val="FFFFFF"/>
+                </a:solidFill>
+              </a:rPr>
+              <a:t>int i = 10;</a:t>
+            </a:r>
           </a:p>
           <a:p>
             <a:pPr marL="0" indent="0">
+              <a:lnSpc>
+                <a:spcPct val="250000"/>
+              </a:lnSpc>
               <a:buNone/>
             </a:pPr>
             <a:r>
-              <a:rPr lang="en-US"/>
-              <a:t>public int Number = 1;</a:t>
+              <a:rPr lang="en-US" sz="1500" noProof="1">
+                <a:solidFill>
+                  <a:srgbClr val="FFFFFF"/>
+                </a:solidFill>
+              </a:rPr>
+              <a:t>User user = new User();</a:t>
             </a:r>
           </a:p>
           <a:p>
             <a:pPr marL="0" indent="0">
+              <a:lnSpc>
+                <a:spcPct val="250000"/>
+              </a:lnSpc>
               <a:buNone/>
             </a:pPr>
             <a:r>
-              <a:rPr lang="en-US"/>
-              <a:t>public int Increment()</a:t>
+              <a:rPr lang="en-US" sz="1500"/>
+              <a:t>Magic magicResult = GenerateMagicMethod();</a:t>
             </a:r>
           </a:p>
           <a:p>
             <a:pPr marL="0" indent="0">
+              <a:lnSpc>
+                <a:spcPct val="250000"/>
+              </a:lnSpc>
               <a:buNone/>
             </a:pPr>
             <a:r>
-              <a:rPr lang="en-US"/>
-              <a:t>{</a:t>
-            </a:r>
-          </a:p>
-          <a:p>
-            <a:pPr marL="0" indent="0">
-              <a:buNone/>
-            </a:pPr>
-            <a:r>
-              <a:rPr lang="en-US"/>
-              <a:t>	var newNumber = Number + 1;</a:t>
-            </a:r>
-          </a:p>
-          <a:p>
-            <a:pPr marL="0" indent="0">
-              <a:buNone/>
-            </a:pPr>
-            <a:r>
-              <a:rPr lang="en-US"/>
-              <a:t>	return newNumber;</a:t>
-            </a:r>
-          </a:p>
-          <a:p>
-            <a:pPr marL="0" indent="0">
-              <a:buNone/>
-            </a:pPr>
-            <a:r>
-              <a:rPr lang="en-US"/>
-              <a:t>}</a:t>
-            </a:r>
-          </a:p>
-        </p:txBody>
-      </p:sp>
-      <p:sp>
-        <p:nvSpPr>
-          <p:cNvPr id="5" name="Text Placeholder 4"/>
-          <p:cNvSpPr>
-            <a:spLocks noGrp="1"/>
-          </p:cNvSpPr>
-          <p:nvPr>
-            <p:ph type="body" sz="quarter" idx="3"/>
-          </p:nvPr>
-        </p:nvSpPr>
-        <p:spPr/>
-        <p:txBody>
-          <a:bodyPr/>
-          <a:lstStyle/>
-          <a:p>
-            <a:r>
-              <a:rPr lang="en-US"/>
-              <a:t>This doesn’t</a:t>
-            </a:r>
-          </a:p>
-        </p:txBody>
-      </p:sp>
-      <p:sp>
-        <p:nvSpPr>
-          <p:cNvPr id="6" name="Content Placeholder 5"/>
-          <p:cNvSpPr>
-            <a:spLocks noGrp="1"/>
-          </p:cNvSpPr>
-          <p:nvPr>
-            <p:ph sz="quarter" idx="4"/>
-          </p:nvPr>
-        </p:nvSpPr>
-        <p:spPr/>
-        <p:txBody>
-          <a:bodyPr>
-            <a:normAutofit lnSpcReduction="10000"/>
-          </a:bodyPr>
-          <a:lstStyle/>
-          <a:p>
-            <a:pPr marL="0" indent="0">
-              <a:buNone/>
-            </a:pPr>
-            <a:endParaRPr lang="en-US"/>
-          </a:p>
-          <a:p>
-            <a:pPr marL="0" indent="0">
-              <a:buNone/>
-            </a:pPr>
-            <a:r>
-              <a:rPr lang="en-US"/>
-              <a:t>public </a:t>
-            </a:r>
-            <a:r>
-              <a:rPr lang="en-US">
-                <a:solidFill>
-                  <a:srgbClr val="FF0000"/>
-                </a:solidFill>
-              </a:rPr>
-              <a:t>var</a:t>
-            </a:r>
-            <a:r>
-              <a:rPr lang="en-US"/>
-              <a:t> Number = 1;</a:t>
-            </a:r>
-          </a:p>
-          <a:p>
-            <a:pPr marL="0" indent="0">
-              <a:buNone/>
-            </a:pPr>
-            <a:r>
-              <a:rPr lang="en-US"/>
-              <a:t>public int Increment()</a:t>
-            </a:r>
-          </a:p>
-          <a:p>
-            <a:pPr marL="0" indent="0">
-              <a:buNone/>
-            </a:pPr>
-            <a:r>
-              <a:rPr lang="en-US"/>
-              <a:t>{</a:t>
-            </a:r>
-          </a:p>
-          <a:p>
-            <a:pPr marL="0" indent="0">
-              <a:buNone/>
-            </a:pPr>
-            <a:r>
-              <a:rPr lang="en-US"/>
-              <a:t>	var newNumber = Number + 1;</a:t>
-            </a:r>
-          </a:p>
-          <a:p>
-            <a:pPr marL="0" indent="0">
-              <a:buNone/>
-            </a:pPr>
-            <a:r>
-              <a:rPr lang="en-US"/>
-              <a:t>	return newNumber;</a:t>
-            </a:r>
-          </a:p>
-          <a:p>
-            <a:pPr marL="0" indent="0">
-              <a:buNone/>
-            </a:pPr>
-            <a:r>
-              <a:rPr lang="en-US"/>
-              <a:t>}</a:t>
-            </a:r>
-          </a:p>
-          <a:p>
-            <a:pPr marL="0" indent="0">
-              <a:buNone/>
-            </a:pPr>
-            <a:endParaRPr lang="en-US"/>
+              <a:rPr lang="en-US" sz="1500"/>
+              <a:t>Dictionary&lt;string, string&gt; map = new Dictionary&lt;string, string&gt;();//this says a lot</a:t>
+            </a:r>
           </a:p>
         </p:txBody>
       </p:sp>
     </p:spTree>
     <p:extLst>
       <p:ext uri="{BB962C8B-B14F-4D97-AF65-F5344CB8AC3E}">
-        <p14:creationId xmlns:p14="http://schemas.microsoft.com/office/powerpoint/2010/main" val="811104857"/>
+        <p14:creationId xmlns:p14="http://schemas.microsoft.com/office/powerpoint/2010/main" val="3576202317"/>
       </p:ext>
     </p:extLst>
   </p:cSld>
   <p:clrMapOvr>
     <a:masterClrMapping/>
   </p:clrMapOvr>
+  <p:timing>
+    <p:tnLst>
+      <p:par>
+        <p:cTn id="1" dur="indefinite" restart="never" nodeType="tmRoot"/>
+      </p:par>
+    </p:tnLst>
+  </p:timing>
 </p:sld>
 </file>
 
@@ -25075,120 +24980,122 @@
         </p:nvSpPr>
         <p:spPr/>
         <p:txBody>
+          <a:bodyPr>
+            <a:normAutofit/>
+          </a:bodyPr>
+          <a:lstStyle/>
+          <a:p>
+            <a:r>
+              <a:rPr lang="ro-RO"/>
+              <a:t>Only variables declared at method scope can use var</a:t>
+            </a:r>
+            <a:endParaRPr lang="en-US"/>
+          </a:p>
+        </p:txBody>
+      </p:sp>
+      <p:sp>
+        <p:nvSpPr>
+          <p:cNvPr id="3" name="Text Placeholder 2"/>
+          <p:cNvSpPr>
+            <a:spLocks noGrp="1"/>
+          </p:cNvSpPr>
+          <p:nvPr>
+            <p:ph type="body" idx="1"/>
+          </p:nvPr>
+        </p:nvSpPr>
+        <p:spPr/>
+        <p:txBody>
           <a:bodyPr/>
           <a:lstStyle/>
           <a:p>
             <a:r>
-              <a:rPr lang="ro-RO"/>
-              <a:t>Only variables </a:t>
-            </a:r>
-            <a:r>
               <a:rPr lang="en-US"/>
-              <a:t>with a clear type</a:t>
-            </a:r>
-            <a:r>
-              <a:rPr lang="ro-RO"/>
-              <a:t> can use var</a:t>
-            </a:r>
-            <a:endParaRPr lang="en-US"/>
-          </a:p>
-        </p:txBody>
-      </p:sp>
-      <p:sp>
-        <p:nvSpPr>
-          <p:cNvPr id="4" name="Text Placeholder 3"/>
-          <p:cNvSpPr>
-            <a:spLocks noGrp="1"/>
-          </p:cNvSpPr>
-          <p:nvPr>
-            <p:ph type="body" idx="1"/>
+              <a:t>This works	</a:t>
+            </a:r>
+          </a:p>
+        </p:txBody>
+      </p:sp>
+      <p:sp>
+        <p:nvSpPr>
+          <p:cNvPr id="4" name="Content Placeholder 3"/>
+          <p:cNvSpPr>
+            <a:spLocks noGrp="1"/>
+          </p:cNvSpPr>
+          <p:nvPr>
+            <p:ph sz="half" idx="2"/>
           </p:nvPr>
         </p:nvSpPr>
         <p:spPr/>
         <p:txBody>
-          <a:bodyPr/>
-          <a:lstStyle/>
-          <a:p>
-            <a:r>
-              <a:rPr lang="en-US"/>
-              <a:t>This works</a:t>
-            </a:r>
-          </a:p>
-        </p:txBody>
-      </p:sp>
-      <p:sp>
-        <p:nvSpPr>
-          <p:cNvPr id="5" name="Content Placeholder 4"/>
-          <p:cNvSpPr>
-            <a:spLocks noGrp="1"/>
-          </p:cNvSpPr>
-          <p:nvPr>
-            <p:ph sz="half" idx="2"/>
-          </p:nvPr>
-        </p:nvSpPr>
-        <p:spPr/>
-        <p:txBody>
-          <a:bodyPr anchor="ctr"/>
-          <a:lstStyle/>
-          <a:p>
-            <a:pPr marL="457200" lvl="1" indent="0">
-              <a:lnSpc>
-                <a:spcPct val="150000"/>
-              </a:lnSpc>
-              <a:buNone/>
-            </a:pPr>
-            <a:r>
-              <a:rPr lang="en-US" noProof="1">
-                <a:solidFill>
-                  <a:srgbClr val="FFFFFF"/>
-                </a:solidFill>
-              </a:rPr>
-              <a:t>int five;</a:t>
-            </a:r>
-          </a:p>
-          <a:p>
-            <a:pPr marL="457200" lvl="1" indent="0">
-              <a:lnSpc>
-                <a:spcPct val="150000"/>
-              </a:lnSpc>
-              <a:buNone/>
-            </a:pPr>
-            <a:r>
-              <a:rPr lang="en-US" noProof="1">
-                <a:solidFill>
-                  <a:srgbClr val="FFFFFF"/>
-                </a:solidFill>
-              </a:rPr>
-              <a:t>five = 5;</a:t>
-            </a:r>
-          </a:p>
-          <a:p>
-            <a:pPr marL="457200" lvl="1" indent="0">
-              <a:lnSpc>
-                <a:spcPct val="150000"/>
-              </a:lnSpc>
-              <a:buNone/>
-            </a:pPr>
-            <a:r>
-              <a:rPr lang="en-US" noProof="1">
-                <a:solidFill>
-                  <a:srgbClr val="FFFFFF"/>
-                </a:solidFill>
-              </a:rPr>
-              <a:t>int six = 6;</a:t>
-            </a:r>
-          </a:p>
+          <a:bodyPr>
+            <a:normAutofit lnSpcReduction="10000"/>
+          </a:bodyPr>
+          <a:lstStyle/>
           <a:p>
             <a:pPr marL="0" indent="0">
               <a:buNone/>
             </a:pPr>
             <a:endParaRPr lang="en-US"/>
           </a:p>
-        </p:txBody>
-      </p:sp>
-      <p:sp>
-        <p:nvSpPr>
-          <p:cNvPr id="6" name="Text Placeholder 5"/>
+          <a:p>
+            <a:pPr marL="0" indent="0">
+              <a:buNone/>
+            </a:pPr>
+            <a:r>
+              <a:rPr lang="en-US"/>
+              <a:t>public int Number = 1;</a:t>
+            </a:r>
+          </a:p>
+          <a:p>
+            <a:pPr marL="0" indent="0">
+              <a:buNone/>
+            </a:pPr>
+            <a:r>
+              <a:rPr lang="en-US"/>
+              <a:t>public int Increment()</a:t>
+            </a:r>
+          </a:p>
+          <a:p>
+            <a:pPr marL="0" indent="0">
+              <a:buNone/>
+            </a:pPr>
+            <a:r>
+              <a:rPr lang="en-US"/>
+              <a:t>{</a:t>
+            </a:r>
+          </a:p>
+          <a:p>
+            <a:pPr marL="0" indent="0">
+              <a:buNone/>
+            </a:pPr>
+            <a:r>
+              <a:rPr lang="en-US"/>
+              <a:t>	var newNumber = Number + 1;</a:t>
+            </a:r>
+          </a:p>
+          <a:p>
+            <a:pPr marL="0" indent="0">
+              <a:buNone/>
+            </a:pPr>
+            <a:r>
+              <a:rPr lang="en-US"/>
+              <a:t>	return newNumber;</a:t>
+            </a:r>
+          </a:p>
+          <a:p>
+            <a:pPr marL="0" indent="0">
+              <a:buNone/>
+            </a:pPr>
+            <a:r>
+              <a:rPr lang="en-US"/>
+              <a:t>}</a:t>
+            </a:r>
+          </a:p>
+        </p:txBody>
+      </p:sp>
+      <p:sp>
+        <p:nvSpPr>
+          <p:cNvPr id="5" name="Text Placeholder 4"/>
           <p:cNvSpPr>
             <a:spLocks noGrp="1"/>
           </p:cNvSpPr>
@@ -25210,7 +25117,7 @@
       </p:sp>
       <p:sp>
         <p:nvSpPr>
-          <p:cNvPr id="7" name="Content Placeholder 6"/>
+          <p:cNvPr id="6" name="Content Placeholder 5"/>
           <p:cNvSpPr>
             <a:spLocks noGrp="1"/>
           </p:cNvSpPr>
@@ -25220,76 +25127,80 @@
         </p:nvSpPr>
         <p:spPr/>
         <p:txBody>
-          <a:bodyPr anchor="ctr"/>
-          <a:lstStyle/>
-          <a:p>
-            <a:pPr marL="457200" lvl="1" indent="0">
-              <a:lnSpc>
-                <a:spcPct val="150000"/>
-              </a:lnSpc>
+          <a:bodyPr>
+            <a:normAutofit lnSpcReduction="10000"/>
+          </a:bodyPr>
+          <a:lstStyle/>
+          <a:p>
+            <a:pPr marL="0" indent="0">
               <a:buNone/>
             </a:pPr>
-            <a:r>
-              <a:rPr lang="en-US" noProof="1">
+            <a:endParaRPr lang="en-US"/>
+          </a:p>
+          <a:p>
+            <a:pPr marL="0" indent="0">
+              <a:buNone/>
+            </a:pPr>
+            <a:r>
+              <a:rPr lang="en-US"/>
+              <a:t>public </a:t>
+            </a:r>
+            <a:r>
+              <a:rPr lang="en-US">
                 <a:solidFill>
                   <a:srgbClr val="FF0000"/>
                 </a:solidFill>
               </a:rPr>
-              <a:t>var five;</a:t>
-            </a:r>
-            <a:r>
-              <a:rPr lang="en-US" noProof="1">
-                <a:solidFill>
-                  <a:srgbClr val="FFFFFF"/>
-                </a:solidFill>
-              </a:rPr>
-              <a:t> //</a:t>
-            </a:r>
-            <a:r>
-              <a:rPr lang="en-US" noProof="1">
-                <a:solidFill>
-                  <a:srgbClr val="FFFFFF"/>
-                </a:solidFill>
-                <a:sym typeface="Wingdings" panose="05000000000000000000" pitchFamily="2" charset="2"/>
-              </a:rPr>
-              <a:t> Compile-Time Error</a:t>
-            </a:r>
-            <a:endParaRPr lang="en-US" noProof="1">
-              <a:solidFill>
-                <a:srgbClr val="FFFFFF"/>
-              </a:solidFill>
-            </a:endParaRPr>
-          </a:p>
-          <a:p>
-            <a:pPr marL="457200" lvl="1" indent="0">
-              <a:lnSpc>
-                <a:spcPct val="150000"/>
-              </a:lnSpc>
+              <a:t>var</a:t>
+            </a:r>
+            <a:r>
+              <a:rPr lang="en-US"/>
+              <a:t> Number = 1;</a:t>
+            </a:r>
+          </a:p>
+          <a:p>
+            <a:pPr marL="0" indent="0">
               <a:buNone/>
             </a:pPr>
             <a:r>
-              <a:rPr lang="en-US" noProof="1">
-                <a:solidFill>
-                  <a:srgbClr val="FFFFFF"/>
-                </a:solidFill>
-              </a:rPr>
-              <a:t>five = 5;</a:t>
-            </a:r>
-          </a:p>
-          <a:p>
-            <a:pPr marL="457200" lvl="1" indent="0">
-              <a:lnSpc>
-                <a:spcPct val="150000"/>
-              </a:lnSpc>
+              <a:rPr lang="en-US"/>
+              <a:t>public int Increment()</a:t>
+            </a:r>
+          </a:p>
+          <a:p>
+            <a:pPr marL="0" indent="0">
               <a:buNone/>
             </a:pPr>
             <a:r>
-              <a:rPr lang="en-US" noProof="1">
-                <a:solidFill>
-                  <a:srgbClr val="FFFFFF"/>
-                </a:solidFill>
-              </a:rPr>
-              <a:t>var six = 6</a:t>
+              <a:rPr lang="en-US"/>
+              <a:t>{</a:t>
+            </a:r>
+          </a:p>
+          <a:p>
+            <a:pPr marL="0" indent="0">
+              <a:buNone/>
+            </a:pPr>
+            <a:r>
+              <a:rPr lang="en-US"/>
+              <a:t>	var newNumber = Number + 1;</a:t>
+            </a:r>
+          </a:p>
+          <a:p>
+            <a:pPr marL="0" indent="0">
+              <a:buNone/>
+            </a:pPr>
+            <a:r>
+              <a:rPr lang="en-US"/>
+              <a:t>	return newNumber;</a:t>
+            </a:r>
+          </a:p>
+          <a:p>
+            <a:pPr marL="0" indent="0">
+              <a:buNone/>
+            </a:pPr>
+            <a:r>
+              <a:rPr lang="en-US"/>
+              <a:t>}</a:t>
             </a:r>
           </a:p>
           <a:p>
@@ -25303,13 +25214,20 @@
     </p:spTree>
     <p:extLst>
       <p:ext uri="{BB962C8B-B14F-4D97-AF65-F5344CB8AC3E}">
-        <p14:creationId xmlns:p14="http://schemas.microsoft.com/office/powerpoint/2010/main" val="1131113424"/>
+        <p14:creationId xmlns:p14="http://schemas.microsoft.com/office/powerpoint/2010/main" val="811104857"/>
       </p:ext>
     </p:extLst>
   </p:cSld>
   <p:clrMapOvr>
     <a:masterClrMapping/>
   </p:clrMapOvr>
+  <p:timing>
+    <p:tnLst>
+      <p:par>
+        <p:cTn id="1" dur="indefinite" restart="never" nodeType="tmRoot"/>
+      </p:par>
+    </p:tnLst>
+  </p:timing>
 </p:sld>
 </file>
 
@@ -25332,13 +25250,7 @@
       </p:grpSpPr>
       <p:sp>
         <p:nvSpPr>
-          <p:cNvPr id="2" name="Title 1">
-            <a:extLst>
-              <a:ext uri="{FF2B5EF4-FFF2-40B4-BE49-F238E27FC236}">
-                <a16:creationId xmlns="" xmlns:a16="http://schemas.microsoft.com/office/drawing/2014/main" id="{FDF5CF0E-D6C1-4C7F-ACB1-C44875170CA1}"/>
-              </a:ext>
-            </a:extLst>
-          </p:cNvPr>
+          <p:cNvPr id="2" name="Title 1"/>
           <p:cNvSpPr>
             <a:spLocks noGrp="1"/>
           </p:cNvSpPr>
@@ -25352,26 +25264,29 @@
           <a:lstStyle/>
           <a:p>
             <a:r>
-              <a:rPr lang="en-US" dirty="0"/>
-              <a:t>Classes</a:t>
-            </a:r>
-          </a:p>
-        </p:txBody>
-      </p:sp>
-      <p:sp>
-        <p:nvSpPr>
-          <p:cNvPr id="3" name="Content Placeholder 2">
-            <a:extLst>
-              <a:ext uri="{FF2B5EF4-FFF2-40B4-BE49-F238E27FC236}">
-                <a16:creationId xmlns="" xmlns:a16="http://schemas.microsoft.com/office/drawing/2014/main" id="{E21E2D91-5723-4DF1-9015-DF8A793A1D2C}"/>
-              </a:ext>
-            </a:extLst>
-          </p:cNvPr>
-          <p:cNvSpPr>
-            <a:spLocks noGrp="1"/>
-          </p:cNvSpPr>
-          <p:nvPr>
-            <p:ph idx="1"/>
+              <a:rPr lang="ro-RO"/>
+              <a:t>Only variables </a:t>
+            </a:r>
+            <a:r>
+              <a:rPr lang="en-US"/>
+              <a:t>with a clear type</a:t>
+            </a:r>
+            <a:r>
+              <a:rPr lang="ro-RO"/>
+              <a:t> can use var</a:t>
+            </a:r>
+            <a:endParaRPr lang="en-US"/>
+          </a:p>
+        </p:txBody>
+      </p:sp>
+      <p:sp>
+        <p:nvSpPr>
+          <p:cNvPr id="4" name="Text Placeholder 3"/>
+          <p:cNvSpPr>
+            <a:spLocks noGrp="1"/>
+          </p:cNvSpPr>
+          <p:nvPr>
+            <p:ph type="body" idx="1"/>
           </p:nvPr>
         </p:nvSpPr>
         <p:spPr/>
@@ -25379,28 +25294,214 @@
           <a:bodyPr/>
           <a:lstStyle/>
           <a:p>
+            <a:r>
+              <a:rPr lang="en-US"/>
+              <a:t>This works</a:t>
+            </a:r>
+          </a:p>
+        </p:txBody>
+      </p:sp>
+      <p:sp>
+        <p:nvSpPr>
+          <p:cNvPr id="5" name="Content Placeholder 4"/>
+          <p:cNvSpPr>
+            <a:spLocks noGrp="1"/>
+          </p:cNvSpPr>
+          <p:nvPr>
+            <p:ph sz="half" idx="2"/>
+          </p:nvPr>
+        </p:nvSpPr>
+        <p:spPr/>
+        <p:txBody>
+          <a:bodyPr anchor="ctr"/>
+          <a:lstStyle/>
+          <a:p>
+            <a:pPr marL="457200" lvl="1" indent="0">
+              <a:lnSpc>
+                <a:spcPct val="150000"/>
+              </a:lnSpc>
+              <a:buNone/>
+            </a:pPr>
+            <a:r>
+              <a:rPr lang="en-US" noProof="1">
+                <a:solidFill>
+                  <a:srgbClr val="FFFFFF"/>
+                </a:solidFill>
+              </a:rPr>
+              <a:t>int five;</a:t>
+            </a:r>
+          </a:p>
+          <a:p>
+            <a:pPr marL="457200" lvl="1" indent="0">
+              <a:lnSpc>
+                <a:spcPct val="150000"/>
+              </a:lnSpc>
+              <a:buNone/>
+            </a:pPr>
+            <a:r>
+              <a:rPr lang="en-US" noProof="1">
+                <a:solidFill>
+                  <a:srgbClr val="FFFFFF"/>
+                </a:solidFill>
+              </a:rPr>
+              <a:t>five = 5;</a:t>
+            </a:r>
+          </a:p>
+          <a:p>
+            <a:pPr marL="457200" lvl="1" indent="0">
+              <a:lnSpc>
+                <a:spcPct val="150000"/>
+              </a:lnSpc>
+              <a:buNone/>
+            </a:pPr>
+            <a:r>
+              <a:rPr lang="en-US" noProof="1">
+                <a:solidFill>
+                  <a:srgbClr val="FFFFFF"/>
+                </a:solidFill>
+              </a:rPr>
+              <a:t>int six = 6;</a:t>
+            </a:r>
+          </a:p>
+          <a:p>
+            <a:pPr marL="0" indent="0">
+              <a:buNone/>
+            </a:pPr>
             <a:endParaRPr lang="en-US"/>
           </a:p>
-          <a:p>
-            <a:pPr>
-              <a:buClr>
+        </p:txBody>
+      </p:sp>
+      <p:sp>
+        <p:nvSpPr>
+          <p:cNvPr id="6" name="Text Placeholder 5"/>
+          <p:cNvSpPr>
+            <a:spLocks noGrp="1"/>
+          </p:cNvSpPr>
+          <p:nvPr>
+            <p:ph type="body" sz="quarter" idx="3"/>
+          </p:nvPr>
+        </p:nvSpPr>
+        <p:spPr/>
+        <p:txBody>
+          <a:bodyPr/>
+          <a:lstStyle/>
+          <a:p>
+            <a:r>
+              <a:rPr lang="en-US"/>
+              <a:t>This doesn’t</a:t>
+            </a:r>
+          </a:p>
+        </p:txBody>
+      </p:sp>
+      <p:sp>
+        <p:nvSpPr>
+          <p:cNvPr id="7" name="Content Placeholder 6"/>
+          <p:cNvSpPr>
+            <a:spLocks noGrp="1"/>
+          </p:cNvSpPr>
+          <p:nvPr>
+            <p:ph sz="quarter" idx="4"/>
+          </p:nvPr>
+        </p:nvSpPr>
+        <p:spPr/>
+        <p:txBody>
+          <a:bodyPr anchor="ctr"/>
+          <a:lstStyle/>
+          <a:p>
+            <a:pPr marL="457200" lvl="1" indent="0">
+              <a:lnSpc>
+                <a:spcPct val="150000"/>
+              </a:lnSpc>
+              <a:buNone/>
+            </a:pPr>
+            <a:r>
+              <a:rPr lang="en-US" noProof="1">
+                <a:solidFill>
+                  <a:srgbClr val="FF0000"/>
+                </a:solidFill>
+              </a:rPr>
+              <a:t>var five;</a:t>
+            </a:r>
+            <a:r>
+              <a:rPr lang="en-US" noProof="1">
+                <a:solidFill>
+                  <a:srgbClr val="FFFFFF"/>
+                </a:solidFill>
+              </a:rPr>
+              <a:t> //</a:t>
+            </a:r>
+            <a:r>
+              <a:rPr lang="en-US" noProof="1">
+                <a:solidFill>
+                  <a:srgbClr val="FFFFFF"/>
+                </a:solidFill>
+                <a:sym typeface="Wingdings" panose="05000000000000000000" pitchFamily="2" charset="2"/>
+              </a:rPr>
+              <a:t> Compile-Time Error</a:t>
+            </a:r>
+            <a:endParaRPr lang="en-US" noProof="1">
+              <a:solidFill>
                 <a:srgbClr val="FFFFFF"/>
-              </a:buClr>
+              </a:solidFill>
+            </a:endParaRPr>
+          </a:p>
+          <a:p>
+            <a:pPr marL="457200" lvl="1" indent="0">
+              <a:lnSpc>
+                <a:spcPct val="150000"/>
+              </a:lnSpc>
+              <a:buNone/>
             </a:pPr>
-            <a:endParaRPr lang="en-US" dirty="0"/>
+            <a:r>
+              <a:rPr lang="en-US" noProof="1">
+                <a:solidFill>
+                  <a:srgbClr val="FFFFFF"/>
+                </a:solidFill>
+              </a:rPr>
+              <a:t>five = 5;</a:t>
+            </a:r>
+          </a:p>
+          <a:p>
+            <a:pPr marL="457200" lvl="1" indent="0">
+              <a:lnSpc>
+                <a:spcPct val="150000"/>
+              </a:lnSpc>
+              <a:buNone/>
+            </a:pPr>
+            <a:r>
+              <a:rPr lang="en-US" noProof="1">
+                <a:solidFill>
+                  <a:srgbClr val="FFFFFF"/>
+                </a:solidFill>
+              </a:rPr>
+              <a:t>var six = 6</a:t>
+            </a:r>
+          </a:p>
+          <a:p>
+            <a:pPr marL="0" indent="0">
+              <a:buNone/>
+            </a:pPr>
+            <a:endParaRPr lang="en-US"/>
           </a:p>
         </p:txBody>
       </p:sp>
     </p:spTree>
     <p:extLst>
       <p:ext uri="{BB962C8B-B14F-4D97-AF65-F5344CB8AC3E}">
-        <p14:creationId xmlns:p14="http://schemas.microsoft.com/office/powerpoint/2010/main" val="1936121085"/>
+        <p14:creationId xmlns:p14="http://schemas.microsoft.com/office/powerpoint/2010/main" val="1131113424"/>
       </p:ext>
     </p:extLst>
   </p:cSld>
   <p:clrMapOvr>
     <a:masterClrMapping/>
   </p:clrMapOvr>
+  <p:timing>
+    <p:tnLst>
+      <p:par>
+        <p:cTn id="1" dur="indefinite" restart="never" nodeType="tmRoot"/>
+      </p:par>
+    </p:tnLst>
+  </p:timing>
 </p:sld>
 </file>
 
@@ -25426,7 +25527,7 @@
           <p:cNvPr id="2" name="Title 1">
             <a:extLst>
               <a:ext uri="{FF2B5EF4-FFF2-40B4-BE49-F238E27FC236}">
-                <a16:creationId xmlns="" xmlns:a16="http://schemas.microsoft.com/office/drawing/2014/main" id="{843BEC3B-6D5D-4A2D-8ADF-6F422E5A851C}"/>
+                <a16:creationId xmlns="" xmlns:a16="http://schemas.microsoft.com/office/drawing/2014/main" id="{FDF5CF0E-D6C1-4C7F-ACB1-C44875170CA1}"/>
               </a:ext>
             </a:extLst>
           </p:cNvPr>
@@ -25444,7 +25545,7 @@
           <a:p>
             <a:r>
               <a:rPr lang="en-US" dirty="0"/>
-              <a:t>Declaring Classes</a:t>
+              <a:t>Classes</a:t>
             </a:r>
           </a:p>
         </p:txBody>
@@ -25454,7 +25555,7 @@
           <p:cNvPr id="3" name="Content Placeholder 2">
             <a:extLst>
               <a:ext uri="{FF2B5EF4-FFF2-40B4-BE49-F238E27FC236}">
-                <a16:creationId xmlns="" xmlns:a16="http://schemas.microsoft.com/office/drawing/2014/main" id="{24725764-0514-4B66-AE62-6E66A5001B2A}"/>
+                <a16:creationId xmlns="" xmlns:a16="http://schemas.microsoft.com/office/drawing/2014/main" id="{E21E2D91-5723-4DF1-9015-DF8A793A1D2C}"/>
               </a:ext>
             </a:extLst>
           </p:cNvPr>
@@ -25470,59 +25571,35 @@
           <a:bodyPr/>
           <a:lstStyle/>
           <a:p>
-            <a:pPr marL="0" indent="0">
-              <a:buNone/>
+            <a:endParaRPr lang="en-US"/>
+          </a:p>
+          <a:p>
+            <a:pPr>
+              <a:buClr>
+                <a:srgbClr val="FFFFFF"/>
+              </a:buClr>
             </a:pPr>
-            <a:endParaRPr lang="en-US"/>
-          </a:p>
-          <a:p>
-            <a:pPr marL="0" indent="0">
-              <a:buNone/>
-            </a:pPr>
-            <a:r>
-              <a:rPr lang="en-US" dirty="0"/>
-              <a:t>public class Customer</a:t>
-            </a:r>
-          </a:p>
-          <a:p>
-            <a:pPr marL="0" indent="0">
-              <a:buNone/>
-            </a:pPr>
-            <a:r>
-              <a:rPr lang="en-US" dirty="0"/>
-              <a:t>{</a:t>
-            </a:r>
-          </a:p>
-          <a:p>
-            <a:pPr marL="0" indent="0">
-              <a:buNone/>
-            </a:pPr>
-            <a:r>
-              <a:rPr lang="en-US" dirty="0"/>
-              <a:t>    //Fields, properties, methods go here...</a:t>
-            </a:r>
-          </a:p>
-          <a:p>
-            <a:pPr marL="0" indent="0">
-              <a:buNone/>
-            </a:pPr>
-            <a:r>
-              <a:rPr lang="en-US" dirty="0"/>
-              <a:t>}</a:t>
-            </a:r>
+            <a:endParaRPr lang="en-US" dirty="0"/>
           </a:p>
         </p:txBody>
       </p:sp>
     </p:spTree>
     <p:extLst>
       <p:ext uri="{BB962C8B-B14F-4D97-AF65-F5344CB8AC3E}">
-        <p14:creationId xmlns:p14="http://schemas.microsoft.com/office/powerpoint/2010/main" val="2390230729"/>
+        <p14:creationId xmlns:p14="http://schemas.microsoft.com/office/powerpoint/2010/main" val="1936121085"/>
       </p:ext>
     </p:extLst>
   </p:cSld>
   <p:clrMapOvr>
     <a:masterClrMapping/>
   </p:clrMapOvr>
+  <p:timing>
+    <p:tnLst>
+      <p:par>
+        <p:cTn id="1" dur="indefinite" restart="never" nodeType="tmRoot"/>
+      </p:par>
+    </p:tnLst>
+  </p:timing>
 </p:sld>
 </file>
 
@@ -25548,7 +25625,7 @@
           <p:cNvPr id="2" name="Title 1">
             <a:extLst>
               <a:ext uri="{FF2B5EF4-FFF2-40B4-BE49-F238E27FC236}">
-                <a16:creationId xmlns="" xmlns:a16="http://schemas.microsoft.com/office/drawing/2014/main" id="{C4351CFF-EDE7-4C63-AB30-FF513A78F6B8}"/>
+                <a16:creationId xmlns="" xmlns:a16="http://schemas.microsoft.com/office/drawing/2014/main" id="{843BEC3B-6D5D-4A2D-8ADF-6F422E5A851C}"/>
               </a:ext>
             </a:extLst>
           </p:cNvPr>
@@ -25566,7 +25643,7 @@
           <a:p>
             <a:r>
               <a:rPr lang="en-US" dirty="0"/>
-              <a:t>Creating objects</a:t>
+              <a:t>Declaring Classes</a:t>
             </a:r>
           </a:p>
         </p:txBody>
@@ -25576,7 +25653,7 @@
           <p:cNvPr id="3" name="Content Placeholder 2">
             <a:extLst>
               <a:ext uri="{FF2B5EF4-FFF2-40B4-BE49-F238E27FC236}">
-                <a16:creationId xmlns="" xmlns:a16="http://schemas.microsoft.com/office/drawing/2014/main" id="{A12396EC-F1DE-4EB2-960F-B67CC0EB26B0}"/>
+                <a16:creationId xmlns="" xmlns:a16="http://schemas.microsoft.com/office/drawing/2014/main" id="{24725764-0514-4B66-AE62-6E66A5001B2A}"/>
               </a:ext>
             </a:extLst>
           </p:cNvPr>
@@ -25587,52 +25664,71 @@
             <p:ph idx="1"/>
           </p:nvPr>
         </p:nvSpPr>
-        <p:spPr>
-          <a:xfrm>
-            <a:off x="684213" y="685800"/>
-            <a:ext cx="10771344" cy="3614738"/>
-          </a:xfrm>
-        </p:spPr>
+        <p:spPr/>
         <p:txBody>
           <a:bodyPr/>
           <a:lstStyle/>
           <a:p>
-            <a:pPr marL="0" indent="0" algn="ctr">
+            <a:pPr marL="0" indent="0">
               <a:buNone/>
             </a:pPr>
-            <a:r>
-              <a:rPr lang="en-US" dirty="0" err="1"/>
-              <a:t>var</a:t>
-            </a:r>
+            <a:endParaRPr lang="en-US"/>
+          </a:p>
+          <a:p>
+            <a:pPr marL="0" indent="0">
+              <a:buNone/>
+            </a:pPr>
             <a:r>
               <a:rPr lang="en-US" dirty="0"/>
-              <a:t> object1 = new Customer(); //object1 is a reference to a Customer object</a:t>
-            </a:r>
-          </a:p>
-          <a:p>
-            <a:pPr marL="0" indent="0" algn="ctr">
+              <a:t>public class Customer</a:t>
+            </a:r>
+          </a:p>
+          <a:p>
+            <a:pPr marL="0" indent="0">
               <a:buNone/>
             </a:pPr>
-            <a:endParaRPr lang="en-US" dirty="0"/>
-          </a:p>
-          <a:p>
-            <a:pPr marL="0" indent="0" algn="ctr">
+            <a:r>
+              <a:rPr lang="en-US" dirty="0"/>
+              <a:t>{</a:t>
+            </a:r>
+          </a:p>
+          <a:p>
+            <a:pPr marL="0" indent="0">
               <a:buNone/>
             </a:pPr>
-            <a:endParaRPr lang="en-US" dirty="0"/>
+            <a:r>
+              <a:rPr lang="en-US" dirty="0"/>
+              <a:t>    //Fields, properties, methods go here...</a:t>
+            </a:r>
+          </a:p>
+          <a:p>
+            <a:pPr marL="0" indent="0">
+              <a:buNone/>
+            </a:pPr>
+            <a:r>
+              <a:rPr lang="en-US" dirty="0"/>
+              <a:t>}</a:t>
+            </a:r>
           </a:p>
         </p:txBody>
       </p:sp>
     </p:spTree>
     <p:extLst>
       <p:ext uri="{BB962C8B-B14F-4D97-AF65-F5344CB8AC3E}">
-        <p14:creationId xmlns:p14="http://schemas.microsoft.com/office/powerpoint/2010/main" val="982451476"/>
+        <p14:creationId xmlns:p14="http://schemas.microsoft.com/office/powerpoint/2010/main" val="2390230729"/>
       </p:ext>
     </p:extLst>
   </p:cSld>
   <p:clrMapOvr>
     <a:masterClrMapping/>
   </p:clrMapOvr>
+  <p:timing>
+    <p:tnLst>
+      <p:par>
+        <p:cTn id="1" dur="indefinite" restart="never" nodeType="tmRoot"/>
+      </p:par>
+    </p:tnLst>
+  </p:timing>
 </p:sld>
 </file>
 
@@ -25658,7 +25754,7 @@
           <p:cNvPr id="2" name="Title 1">
             <a:extLst>
               <a:ext uri="{FF2B5EF4-FFF2-40B4-BE49-F238E27FC236}">
-                <a16:creationId xmlns="" xmlns:a16="http://schemas.microsoft.com/office/drawing/2014/main" id="{5EEA3590-1D61-4E7A-9329-CF6FB76046B3}"/>
+                <a16:creationId xmlns="" xmlns:a16="http://schemas.microsoft.com/office/drawing/2014/main" id="{C4351CFF-EDE7-4C63-AB30-FF513A78F6B8}"/>
               </a:ext>
             </a:extLst>
           </p:cNvPr>
@@ -25676,7 +25772,7 @@
           <a:p>
             <a:r>
               <a:rPr lang="en-US" dirty="0"/>
-              <a:t>Constructors</a:t>
+              <a:t>Creating objects</a:t>
             </a:r>
           </a:p>
         </p:txBody>
@@ -25686,7 +25782,7 @@
           <p:cNvPr id="3" name="Content Placeholder 2">
             <a:extLst>
               <a:ext uri="{FF2B5EF4-FFF2-40B4-BE49-F238E27FC236}">
-                <a16:creationId xmlns="" xmlns:a16="http://schemas.microsoft.com/office/drawing/2014/main" id="{BF5DC94C-BA97-41D0-9F03-EA5E410A1074}"/>
+                <a16:creationId xmlns="" xmlns:a16="http://schemas.microsoft.com/office/drawing/2014/main" id="{A12396EC-F1DE-4EB2-960F-B67CC0EB26B0}"/>
               </a:ext>
             </a:extLst>
           </p:cNvPr>
@@ -25697,18 +25793,36 @@
             <p:ph idx="1"/>
           </p:nvPr>
         </p:nvSpPr>
-        <p:spPr/>
+        <p:spPr>
+          <a:xfrm>
+            <a:off x="684213" y="685800"/>
+            <a:ext cx="10771344" cy="3614738"/>
+          </a:xfrm>
+        </p:spPr>
         <p:txBody>
           <a:bodyPr/>
           <a:lstStyle/>
           <a:p>
-            <a:pPr marL="0" indent="0">
+            <a:pPr marL="0" indent="0" algn="ctr">
+              <a:buNone/>
+            </a:pPr>
+            <a:r>
+              <a:rPr lang="en-US" dirty="0" err="1"/>
+              <a:t>var</a:t>
+            </a:r>
+            <a:r>
+              <a:rPr lang="en-US" dirty="0"/>
+              <a:t> object1 = new Customer(); //object1 is a reference to a Customer object</a:t>
+            </a:r>
+          </a:p>
+          <a:p>
+            <a:pPr marL="0" indent="0" algn="ctr">
               <a:buNone/>
             </a:pPr>
             <a:endParaRPr lang="en-US" dirty="0"/>
           </a:p>
           <a:p>
-            <a:pPr marL="0" indent="0">
+            <a:pPr marL="0" indent="0" algn="ctr">
               <a:buNone/>
             </a:pPr>
             <a:endParaRPr lang="en-US" dirty="0"/>
@@ -25718,13 +25832,20 @@
     </p:spTree>
     <p:extLst>
       <p:ext uri="{BB962C8B-B14F-4D97-AF65-F5344CB8AC3E}">
-        <p14:creationId xmlns:p14="http://schemas.microsoft.com/office/powerpoint/2010/main" val="618934492"/>
+        <p14:creationId xmlns:p14="http://schemas.microsoft.com/office/powerpoint/2010/main" val="982451476"/>
       </p:ext>
     </p:extLst>
   </p:cSld>
   <p:clrMapOvr>
     <a:masterClrMapping/>
   </p:clrMapOvr>
+  <p:timing>
+    <p:tnLst>
+      <p:par>
+        <p:cTn id="1" dur="indefinite" restart="never" nodeType="tmRoot"/>
+      </p:par>
+    </p:tnLst>
+  </p:timing>
 </p:sld>
 </file>
 
@@ -25750,7 +25871,7 @@
           <p:cNvPr id="2" name="Title 1">
             <a:extLst>
               <a:ext uri="{FF2B5EF4-FFF2-40B4-BE49-F238E27FC236}">
-                <a16:creationId xmlns="" xmlns:a16="http://schemas.microsoft.com/office/drawing/2014/main" id="{F5428498-9FF2-483B-8C50-21CB04FD11DB}"/>
+                <a16:creationId xmlns="" xmlns:a16="http://schemas.microsoft.com/office/drawing/2014/main" id="{5EEA3590-1D61-4E7A-9329-CF6FB76046B3}"/>
               </a:ext>
             </a:extLst>
           </p:cNvPr>
@@ -25768,7 +25889,7 @@
           <a:p>
             <a:r>
               <a:rPr lang="en-US" dirty="0"/>
-              <a:t>Default constructors</a:t>
+              <a:t>Constructors</a:t>
             </a:r>
           </a:p>
         </p:txBody>
@@ -25778,7 +25899,7 @@
           <p:cNvPr id="3" name="Content Placeholder 2">
             <a:extLst>
               <a:ext uri="{FF2B5EF4-FFF2-40B4-BE49-F238E27FC236}">
-                <a16:creationId xmlns="" xmlns:a16="http://schemas.microsoft.com/office/drawing/2014/main" id="{0497043A-13E8-45D0-990A-39A836551F8B}"/>
+                <a16:creationId xmlns="" xmlns:a16="http://schemas.microsoft.com/office/drawing/2014/main" id="{BF5DC94C-BA97-41D0-9F03-EA5E410A1074}"/>
               </a:ext>
             </a:extLst>
           </p:cNvPr>
@@ -25789,119 +25910,41 @@
             <p:ph idx="1"/>
           </p:nvPr>
         </p:nvSpPr>
-        <p:spPr>
-          <a:xfrm>
-            <a:off x="684213" y="685800"/>
-            <a:ext cx="9289846" cy="3614738"/>
-          </a:xfrm>
-        </p:spPr>
-        <p:txBody>
-          <a:bodyPr>
-            <a:normAutofit lnSpcReduction="10000"/>
-          </a:bodyPr>
+        <p:spPr/>
+        <p:txBody>
+          <a:bodyPr/>
           <a:lstStyle/>
           <a:p>
             <a:pPr marL="0" indent="0">
               <a:buNone/>
-            </a:pPr>
-            <a:r>
-              <a:rPr lang="en-US" dirty="0"/>
-              <a:t>    If you don't provide a constructor for your class, compiler creates one by default that instantiates the object and sets member variables to the default values.</a:t>
-            </a:r>
-          </a:p>
-          <a:p>
-            <a:pPr>
-              <a:buClr>
-                <a:srgbClr val="FFFFFF"/>
-              </a:buClr>
             </a:pPr>
             <a:endParaRPr lang="en-US" dirty="0"/>
           </a:p>
           <a:p>
             <a:pPr marL="0" indent="0">
-              <a:buClr>
-                <a:srgbClr val="FFFFFF"/>
-              </a:buClr>
               <a:buNone/>
             </a:pPr>
-            <a:r>
-              <a:rPr lang="en-US" dirty="0">
-                <a:latin typeface="Consolas"/>
-              </a:rPr>
-              <a:t>public class Customer</a:t>
-            </a:r>
-          </a:p>
-          <a:p>
-            <a:pPr marL="0" indent="0">
-              <a:buNone/>
-            </a:pPr>
-            <a:r>
-              <a:rPr lang="en-US" dirty="0">
-                <a:latin typeface="Consolas"/>
-              </a:rPr>
-              <a:t>{</a:t>
-            </a:r>
-          </a:p>
-          <a:p>
-            <a:pPr marL="0" indent="0">
-              <a:buNone/>
-            </a:pPr>
-            <a:r>
-              <a:rPr lang="en-US" dirty="0">
-                <a:latin typeface="Consolas"/>
-              </a:rPr>
-              <a:t>}</a:t>
-            </a:r>
-          </a:p>
-          <a:p>
-            <a:pPr marL="0" indent="0">
-              <a:buNone/>
-            </a:pPr>
-            <a:endParaRPr lang="en-US" dirty="0">
-              <a:latin typeface="Consolas"/>
-            </a:endParaRPr>
-          </a:p>
-          <a:p>
-            <a:pPr marL="0" indent="0">
-              <a:buNone/>
-            </a:pPr>
-            <a:r>
-              <a:rPr lang="en-US" dirty="0" err="1">
-                <a:latin typeface="Consolas"/>
-              </a:rPr>
-              <a:t>var</a:t>
-            </a:r>
-            <a:r>
-              <a:rPr lang="en-US" dirty="0">
-                <a:latin typeface="Consolas"/>
-              </a:rPr>
-              <a:t> </a:t>
-            </a:r>
-            <a:r>
-              <a:rPr lang="en-US" dirty="0" err="1">
-                <a:latin typeface="Consolas"/>
-              </a:rPr>
-              <a:t>customerObject</a:t>
-            </a:r>
-            <a:r>
-              <a:rPr lang="en-US" dirty="0">
-                <a:latin typeface="Consolas"/>
-              </a:rPr>
-              <a:t> = new Customer();  //calls default constructor</a:t>
-            </a:r>
+            <a:endParaRPr lang="en-US" dirty="0"/>
           </a:p>
         </p:txBody>
       </p:sp>
     </p:spTree>
     <p:extLst>
       <p:ext uri="{BB962C8B-B14F-4D97-AF65-F5344CB8AC3E}">
-        <p14:creationId xmlns:p14="http://schemas.microsoft.com/office/powerpoint/2010/main" val="2708240313"/>
+        <p14:creationId xmlns:p14="http://schemas.microsoft.com/office/powerpoint/2010/main" val="618934492"/>
       </p:ext>
     </p:extLst>
   </p:cSld>
   <p:clrMapOvr>
     <a:masterClrMapping/>
   </p:clrMapOvr>
+  <p:timing>
+    <p:tnLst>
+      <p:par>
+        <p:cTn id="1" dur="indefinite" restart="never" nodeType="tmRoot"/>
+      </p:par>
+    </p:tnLst>
+  </p:timing>
 </p:sld>
 </file>
 
@@ -25927,7 +25970,7 @@
           <p:cNvPr id="2" name="Title 1">
             <a:extLst>
               <a:ext uri="{FF2B5EF4-FFF2-40B4-BE49-F238E27FC236}">
-                <a16:creationId xmlns="" xmlns:a16="http://schemas.microsoft.com/office/drawing/2014/main" id="{D3A61F2C-48CB-4530-997A-D114451E87E3}"/>
+                <a16:creationId xmlns="" xmlns:a16="http://schemas.microsoft.com/office/drawing/2014/main" id="{F5428498-9FF2-483B-8C50-21CB04FD11DB}"/>
               </a:ext>
             </a:extLst>
           </p:cNvPr>
@@ -25945,7 +25988,7 @@
           <a:p>
             <a:r>
               <a:rPr lang="en-US" dirty="0"/>
-              <a:t>Constructor syntax</a:t>
+              <a:t>Default constructors</a:t>
             </a:r>
           </a:p>
         </p:txBody>
@@ -25955,7 +25998,7 @@
           <p:cNvPr id="3" name="Content Placeholder 2">
             <a:extLst>
               <a:ext uri="{FF2B5EF4-FFF2-40B4-BE49-F238E27FC236}">
-                <a16:creationId xmlns="" xmlns:a16="http://schemas.microsoft.com/office/drawing/2014/main" id="{24DC9BD8-CFA0-455D-923D-304A08971D6F}"/>
+                <a16:creationId xmlns="" xmlns:a16="http://schemas.microsoft.com/office/drawing/2014/main" id="{0497043A-13E8-45D0-990A-39A836551F8B}"/>
               </a:ext>
             </a:extLst>
           </p:cNvPr>
@@ -25968,17 +26011,31 @@
         </p:nvSpPr>
         <p:spPr>
           <a:xfrm>
-            <a:off x="914400" y="495300"/>
-            <a:ext cx="8652154" cy="4045532"/>
+            <a:off x="684213" y="685800"/>
+            <a:ext cx="9289846" cy="3614738"/>
           </a:xfrm>
         </p:spPr>
         <p:txBody>
           <a:bodyPr>
-            <a:normAutofit fontScale="70000" lnSpcReduction="20000"/>
+            <a:normAutofit lnSpcReduction="10000"/>
           </a:bodyPr>
           <a:lstStyle/>
           <a:p>
-            <a:endParaRPr lang="en-US"/>
+            <a:pPr marL="0" indent="0">
+              <a:buNone/>
+            </a:pPr>
+            <a:r>
+              <a:rPr lang="en-US" dirty="0"/>
+              <a:t>    If you don't provide a constructor for your class, compiler creates one by default that instantiates the object and sets member variables to the default values.</a:t>
+            </a:r>
+          </a:p>
+          <a:p>
+            <a:pPr>
+              <a:buClr>
+                <a:srgbClr val="FFFFFF"/>
+              </a:buClr>
+            </a:pPr>
+            <a:endParaRPr lang="en-US" dirty="0"/>
           </a:p>
           <a:p>
             <a:pPr marL="0" indent="0">
@@ -25990,183 +26047,28 @@
             <a:r>
               <a:rPr lang="en-US" dirty="0">
                 <a:latin typeface="Consolas"/>
-                <a:cs typeface="Lucida Sans Unicode"/>
               </a:rPr>
-              <a:t>public class Person</a:t>
+              <a:t>public class Customer</a:t>
             </a:r>
           </a:p>
           <a:p>
             <a:pPr marL="0" indent="0">
-              <a:buClr>
-                <a:srgbClr val="FFFFFF"/>
-              </a:buClr>
               <a:buNone/>
             </a:pPr>
             <a:r>
               <a:rPr lang="en-US" dirty="0">
                 <a:latin typeface="Consolas"/>
-                <a:cs typeface="Lucida Sans Unicode"/>
               </a:rPr>
               <a:t>{</a:t>
             </a:r>
           </a:p>
           <a:p>
             <a:pPr marL="0" indent="0">
-              <a:buClr>
-                <a:srgbClr val="FFFFFF"/>
-              </a:buClr>
               <a:buNone/>
             </a:pPr>
             <a:r>
               <a:rPr lang="en-US" dirty="0">
                 <a:latin typeface="Consolas"/>
-                <a:cs typeface="Lucida Sans Unicode"/>
-              </a:rPr>
-              <a:t>    private string last;</a:t>
-            </a:r>
-          </a:p>
-          <a:p>
-            <a:pPr marL="0" indent="0">
-              <a:buClr>
-                <a:srgbClr val="FFFFFF"/>
-              </a:buClr>
-              <a:buNone/>
-            </a:pPr>
-            <a:r>
-              <a:rPr lang="en-US" dirty="0">
-                <a:latin typeface="Consolas"/>
-                <a:cs typeface="Lucida Sans Unicode"/>
-              </a:rPr>
-              <a:t>    private string first;</a:t>
-            </a:r>
-          </a:p>
-          <a:p>
-            <a:pPr marL="0" indent="0">
-              <a:buNone/>
-            </a:pPr>
-            <a:r>
-              <a:rPr lang="en-US" dirty="0">
-                <a:latin typeface="Consolas"/>
-                <a:cs typeface="Lucida Sans Unicode"/>
-              </a:rPr>
-              <a:t>    public Person(string </a:t>
-            </a:r>
-            <a:r>
-              <a:rPr lang="en-US" dirty="0" err="1">
-                <a:latin typeface="Consolas"/>
-                <a:cs typeface="Lucida Sans Unicode"/>
-              </a:rPr>
-              <a:t>lastName</a:t>
-            </a:r>
-            <a:r>
-              <a:rPr lang="en-US" dirty="0">
-                <a:latin typeface="Consolas"/>
-                <a:cs typeface="Lucida Sans Unicode"/>
-              </a:rPr>
-              <a:t>, string </a:t>
-            </a:r>
-            <a:r>
-              <a:rPr lang="en-US" dirty="0" err="1">
-                <a:latin typeface="Consolas"/>
-                <a:cs typeface="Lucida Sans Unicode"/>
-              </a:rPr>
-              <a:t>firstName</a:t>
-            </a:r>
-            <a:r>
-              <a:rPr lang="en-US" dirty="0">
-                <a:latin typeface="Consolas"/>
-                <a:cs typeface="Lucida Sans Unicode"/>
-              </a:rPr>
-              <a:t>)</a:t>
-            </a:r>
-          </a:p>
-          <a:p>
-            <a:pPr marL="0" indent="0">
-              <a:buNone/>
-            </a:pPr>
-            <a:r>
-              <a:rPr lang="en-US" dirty="0">
-                <a:latin typeface="Consolas"/>
-                <a:cs typeface="Lucida Sans Unicode"/>
-              </a:rPr>
-              <a:t>    {</a:t>
-            </a:r>
-          </a:p>
-          <a:p>
-            <a:pPr marL="0" indent="0">
-              <a:buNone/>
-            </a:pPr>
-            <a:r>
-              <a:rPr lang="en-US" dirty="0">
-                <a:latin typeface="Consolas"/>
-                <a:cs typeface="Lucida Sans Unicode"/>
-              </a:rPr>
-              <a:t>      last = </a:t>
-            </a:r>
-            <a:r>
-              <a:rPr lang="en-US" dirty="0" err="1">
-                <a:latin typeface="Consolas"/>
-                <a:cs typeface="Lucida Sans Unicode"/>
-              </a:rPr>
-              <a:t>lastName</a:t>
-            </a:r>
-            <a:r>
-              <a:rPr lang="en-US" dirty="0">
-                <a:latin typeface="Consolas"/>
-                <a:cs typeface="Lucida Sans Unicode"/>
-              </a:rPr>
-              <a:t>;</a:t>
-            </a:r>
-          </a:p>
-          <a:p>
-            <a:pPr marL="0" indent="0">
-              <a:buNone/>
-            </a:pPr>
-            <a:r>
-              <a:rPr lang="en-US" dirty="0">
-                <a:latin typeface="Consolas"/>
-                <a:cs typeface="Lucida Sans Unicode"/>
-              </a:rPr>
-              <a:t>      first = </a:t>
-            </a:r>
-            <a:r>
-              <a:rPr lang="en-US" dirty="0" err="1">
-                <a:latin typeface="Consolas"/>
-                <a:cs typeface="Lucida Sans Unicode"/>
-              </a:rPr>
-              <a:t>firstName</a:t>
-            </a:r>
-            <a:r>
-              <a:rPr lang="en-US" dirty="0">
-                <a:latin typeface="Consolas"/>
-                <a:cs typeface="Lucida Sans Unicode"/>
-              </a:rPr>
-              <a:t>;</a:t>
-            </a:r>
-          </a:p>
-          <a:p>
-            <a:pPr marL="0" indent="0">
-              <a:buNone/>
-            </a:pPr>
-            <a:r>
-              <a:rPr lang="en-US" dirty="0">
-                <a:latin typeface="Consolas"/>
-                <a:cs typeface="Lucida Sans Unicode"/>
-              </a:rPr>
-              <a:t>    }</a:t>
-            </a:r>
-          </a:p>
-          <a:p>
-            <a:pPr marL="0" indent="0">
-              <a:buClr>
-                <a:srgbClr val="FFFFFF"/>
-              </a:buClr>
-              <a:buNone/>
-            </a:pPr>
-            <a:r>
-              <a:rPr lang="en-US" dirty="0">
-                <a:latin typeface="Consolas"/>
-                <a:cs typeface="Lucida Sans Unicode"/>
               </a:rPr>
               <a:t>}</a:t>
             </a:r>
@@ -26177,7 +26079,6 @@
             </a:pPr>
             <a:endParaRPr lang="en-US" dirty="0">
               <a:latin typeface="Consolas"/>
-              <a:cs typeface="Lucida Sans Unicode"/>
             </a:endParaRPr>
           </a:p>
           <a:p>
@@ -26187,35 +26088,26 @@
             <a:r>
               <a:rPr lang="en-US" dirty="0" err="1">
                 <a:latin typeface="Consolas"/>
-                <a:cs typeface="Lucida Sans Unicode"/>
               </a:rPr>
               <a:t>var</a:t>
             </a:r>
             <a:r>
               <a:rPr lang="en-US" dirty="0">
                 <a:latin typeface="Consolas"/>
-                <a:cs typeface="Lucida Sans Unicode"/>
               </a:rPr>
-              <a:t> person1 = new Person("John", "Doe");</a:t>
-            </a:r>
-          </a:p>
-          <a:p>
-            <a:pPr marL="0" indent="0">
-              <a:buNone/>
-            </a:pPr>
-            <a:r>
-              <a:rPr lang="en-US">
+              <a:t> </a:t>
+            </a:r>
+            <a:r>
+              <a:rPr lang="en-US" dirty="0" err="1">
                 <a:latin typeface="Consolas"/>
-                <a:cs typeface="Lucida Sans Unicode"/>
               </a:rPr>
-              <a:t>var</a:t>
+              <a:t>customerObject</a:t>
             </a:r>
             <a:r>
               <a:rPr lang="en-US" dirty="0">
                 <a:latin typeface="Consolas"/>
-                <a:cs typeface="Lucida Sans Unicode"/>
               </a:rPr>
-              <a:t> person2 = new Person(); //&lt;--Doesn't work</a:t>
+              <a:t> = new Customer();  //calls default constructor</a:t>
             </a:r>
           </a:p>
         </p:txBody>
@@ -26223,13 +26115,20 @@
     </p:spTree>
     <p:extLst>
       <p:ext uri="{BB962C8B-B14F-4D97-AF65-F5344CB8AC3E}">
-        <p14:creationId xmlns:p14="http://schemas.microsoft.com/office/powerpoint/2010/main" val="2634689316"/>
+        <p14:creationId xmlns:p14="http://schemas.microsoft.com/office/powerpoint/2010/main" val="2708240313"/>
       </p:ext>
     </p:extLst>
   </p:cSld>
   <p:clrMapOvr>
     <a:masterClrMapping/>
   </p:clrMapOvr>
+  <p:timing>
+    <p:tnLst>
+      <p:par>
+        <p:cTn id="1" dur="indefinite" restart="never" nodeType="tmRoot"/>
+      </p:par>
+    </p:tnLst>
+  </p:timing>
 </p:sld>
 </file>
 
@@ -26296,13 +26195,13 @@
         </p:nvSpPr>
         <p:spPr>
           <a:xfrm>
-            <a:off x="845722" y="102749"/>
-            <a:ext cx="8720553" cy="4437501"/>
+            <a:off x="914400" y="495300"/>
+            <a:ext cx="8652154" cy="4045532"/>
           </a:xfrm>
         </p:spPr>
         <p:txBody>
           <a:bodyPr>
-            <a:normAutofit fontScale="55000" lnSpcReduction="20000"/>
+            <a:normAutofit fontScale="70000" lnSpcReduction="20000"/>
           </a:bodyPr>
           <a:lstStyle/>
           <a:p>
@@ -26486,93 +26385,6 @@
           </a:p>
           <a:p>
             <a:pPr marL="0" indent="0">
-              <a:buNone/>
-            </a:pPr>
-            <a:r>
-              <a:rPr lang="en-US" dirty="0">
-                <a:latin typeface="Consolas"/>
-                <a:cs typeface="Lucida Sans Unicode"/>
-              </a:rPr>
-              <a:t>    </a:t>
-            </a:r>
-            <a:r>
-              <a:rPr lang="en-US" dirty="0">
-                <a:solidFill>
-                  <a:srgbClr val="FFFFFF"/>
-                </a:solidFill>
-                <a:latin typeface="Consolas"/>
-                <a:cs typeface="Lucida Sans Unicode"/>
-              </a:rPr>
-              <a:t>public Person() </a:t>
-            </a:r>
-            <a:endParaRPr lang="en-US" dirty="0">
-              <a:solidFill>
-                <a:srgbClr val="FF0000"/>
-              </a:solidFill>
-              <a:latin typeface="Consolas"/>
-              <a:cs typeface="Lucida Sans Unicode"/>
-            </a:endParaRPr>
-          </a:p>
-          <a:p>
-            <a:pPr marL="0" indent="0">
-              <a:buNone/>
-            </a:pPr>
-            <a:r>
-              <a:rPr lang="en-US" dirty="0">
-                <a:solidFill>
-                  <a:srgbClr val="FF0000"/>
-                </a:solidFill>
-                <a:latin typeface="Consolas"/>
-                <a:cs typeface="Lucida Sans Unicode"/>
-              </a:rPr>
-              <a:t>    </a:t>
-            </a:r>
-            <a:r>
-              <a:rPr lang="en-US" dirty="0">
-                <a:solidFill>
-                  <a:srgbClr val="FFFFFF"/>
-                </a:solidFill>
-                <a:latin typeface="Consolas"/>
-                <a:cs typeface="Lucida Sans Unicode"/>
-              </a:rPr>
-              <a:t>{</a:t>
-            </a:r>
-            <a:endParaRPr lang="en-US" dirty="0"/>
-          </a:p>
-          <a:p>
-            <a:pPr marL="0" indent="0">
-              <a:buNone/>
-            </a:pPr>
-            <a:r>
-              <a:rPr lang="en-US" dirty="0">
-                <a:solidFill>
-                  <a:srgbClr val="FF0000"/>
-                </a:solidFill>
-                <a:latin typeface="Consolas"/>
-                <a:cs typeface="Lucida Sans Unicode"/>
-              </a:rPr>
-              <a:t>    </a:t>
-            </a:r>
-            <a:r>
-              <a:rPr lang="en-US" dirty="0">
-                <a:solidFill>
-                  <a:srgbClr val="FFFFFF"/>
-                </a:solidFill>
-                <a:latin typeface="Consolas"/>
-                <a:cs typeface="Lucida Sans Unicode"/>
-              </a:rPr>
-              <a:t>}</a:t>
-            </a:r>
-            <a:endParaRPr lang="en-US" dirty="0">
-              <a:solidFill>
-                <a:srgbClr val="FF0000"/>
-              </a:solidFill>
-              <a:latin typeface="Consolas"/>
-              <a:cs typeface="Lucida Sans Unicode"/>
-            </a:endParaRPr>
-          </a:p>
-          <a:p>
-            <a:pPr marL="0" indent="0">
               <a:buClr>
                 <a:srgbClr val="FFFFFF"/>
               </a:buClr>
@@ -26619,7 +26431,7 @@
               <a:buNone/>
             </a:pPr>
             <a:r>
-              <a:rPr lang="en-US" dirty="0" err="1">
+              <a:rPr lang="en-US">
                 <a:latin typeface="Consolas"/>
                 <a:cs typeface="Lucida Sans Unicode"/>
               </a:rPr>
@@ -26630,7 +26442,7 @@
                 <a:latin typeface="Consolas"/>
                 <a:cs typeface="Lucida Sans Unicode"/>
               </a:rPr>
-              <a:t> person2 = new Person(); //&lt;--Works now</a:t>
+              <a:t> person2 = new Person(); //&lt;--Doesn't work</a:t>
             </a:r>
           </a:p>
         </p:txBody>
@@ -26638,13 +26450,20 @@
     </p:spTree>
     <p:extLst>
       <p:ext uri="{BB962C8B-B14F-4D97-AF65-F5344CB8AC3E}">
-        <p14:creationId xmlns:p14="http://schemas.microsoft.com/office/powerpoint/2010/main" val="3144980672"/>
+        <p14:creationId xmlns:p14="http://schemas.microsoft.com/office/powerpoint/2010/main" val="2634689316"/>
       </p:ext>
     </p:extLst>
   </p:cSld>
   <p:clrMapOvr>
     <a:masterClrMapping/>
   </p:clrMapOvr>
+  <p:timing>
+    <p:tnLst>
+      <p:par>
+        <p:cTn id="1" dur="indefinite" restart="never" nodeType="tmRoot"/>
+      </p:par>
+    </p:tnLst>
+  </p:timing>
 </p:sld>
 </file>
 
@@ -26731,6 +26550,13 @@
   <p:clrMapOvr>
     <a:masterClrMapping/>
   </p:clrMapOvr>
+  <p:timing>
+    <p:tnLst>
+      <p:par>
+        <p:cTn id="1" dur="indefinite" restart="never" nodeType="tmRoot"/>
+      </p:par>
+    </p:tnLst>
+  </p:timing>
 </p:sld>
 </file>
 
@@ -26756,7 +26582,7 @@
           <p:cNvPr id="2" name="Title 1">
             <a:extLst>
               <a:ext uri="{FF2B5EF4-FFF2-40B4-BE49-F238E27FC236}">
-                <a16:creationId xmlns="" xmlns:a16="http://schemas.microsoft.com/office/drawing/2014/main" id="{749FC12B-06F8-4C45-A91C-0981F9C48E2E}"/>
+                <a16:creationId xmlns="" xmlns:a16="http://schemas.microsoft.com/office/drawing/2014/main" id="{D3A61F2C-48CB-4530-997A-D114451E87E3}"/>
               </a:ext>
             </a:extLst>
           </p:cNvPr>
@@ -26774,7 +26600,7 @@
           <a:p>
             <a:r>
               <a:rPr lang="en-US" dirty="0"/>
-              <a:t>Methods</a:t>
+              <a:t>Constructor syntax</a:t>
             </a:r>
           </a:p>
         </p:txBody>
@@ -26784,7 +26610,7 @@
           <p:cNvPr id="3" name="Content Placeholder 2">
             <a:extLst>
               <a:ext uri="{FF2B5EF4-FFF2-40B4-BE49-F238E27FC236}">
-                <a16:creationId xmlns="" xmlns:a16="http://schemas.microsoft.com/office/drawing/2014/main" id="{D674BAE2-395C-45F0-92A1-4A54C23393C5}"/>
+                <a16:creationId xmlns="" xmlns:a16="http://schemas.microsoft.com/office/drawing/2014/main" id="{24DC9BD8-CFA0-455D-923D-304A08971D6F}"/>
               </a:ext>
             </a:extLst>
           </p:cNvPr>
@@ -26795,33 +26621,364 @@
             <p:ph idx="1"/>
           </p:nvPr>
         </p:nvSpPr>
-        <p:spPr/>
-        <p:txBody>
-          <a:bodyPr/>
+        <p:spPr>
+          <a:xfrm>
+            <a:off x="845722" y="102749"/>
+            <a:ext cx="8720553" cy="4437501"/>
+          </a:xfrm>
+        </p:spPr>
+        <p:txBody>
+          <a:bodyPr>
+            <a:normAutofit fontScale="55000" lnSpcReduction="20000"/>
+          </a:bodyPr>
           <a:lstStyle/>
           <a:p>
             <a:endParaRPr lang="en-US"/>
           </a:p>
           <a:p>
-            <a:pPr>
+            <a:pPr marL="0" indent="0">
               <a:buClr>
                 <a:srgbClr val="FFFFFF"/>
               </a:buClr>
+              <a:buNone/>
             </a:pPr>
+            <a:r>
+              <a:rPr lang="en-US" dirty="0">
+                <a:latin typeface="Consolas"/>
+                <a:cs typeface="Lucida Sans Unicode"/>
+              </a:rPr>
+              <a:t>public class Person</a:t>
+            </a:r>
+          </a:p>
+          <a:p>
+            <a:pPr marL="0" indent="0">
+              <a:buClr>
+                <a:srgbClr val="FFFFFF"/>
+              </a:buClr>
+              <a:buNone/>
+            </a:pPr>
+            <a:r>
+              <a:rPr lang="en-US" dirty="0">
+                <a:latin typeface="Consolas"/>
+                <a:cs typeface="Lucida Sans Unicode"/>
+              </a:rPr>
+              <a:t>{</a:t>
+            </a:r>
+          </a:p>
+          <a:p>
+            <a:pPr marL="0" indent="0">
+              <a:buClr>
+                <a:srgbClr val="FFFFFF"/>
+              </a:buClr>
+              <a:buNone/>
+            </a:pPr>
+            <a:r>
+              <a:rPr lang="en-US" dirty="0">
+                <a:latin typeface="Consolas"/>
+                <a:cs typeface="Lucida Sans Unicode"/>
+              </a:rPr>
+              <a:t>    private string last;</a:t>
+            </a:r>
+          </a:p>
+          <a:p>
+            <a:pPr marL="0" indent="0">
+              <a:buClr>
+                <a:srgbClr val="FFFFFF"/>
+              </a:buClr>
+              <a:buNone/>
+            </a:pPr>
+            <a:r>
+              <a:rPr lang="en-US" dirty="0">
+                <a:latin typeface="Consolas"/>
+                <a:cs typeface="Lucida Sans Unicode"/>
+              </a:rPr>
+              <a:t>    private string first;</a:t>
+            </a:r>
+          </a:p>
+          <a:p>
+            <a:pPr marL="0" indent="0">
+              <a:buNone/>
+            </a:pPr>
+            <a:r>
+              <a:rPr lang="en-US" dirty="0">
+                <a:latin typeface="Consolas"/>
+                <a:cs typeface="Lucida Sans Unicode"/>
+              </a:rPr>
+              <a:t>    public Person(string </a:t>
+            </a:r>
+            <a:r>
+              <a:rPr lang="en-US" dirty="0" err="1">
+                <a:latin typeface="Consolas"/>
+                <a:cs typeface="Lucida Sans Unicode"/>
+              </a:rPr>
+              <a:t>lastName</a:t>
+            </a:r>
+            <a:r>
+              <a:rPr lang="en-US" dirty="0">
+                <a:latin typeface="Consolas"/>
+                <a:cs typeface="Lucida Sans Unicode"/>
+              </a:rPr>
+              <a:t>, string </a:t>
+            </a:r>
+            <a:r>
+              <a:rPr lang="en-US" dirty="0" err="1">
+                <a:latin typeface="Consolas"/>
+                <a:cs typeface="Lucida Sans Unicode"/>
+              </a:rPr>
+              <a:t>firstName</a:t>
+            </a:r>
+            <a:r>
+              <a:rPr lang="en-US" dirty="0">
+                <a:latin typeface="Consolas"/>
+                <a:cs typeface="Lucida Sans Unicode"/>
+              </a:rPr>
+              <a:t>)</a:t>
+            </a:r>
+          </a:p>
+          <a:p>
+            <a:pPr marL="0" indent="0">
+              <a:buNone/>
+            </a:pPr>
+            <a:r>
+              <a:rPr lang="en-US" dirty="0">
+                <a:latin typeface="Consolas"/>
+                <a:cs typeface="Lucida Sans Unicode"/>
+              </a:rPr>
+              <a:t>    {</a:t>
+            </a:r>
+          </a:p>
+          <a:p>
+            <a:pPr marL="0" indent="0">
+              <a:buNone/>
+            </a:pPr>
+            <a:r>
+              <a:rPr lang="en-US" dirty="0">
+                <a:latin typeface="Consolas"/>
+                <a:cs typeface="Lucida Sans Unicode"/>
+              </a:rPr>
+              <a:t>      last = </a:t>
+            </a:r>
+            <a:r>
+              <a:rPr lang="en-US" dirty="0" err="1">
+                <a:latin typeface="Consolas"/>
+                <a:cs typeface="Lucida Sans Unicode"/>
+              </a:rPr>
+              <a:t>lastName</a:t>
+            </a:r>
+            <a:r>
+              <a:rPr lang="en-US" dirty="0">
+                <a:latin typeface="Consolas"/>
+                <a:cs typeface="Lucida Sans Unicode"/>
+              </a:rPr>
+              <a:t>;</a:t>
+            </a:r>
+          </a:p>
+          <a:p>
+            <a:pPr marL="0" indent="0">
+              <a:buNone/>
+            </a:pPr>
+            <a:r>
+              <a:rPr lang="en-US" dirty="0">
+                <a:latin typeface="Consolas"/>
+                <a:cs typeface="Lucida Sans Unicode"/>
+              </a:rPr>
+              <a:t>      first = </a:t>
+            </a:r>
+            <a:r>
+              <a:rPr lang="en-US" dirty="0" err="1">
+                <a:latin typeface="Consolas"/>
+                <a:cs typeface="Lucida Sans Unicode"/>
+              </a:rPr>
+              <a:t>firstName</a:t>
+            </a:r>
+            <a:r>
+              <a:rPr lang="en-US" dirty="0">
+                <a:latin typeface="Consolas"/>
+                <a:cs typeface="Lucida Sans Unicode"/>
+              </a:rPr>
+              <a:t>;</a:t>
+            </a:r>
+          </a:p>
+          <a:p>
+            <a:pPr marL="0" indent="0">
+              <a:buNone/>
+            </a:pPr>
+            <a:r>
+              <a:rPr lang="en-US" dirty="0">
+                <a:latin typeface="Consolas"/>
+                <a:cs typeface="Lucida Sans Unicode"/>
+              </a:rPr>
+              <a:t>    }</a:t>
+            </a:r>
+          </a:p>
+          <a:p>
+            <a:pPr marL="0" indent="0">
+              <a:buNone/>
+            </a:pPr>
+            <a:r>
+              <a:rPr lang="en-US" dirty="0">
+                <a:latin typeface="Consolas"/>
+                <a:cs typeface="Lucida Sans Unicode"/>
+              </a:rPr>
+              <a:t>    </a:t>
+            </a:r>
+            <a:r>
+              <a:rPr lang="en-US" dirty="0">
+                <a:solidFill>
+                  <a:srgbClr val="FFFFFF"/>
+                </a:solidFill>
+                <a:latin typeface="Consolas"/>
+                <a:cs typeface="Lucida Sans Unicode"/>
+              </a:rPr>
+              <a:t>public Person() </a:t>
+            </a:r>
+            <a:endParaRPr lang="en-US" dirty="0">
+              <a:solidFill>
+                <a:srgbClr val="FF0000"/>
+              </a:solidFill>
+              <a:latin typeface="Consolas"/>
+              <a:cs typeface="Lucida Sans Unicode"/>
+            </a:endParaRPr>
+          </a:p>
+          <a:p>
+            <a:pPr marL="0" indent="0">
+              <a:buNone/>
+            </a:pPr>
+            <a:r>
+              <a:rPr lang="en-US" dirty="0">
+                <a:solidFill>
+                  <a:srgbClr val="FF0000"/>
+                </a:solidFill>
+                <a:latin typeface="Consolas"/>
+                <a:cs typeface="Lucida Sans Unicode"/>
+              </a:rPr>
+              <a:t>    </a:t>
+            </a:r>
+            <a:r>
+              <a:rPr lang="en-US" dirty="0">
+                <a:solidFill>
+                  <a:srgbClr val="FFFFFF"/>
+                </a:solidFill>
+                <a:latin typeface="Consolas"/>
+                <a:cs typeface="Lucida Sans Unicode"/>
+              </a:rPr>
+              <a:t>{</a:t>
+            </a:r>
             <a:endParaRPr lang="en-US" dirty="0"/>
+          </a:p>
+          <a:p>
+            <a:pPr marL="0" indent="0">
+              <a:buNone/>
+            </a:pPr>
+            <a:r>
+              <a:rPr lang="en-US" dirty="0">
+                <a:solidFill>
+                  <a:srgbClr val="FF0000"/>
+                </a:solidFill>
+                <a:latin typeface="Consolas"/>
+                <a:cs typeface="Lucida Sans Unicode"/>
+              </a:rPr>
+              <a:t>    </a:t>
+            </a:r>
+            <a:r>
+              <a:rPr lang="en-US" dirty="0">
+                <a:solidFill>
+                  <a:srgbClr val="FFFFFF"/>
+                </a:solidFill>
+                <a:latin typeface="Consolas"/>
+                <a:cs typeface="Lucida Sans Unicode"/>
+              </a:rPr>
+              <a:t>}</a:t>
+            </a:r>
+            <a:endParaRPr lang="en-US" dirty="0">
+              <a:solidFill>
+                <a:srgbClr val="FF0000"/>
+              </a:solidFill>
+              <a:latin typeface="Consolas"/>
+              <a:cs typeface="Lucida Sans Unicode"/>
+            </a:endParaRPr>
+          </a:p>
+          <a:p>
+            <a:pPr marL="0" indent="0">
+              <a:buClr>
+                <a:srgbClr val="FFFFFF"/>
+              </a:buClr>
+              <a:buNone/>
+            </a:pPr>
+            <a:r>
+              <a:rPr lang="en-US" dirty="0">
+                <a:latin typeface="Consolas"/>
+                <a:cs typeface="Lucida Sans Unicode"/>
+              </a:rPr>
+              <a:t>}</a:t>
+            </a:r>
+          </a:p>
+          <a:p>
+            <a:pPr marL="0" indent="0">
+              <a:buNone/>
+            </a:pPr>
+            <a:endParaRPr lang="en-US" dirty="0">
+              <a:latin typeface="Consolas"/>
+              <a:cs typeface="Lucida Sans Unicode"/>
+            </a:endParaRPr>
+          </a:p>
+          <a:p>
+            <a:pPr marL="0" indent="0">
+              <a:buNone/>
+            </a:pPr>
+            <a:r>
+              <a:rPr lang="en-US" dirty="0" err="1">
+                <a:latin typeface="Consolas"/>
+                <a:cs typeface="Lucida Sans Unicode"/>
+              </a:rPr>
+              <a:t>var</a:t>
+            </a:r>
+            <a:r>
+              <a:rPr lang="en-US" dirty="0">
+                <a:latin typeface="Consolas"/>
+                <a:cs typeface="Lucida Sans Unicode"/>
+              </a:rPr>
+              <a:t> person1 = new Person("John", "Doe");</a:t>
+            </a:r>
+          </a:p>
+          <a:p>
+            <a:pPr marL="0" indent="0">
+              <a:buNone/>
+            </a:pPr>
+            <a:r>
+              <a:rPr lang="en-US" dirty="0" err="1">
+                <a:latin typeface="Consolas"/>
+                <a:cs typeface="Lucida Sans Unicode"/>
+              </a:rPr>
+              <a:t>var</a:t>
+            </a:r>
+            <a:r>
+              <a:rPr lang="en-US" dirty="0">
+                <a:latin typeface="Consolas"/>
+                <a:cs typeface="Lucida Sans Unicode"/>
+              </a:rPr>
+              <a:t> person2 = new Person(); //&lt;--Works now</a:t>
+            </a:r>
           </a:p>
         </p:txBody>
       </p:sp>
     </p:spTree>
     <p:extLst>
       <p:ext uri="{BB962C8B-B14F-4D97-AF65-F5344CB8AC3E}">
-        <p14:creationId xmlns:p14="http://schemas.microsoft.com/office/powerpoint/2010/main" val="643201003"/>
+        <p14:creationId xmlns:p14="http://schemas.microsoft.com/office/powerpoint/2010/main" val="3144980672"/>
       </p:ext>
     </p:extLst>
   </p:cSld>
   <p:clrMapOvr>
     <a:masterClrMapping/>
   </p:clrMapOvr>
+  <p:timing>
+    <p:tnLst>
+      <p:par>
+        <p:cTn id="1" dur="indefinite" restart="never" nodeType="tmRoot"/>
+      </p:par>
+    </p:tnLst>
+  </p:timing>
 </p:sld>
 </file>
 
@@ -26847,7 +27004,7 @@
           <p:cNvPr id="2" name="Title 1">
             <a:extLst>
               <a:ext uri="{FF2B5EF4-FFF2-40B4-BE49-F238E27FC236}">
-                <a16:creationId xmlns="" xmlns:a16="http://schemas.microsoft.com/office/drawing/2014/main" id="{2A64CC9E-7F69-429E-9F0B-1C340D3F5CC4}"/>
+                <a16:creationId xmlns="" xmlns:a16="http://schemas.microsoft.com/office/drawing/2014/main" id="{749FC12B-06F8-4C45-A91C-0981F9C48E2E}"/>
               </a:ext>
             </a:extLst>
           </p:cNvPr>
@@ -26875,7 +27032,7 @@
           <p:cNvPr id="3" name="Content Placeholder 2">
             <a:extLst>
               <a:ext uri="{FF2B5EF4-FFF2-40B4-BE49-F238E27FC236}">
-                <a16:creationId xmlns="" xmlns:a16="http://schemas.microsoft.com/office/drawing/2014/main" id="{5A9DC611-51A6-4E7F-BDDC-B9933C5F1A56}"/>
+                <a16:creationId xmlns="" xmlns:a16="http://schemas.microsoft.com/office/drawing/2014/main" id="{D674BAE2-395C-45F0-92A1-4A54C23393C5}"/>
               </a:ext>
             </a:extLst>
           </p:cNvPr>
@@ -26891,26 +27048,35 @@
           <a:bodyPr/>
           <a:lstStyle/>
           <a:p>
-            <a:pPr marL="0" indent="0">
-              <a:buNone/>
+            <a:endParaRPr lang="en-US"/>
+          </a:p>
+          <a:p>
+            <a:pPr>
+              <a:buClr>
+                <a:srgbClr val="FFFFFF"/>
+              </a:buClr>
             </a:pPr>
-            <a:r>
-              <a:rPr lang="en-US" dirty="0"/>
-              <a:t>A method is a code block that contains a series of statements. In C#, every executed instruction is performed in the context of a method.</a:t>
-            </a:r>
+            <a:endParaRPr lang="en-US" dirty="0"/>
           </a:p>
         </p:txBody>
       </p:sp>
     </p:spTree>
     <p:extLst>
       <p:ext uri="{BB962C8B-B14F-4D97-AF65-F5344CB8AC3E}">
-        <p14:creationId xmlns:p14="http://schemas.microsoft.com/office/powerpoint/2010/main" val="998493134"/>
+        <p14:creationId xmlns:p14="http://schemas.microsoft.com/office/powerpoint/2010/main" val="643201003"/>
       </p:ext>
     </p:extLst>
   </p:cSld>
   <p:clrMapOvr>
     <a:masterClrMapping/>
   </p:clrMapOvr>
+  <p:timing>
+    <p:tnLst>
+      <p:par>
+        <p:cTn id="1" dur="indefinite" restart="never" nodeType="tmRoot"/>
+      </p:par>
+    </p:tnLst>
+  </p:timing>
 </p:sld>
 </file>
 
@@ -26936,6 +27102,102 @@
           <p:cNvPr id="2" name="Title 1">
             <a:extLst>
               <a:ext uri="{FF2B5EF4-FFF2-40B4-BE49-F238E27FC236}">
+                <a16:creationId xmlns="" xmlns:a16="http://schemas.microsoft.com/office/drawing/2014/main" id="{2A64CC9E-7F69-429E-9F0B-1C340D3F5CC4}"/>
+              </a:ext>
+            </a:extLst>
+          </p:cNvPr>
+          <p:cNvSpPr>
+            <a:spLocks noGrp="1"/>
+          </p:cNvSpPr>
+          <p:nvPr>
+            <p:ph type="title"/>
+          </p:nvPr>
+        </p:nvSpPr>
+        <p:spPr/>
+        <p:txBody>
+          <a:bodyPr/>
+          <a:lstStyle/>
+          <a:p>
+            <a:r>
+              <a:rPr lang="en-US" dirty="0"/>
+              <a:t>Methods</a:t>
+            </a:r>
+          </a:p>
+        </p:txBody>
+      </p:sp>
+      <p:sp>
+        <p:nvSpPr>
+          <p:cNvPr id="3" name="Content Placeholder 2">
+            <a:extLst>
+              <a:ext uri="{FF2B5EF4-FFF2-40B4-BE49-F238E27FC236}">
+                <a16:creationId xmlns="" xmlns:a16="http://schemas.microsoft.com/office/drawing/2014/main" id="{5A9DC611-51A6-4E7F-BDDC-B9933C5F1A56}"/>
+              </a:ext>
+            </a:extLst>
+          </p:cNvPr>
+          <p:cNvSpPr>
+            <a:spLocks noGrp="1"/>
+          </p:cNvSpPr>
+          <p:nvPr>
+            <p:ph idx="1"/>
+          </p:nvPr>
+        </p:nvSpPr>
+        <p:spPr/>
+        <p:txBody>
+          <a:bodyPr/>
+          <a:lstStyle/>
+          <a:p>
+            <a:pPr marL="0" indent="0">
+              <a:buNone/>
+            </a:pPr>
+            <a:r>
+              <a:rPr lang="en-US" dirty="0"/>
+              <a:t>A method is a code block that contains a series of statements. In C#, every executed instruction is performed in the context of a method.</a:t>
+            </a:r>
+          </a:p>
+        </p:txBody>
+      </p:sp>
+    </p:spTree>
+    <p:extLst>
+      <p:ext uri="{BB962C8B-B14F-4D97-AF65-F5344CB8AC3E}">
+        <p14:creationId xmlns:p14="http://schemas.microsoft.com/office/powerpoint/2010/main" val="998493134"/>
+      </p:ext>
+    </p:extLst>
+  </p:cSld>
+  <p:clrMapOvr>
+    <a:masterClrMapping/>
+  </p:clrMapOvr>
+  <p:timing>
+    <p:tnLst>
+      <p:par>
+        <p:cTn id="1" dur="indefinite" restart="never" nodeType="tmRoot"/>
+      </p:par>
+    </p:tnLst>
+  </p:timing>
+</p:sld>
+</file>
+
+<file path=ppt/slides/slide33.xml><?xml version="1.0" encoding="utf-8"?>
+<p:sld xmlns:a="http://schemas.openxmlformats.org/drawingml/2006/main" xmlns:r="http://schemas.openxmlformats.org/officeDocument/2006/relationships" xmlns:p="http://schemas.openxmlformats.org/presentationml/2006/main">
+  <p:cSld>
+    <p:spTree>
+      <p:nvGrpSpPr>
+        <p:cNvPr id="1" name=""/>
+        <p:cNvGrpSpPr/>
+        <p:nvPr/>
+      </p:nvGrpSpPr>
+      <p:grpSpPr>
+        <a:xfrm>
+          <a:off x="0" y="0"/>
+          <a:ext cx="0" cy="0"/>
+          <a:chOff x="0" y="0"/>
+          <a:chExt cx="0" cy="0"/>
+        </a:xfrm>
+      </p:grpSpPr>
+      <p:sp>
+        <p:nvSpPr>
+          <p:cNvPr id="2" name="Title 1">
+            <a:extLst>
+              <a:ext uri="{FF2B5EF4-FFF2-40B4-BE49-F238E27FC236}">
                 <a16:creationId xmlns="" xmlns:a16="http://schemas.microsoft.com/office/drawing/2014/main" id="{256E2608-4D8E-4A81-A159-19715E152AE3}"/>
               </a:ext>
             </a:extLst>
@@ -27051,10 +27313,17 @@
   <p:clrMapOvr>
     <a:masterClrMapping/>
   </p:clrMapOvr>
+  <p:timing>
+    <p:tnLst>
+      <p:par>
+        <p:cTn id="1" dur="indefinite" restart="never" nodeType="tmRoot"/>
+      </p:par>
+    </p:tnLst>
+  </p:timing>
 </p:sld>
 </file>
 
-<file path=ppt/slides/slide33.xml><?xml version="1.0" encoding="utf-8"?>
+<file path=ppt/slides/slide34.xml><?xml version="1.0" encoding="utf-8"?>
 <p:sld xmlns:a="http://schemas.openxmlformats.org/drawingml/2006/main" xmlns:r="http://schemas.openxmlformats.org/officeDocument/2006/relationships" xmlns:p="http://schemas.openxmlformats.org/presentationml/2006/main">
   <p:cSld>
     <p:spTree>
@@ -27855,97 +28124,13 @@
   <p:clrMapOvr>
     <a:masterClrMapping/>
   </p:clrMapOvr>
-</p:sld>
-</file>
-
-<file path=ppt/slides/slide34.xml><?xml version="1.0" encoding="utf-8"?>
-<p:sld xmlns:a="http://schemas.openxmlformats.org/drawingml/2006/main" xmlns:r="http://schemas.openxmlformats.org/officeDocument/2006/relationships" xmlns:p="http://schemas.openxmlformats.org/presentationml/2006/main">
-  <p:cSld>
-    <p:spTree>
-      <p:nvGrpSpPr>
-        <p:cNvPr id="1" name=""/>
-        <p:cNvGrpSpPr/>
-        <p:nvPr/>
-      </p:nvGrpSpPr>
-      <p:grpSpPr>
-        <a:xfrm>
-          <a:off x="0" y="0"/>
-          <a:ext cx="0" cy="0"/>
-          <a:chOff x="0" y="0"/>
-          <a:chExt cx="0" cy="0"/>
-        </a:xfrm>
-      </p:grpSpPr>
-      <p:sp>
-        <p:nvSpPr>
-          <p:cNvPr id="2" name="Title 1">
-            <a:extLst>
-              <a:ext uri="{FF2B5EF4-FFF2-40B4-BE49-F238E27FC236}">
-                <a16:creationId xmlns="" xmlns:a16="http://schemas.microsoft.com/office/drawing/2014/main" id="{C2EABFED-FA3D-4B8A-9738-7DE9D61243AF}"/>
-              </a:ext>
-            </a:extLst>
-          </p:cNvPr>
-          <p:cNvSpPr>
-            <a:spLocks noGrp="1"/>
-          </p:cNvSpPr>
-          <p:nvPr>
-            <p:ph type="title"/>
-          </p:nvPr>
-        </p:nvSpPr>
-        <p:spPr/>
-        <p:txBody>
-          <a:bodyPr/>
-          <a:lstStyle/>
-          <a:p>
-            <a:r>
-              <a:rPr lang="en-US" dirty="0"/>
-              <a:t>Inheritance</a:t>
-            </a:r>
-          </a:p>
-        </p:txBody>
-      </p:sp>
-      <p:sp>
-        <p:nvSpPr>
-          <p:cNvPr id="3" name="Content Placeholder 2">
-            <a:extLst>
-              <a:ext uri="{FF2B5EF4-FFF2-40B4-BE49-F238E27FC236}">
-                <a16:creationId xmlns="" xmlns:a16="http://schemas.microsoft.com/office/drawing/2014/main" id="{62132B5D-10B6-4647-98B0-65947140C93B}"/>
-              </a:ext>
-            </a:extLst>
-          </p:cNvPr>
-          <p:cNvSpPr>
-            <a:spLocks noGrp="1"/>
-          </p:cNvSpPr>
-          <p:nvPr>
-            <p:ph idx="1"/>
-          </p:nvPr>
-        </p:nvSpPr>
-        <p:spPr/>
-        <p:txBody>
-          <a:bodyPr/>
-          <a:lstStyle/>
-          <a:p>
-            <a:endParaRPr lang="en-US"/>
-          </a:p>
-          <a:p>
-            <a:pPr>
-              <a:buClr>
-                <a:srgbClr val="FFFFFF"/>
-              </a:buClr>
-            </a:pPr>
-            <a:endParaRPr lang="en-US" dirty="0"/>
-          </a:p>
-        </p:txBody>
-      </p:sp>
-    </p:spTree>
-    <p:extLst>
-      <p:ext uri="{BB962C8B-B14F-4D97-AF65-F5344CB8AC3E}">
-        <p14:creationId xmlns:p14="http://schemas.microsoft.com/office/powerpoint/2010/main" val="3349864315"/>
-      </p:ext>
-    </p:extLst>
-  </p:cSld>
-  <p:clrMapOvr>
-    <a:masterClrMapping/>
-  </p:clrMapOvr>
+  <p:timing>
+    <p:tnLst>
+      <p:par>
+        <p:cTn id="1" dur="indefinite" restart="never" nodeType="tmRoot"/>
+      </p:par>
+    </p:tnLst>
+  </p:timing>
 </p:sld>
 </file>
 
@@ -27971,6 +28156,104 @@
           <p:cNvPr id="2" name="Title 1">
             <a:extLst>
               <a:ext uri="{FF2B5EF4-FFF2-40B4-BE49-F238E27FC236}">
+                <a16:creationId xmlns="" xmlns:a16="http://schemas.microsoft.com/office/drawing/2014/main" id="{C2EABFED-FA3D-4B8A-9738-7DE9D61243AF}"/>
+              </a:ext>
+            </a:extLst>
+          </p:cNvPr>
+          <p:cNvSpPr>
+            <a:spLocks noGrp="1"/>
+          </p:cNvSpPr>
+          <p:nvPr>
+            <p:ph type="title"/>
+          </p:nvPr>
+        </p:nvSpPr>
+        <p:spPr/>
+        <p:txBody>
+          <a:bodyPr/>
+          <a:lstStyle/>
+          <a:p>
+            <a:r>
+              <a:rPr lang="en-US" dirty="0"/>
+              <a:t>Inheritance</a:t>
+            </a:r>
+          </a:p>
+        </p:txBody>
+      </p:sp>
+      <p:sp>
+        <p:nvSpPr>
+          <p:cNvPr id="3" name="Content Placeholder 2">
+            <a:extLst>
+              <a:ext uri="{FF2B5EF4-FFF2-40B4-BE49-F238E27FC236}">
+                <a16:creationId xmlns="" xmlns:a16="http://schemas.microsoft.com/office/drawing/2014/main" id="{62132B5D-10B6-4647-98B0-65947140C93B}"/>
+              </a:ext>
+            </a:extLst>
+          </p:cNvPr>
+          <p:cNvSpPr>
+            <a:spLocks noGrp="1"/>
+          </p:cNvSpPr>
+          <p:nvPr>
+            <p:ph idx="1"/>
+          </p:nvPr>
+        </p:nvSpPr>
+        <p:spPr/>
+        <p:txBody>
+          <a:bodyPr/>
+          <a:lstStyle/>
+          <a:p>
+            <a:endParaRPr lang="en-US"/>
+          </a:p>
+          <a:p>
+            <a:pPr>
+              <a:buClr>
+                <a:srgbClr val="FFFFFF"/>
+              </a:buClr>
+            </a:pPr>
+            <a:endParaRPr lang="en-US" dirty="0"/>
+          </a:p>
+        </p:txBody>
+      </p:sp>
+    </p:spTree>
+    <p:extLst>
+      <p:ext uri="{BB962C8B-B14F-4D97-AF65-F5344CB8AC3E}">
+        <p14:creationId xmlns:p14="http://schemas.microsoft.com/office/powerpoint/2010/main" val="3349864315"/>
+      </p:ext>
+    </p:extLst>
+  </p:cSld>
+  <p:clrMapOvr>
+    <a:masterClrMapping/>
+  </p:clrMapOvr>
+  <p:timing>
+    <p:tnLst>
+      <p:par>
+        <p:cTn id="1" dur="indefinite" restart="never" nodeType="tmRoot"/>
+      </p:par>
+    </p:tnLst>
+  </p:timing>
+</p:sld>
+</file>
+
+<file path=ppt/slides/slide36.xml><?xml version="1.0" encoding="utf-8"?>
+<p:sld xmlns:a="http://schemas.openxmlformats.org/drawingml/2006/main" xmlns:r="http://schemas.openxmlformats.org/officeDocument/2006/relationships" xmlns:p="http://schemas.openxmlformats.org/presentationml/2006/main">
+  <p:cSld>
+    <p:spTree>
+      <p:nvGrpSpPr>
+        <p:cNvPr id="1" name=""/>
+        <p:cNvGrpSpPr/>
+        <p:nvPr/>
+      </p:nvGrpSpPr>
+      <p:grpSpPr>
+        <a:xfrm>
+          <a:off x="0" y="0"/>
+          <a:ext cx="0" cy="0"/>
+          <a:chOff x="0" y="0"/>
+          <a:chExt cx="0" cy="0"/>
+        </a:xfrm>
+      </p:grpSpPr>
+      <p:sp>
+        <p:nvSpPr>
+          <p:cNvPr id="2" name="Title 1">
+            <a:extLst>
+              <a:ext uri="{FF2B5EF4-FFF2-40B4-BE49-F238E27FC236}">
                 <a16:creationId xmlns="" xmlns:a16="http://schemas.microsoft.com/office/drawing/2014/main" id="{C91BFD28-A873-436F-99F0-6A1C90FE9C75}"/>
               </a:ext>
             </a:extLst>
@@ -28554,10 +28837,17 @@
   <p:clrMapOvr>
     <a:masterClrMapping/>
   </p:clrMapOvr>
+  <p:timing>
+    <p:tnLst>
+      <p:par>
+        <p:cTn id="1" dur="indefinite" restart="never" nodeType="tmRoot"/>
+      </p:par>
+    </p:tnLst>
+  </p:timing>
 </p:sld>
 </file>
 
-<file path=ppt/slides/slide36.xml><?xml version="1.0" encoding="utf-8"?>
+<file path=ppt/slides/slide37.xml><?xml version="1.0" encoding="utf-8"?>
 <p:sld xmlns:a="http://schemas.openxmlformats.org/drawingml/2006/main" xmlns:r="http://schemas.openxmlformats.org/officeDocument/2006/relationships" xmlns:p="http://schemas.openxmlformats.org/presentationml/2006/main">
   <p:cSld>
     <p:spTree>
@@ -29405,58 +29695,13 @@
   <p:clrMapOvr>
     <a:masterClrMapping/>
   </p:clrMapOvr>
-</p:sld>
-</file>
-
-<file path=ppt/slides/slide37.xml><?xml version="1.0" encoding="utf-8"?>
-<p:sld xmlns:a="http://schemas.openxmlformats.org/drawingml/2006/main" xmlns:r="http://schemas.openxmlformats.org/officeDocument/2006/relationships" xmlns:p="http://schemas.openxmlformats.org/presentationml/2006/main">
-  <p:cSld>
-    <p:spTree>
-      <p:nvGrpSpPr>
-        <p:cNvPr id="1" name=""/>
-        <p:cNvGrpSpPr/>
-        <p:nvPr/>
-      </p:nvGrpSpPr>
-      <p:grpSpPr>
-        <a:xfrm>
-          <a:off x="0" y="0"/>
-          <a:ext cx="0" cy="0"/>
-          <a:chOff x="0" y="0"/>
-          <a:chExt cx="0" cy="0"/>
-        </a:xfrm>
-      </p:grpSpPr>
-      <p:sp>
-        <p:nvSpPr>
-          <p:cNvPr id="7" name="Title 6"/>
-          <p:cNvSpPr>
-            <a:spLocks noGrp="1"/>
-          </p:cNvSpPr>
-          <p:nvPr>
-            <p:ph type="title"/>
-          </p:nvPr>
-        </p:nvSpPr>
-        <p:spPr/>
-        <p:txBody>
-          <a:bodyPr/>
-          <a:lstStyle/>
-          <a:p>
-            <a:r>
-              <a:rPr lang="en-US"/>
-              <a:t>polymorphism</a:t>
-            </a:r>
-          </a:p>
-        </p:txBody>
-      </p:sp>
-    </p:spTree>
-    <p:extLst>
-      <p:ext uri="{BB962C8B-B14F-4D97-AF65-F5344CB8AC3E}">
-        <p14:creationId xmlns:p14="http://schemas.microsoft.com/office/powerpoint/2010/main" val="265940213"/>
-      </p:ext>
-    </p:extLst>
-  </p:cSld>
-  <p:clrMapOvr>
-    <a:masterClrMapping/>
-  </p:clrMapOvr>
+  <p:timing>
+    <p:tnLst>
+      <p:par>
+        <p:cTn id="1" dur="indefinite" restart="never" nodeType="tmRoot"/>
+      </p:par>
+    </p:tnLst>
+  </p:timing>
 </p:sld>
 </file>
 
@@ -29479,6 +29724,65 @@
       </p:grpSpPr>
       <p:sp>
         <p:nvSpPr>
+          <p:cNvPr id="7" name="Title 6"/>
+          <p:cNvSpPr>
+            <a:spLocks noGrp="1"/>
+          </p:cNvSpPr>
+          <p:nvPr>
+            <p:ph type="title"/>
+          </p:nvPr>
+        </p:nvSpPr>
+        <p:spPr/>
+        <p:txBody>
+          <a:bodyPr/>
+          <a:lstStyle/>
+          <a:p>
+            <a:r>
+              <a:rPr lang="en-US"/>
+              <a:t>polymorphism</a:t>
+            </a:r>
+          </a:p>
+        </p:txBody>
+      </p:sp>
+    </p:spTree>
+    <p:extLst>
+      <p:ext uri="{BB962C8B-B14F-4D97-AF65-F5344CB8AC3E}">
+        <p14:creationId xmlns:p14="http://schemas.microsoft.com/office/powerpoint/2010/main" val="265940213"/>
+      </p:ext>
+    </p:extLst>
+  </p:cSld>
+  <p:clrMapOvr>
+    <a:masterClrMapping/>
+  </p:clrMapOvr>
+  <p:timing>
+    <p:tnLst>
+      <p:par>
+        <p:cTn id="1" dur="indefinite" restart="never" nodeType="tmRoot"/>
+      </p:par>
+    </p:tnLst>
+  </p:timing>
+</p:sld>
+</file>
+
+<file path=ppt/slides/slide39.xml><?xml version="1.0" encoding="utf-8"?>
+<p:sld xmlns:a="http://schemas.openxmlformats.org/drawingml/2006/main" xmlns:r="http://schemas.openxmlformats.org/officeDocument/2006/relationships" xmlns:p="http://schemas.openxmlformats.org/presentationml/2006/main">
+  <p:cSld>
+    <p:spTree>
+      <p:nvGrpSpPr>
+        <p:cNvPr id="1" name=""/>
+        <p:cNvGrpSpPr/>
+        <p:nvPr/>
+      </p:nvGrpSpPr>
+      <p:grpSpPr>
+        <a:xfrm>
+          <a:off x="0" y="0"/>
+          <a:ext cx="0" cy="0"/>
+          <a:chOff x="0" y="0"/>
+          <a:chExt cx="0" cy="0"/>
+        </a:xfrm>
+      </p:grpSpPr>
+      <p:sp>
+        <p:nvSpPr>
           <p:cNvPr id="2" name="Title 1">
             <a:extLst>
               <a:ext uri="{FF2B5EF4-FFF2-40B4-BE49-F238E27FC236}">
@@ -30072,147 +30376,13 @@
   <p:clrMapOvr>
     <a:masterClrMapping/>
   </p:clrMapOvr>
-</p:sld>
-</file>
-
-<file path=ppt/slides/slide39.xml><?xml version="1.0" encoding="utf-8"?>
-<p:sld xmlns:a="http://schemas.openxmlformats.org/drawingml/2006/main" xmlns:r="http://schemas.openxmlformats.org/officeDocument/2006/relationships" xmlns:p="http://schemas.openxmlformats.org/presentationml/2006/main">
-  <p:cSld>
-    <p:spTree>
-      <p:nvGrpSpPr>
-        <p:cNvPr id="1" name=""/>
-        <p:cNvGrpSpPr/>
-        <p:nvPr/>
-      </p:nvGrpSpPr>
-      <p:grpSpPr>
-        <a:xfrm>
-          <a:off x="0" y="0"/>
-          <a:ext cx="0" cy="0"/>
-          <a:chOff x="0" y="0"/>
-          <a:chExt cx="0" cy="0"/>
-        </a:xfrm>
-      </p:grpSpPr>
-      <p:sp>
-        <p:nvSpPr>
-          <p:cNvPr id="2" name="Title 1"/>
-          <p:cNvSpPr>
-            <a:spLocks noGrp="1"/>
-          </p:cNvSpPr>
-          <p:nvPr>
-            <p:ph type="title"/>
-          </p:nvPr>
-        </p:nvSpPr>
-        <p:spPr/>
-        <p:txBody>
-          <a:bodyPr/>
-          <a:lstStyle/>
-          <a:p>
-            <a:r>
-              <a:rPr lang="en-US" dirty="0" smtClean="0"/>
-              <a:t>Generics</a:t>
-            </a:r>
-            <a:endParaRPr lang="en-US" dirty="0"/>
-          </a:p>
-        </p:txBody>
-      </p:sp>
-      <p:sp>
-        <p:nvSpPr>
-          <p:cNvPr id="3" name="Text Placeholder 2"/>
-          <p:cNvSpPr>
-            <a:spLocks noGrp="1"/>
-          </p:cNvSpPr>
-          <p:nvPr>
-            <p:ph type="body" idx="1"/>
-          </p:nvPr>
-        </p:nvSpPr>
-        <p:spPr/>
-        <p:txBody>
-          <a:bodyPr/>
-          <a:lstStyle/>
-          <a:p>
-            <a:endParaRPr lang="en-US" dirty="0" smtClean="0"/>
-          </a:p>
-          <a:p>
-            <a:endParaRPr lang="en-US" dirty="0"/>
-          </a:p>
-        </p:txBody>
-      </p:sp>
-      <p:sp>
-        <p:nvSpPr>
-          <p:cNvPr id="4" name="Content Placeholder 3"/>
-          <p:cNvSpPr>
-            <a:spLocks noGrp="1"/>
-          </p:cNvSpPr>
-          <p:nvPr>
-            <p:ph sz="half" idx="2"/>
-          </p:nvPr>
-        </p:nvSpPr>
-        <p:spPr/>
-        <p:txBody>
-          <a:bodyPr/>
-          <a:lstStyle/>
-          <a:p>
-            <a:endParaRPr lang="en-US" dirty="0" smtClean="0"/>
-          </a:p>
-          <a:p>
-            <a:endParaRPr lang="en-US" dirty="0"/>
-          </a:p>
-        </p:txBody>
-      </p:sp>
-      <p:sp>
-        <p:nvSpPr>
-          <p:cNvPr id="5" name="Text Placeholder 4"/>
-          <p:cNvSpPr>
-            <a:spLocks noGrp="1"/>
-          </p:cNvSpPr>
-          <p:nvPr>
-            <p:ph type="body" sz="quarter" idx="3"/>
-          </p:nvPr>
-        </p:nvSpPr>
-        <p:spPr/>
-        <p:txBody>
-          <a:bodyPr/>
-          <a:lstStyle/>
-          <a:p>
-            <a:endParaRPr lang="en-US" dirty="0" smtClean="0"/>
-          </a:p>
-          <a:p>
-            <a:endParaRPr lang="en-US" dirty="0"/>
-          </a:p>
-        </p:txBody>
-      </p:sp>
-      <p:sp>
-        <p:nvSpPr>
-          <p:cNvPr id="6" name="Content Placeholder 5"/>
-          <p:cNvSpPr>
-            <a:spLocks noGrp="1"/>
-          </p:cNvSpPr>
-          <p:nvPr>
-            <p:ph sz="quarter" idx="4"/>
-          </p:nvPr>
-        </p:nvSpPr>
-        <p:spPr/>
-        <p:txBody>
-          <a:bodyPr/>
-          <a:lstStyle/>
-          <a:p>
-            <a:endParaRPr lang="en-US" dirty="0" smtClean="0"/>
-          </a:p>
-          <a:p>
-            <a:endParaRPr lang="en-US" dirty="0"/>
-          </a:p>
-        </p:txBody>
-      </p:sp>
-    </p:spTree>
-    <p:extLst>
-      <p:ext uri="{BB962C8B-B14F-4D97-AF65-F5344CB8AC3E}">
-        <p14:creationId xmlns:p14="http://schemas.microsoft.com/office/powerpoint/2010/main" val="910809924"/>
-      </p:ext>
-    </p:extLst>
-  </p:cSld>
-  <p:clrMapOvr>
-    <a:masterClrMapping/>
-  </p:clrMapOvr>
+  <p:timing>
+    <p:tnLst>
+      <p:par>
+        <p:cTn id="1" dur="indefinite" restart="never" nodeType="tmRoot"/>
+      </p:par>
+    </p:tnLst>
+  </p:timing>
 </p:sld>
 </file>
 
@@ -30315,6 +30485,13 @@
   <p:clrMapOvr>
     <a:masterClrMapping/>
   </p:clrMapOvr>
+  <p:timing>
+    <p:tnLst>
+      <p:par>
+        <p:cTn id="1" dur="indefinite" restart="never" nodeType="tmRoot"/>
+      </p:par>
+    </p:tnLst>
+  </p:timing>
 </p:sld>
 </file>
 
@@ -30337,7 +30514,7 @@
       </p:grpSpPr>
       <p:sp>
         <p:nvSpPr>
-          <p:cNvPr id="4" name="Title 3"/>
+          <p:cNvPr id="2" name="Title 1"/>
           <p:cNvSpPr>
             <a:spLocks noGrp="1"/>
           </p:cNvSpPr>
@@ -30351,22 +30528,118 @@
           <a:lstStyle/>
           <a:p>
             <a:r>
-              <a:rPr lang="en-US"/>
-              <a:t>Cool! En-List ME</a:t>
-            </a:r>
+              <a:rPr lang="en-US" dirty="0" smtClean="0"/>
+              <a:t>Generics</a:t>
+            </a:r>
+            <a:endParaRPr lang="en-US" dirty="0"/>
+          </a:p>
+        </p:txBody>
+      </p:sp>
+      <p:sp>
+        <p:nvSpPr>
+          <p:cNvPr id="3" name="Text Placeholder 2"/>
+          <p:cNvSpPr>
+            <a:spLocks noGrp="1"/>
+          </p:cNvSpPr>
+          <p:nvPr>
+            <p:ph type="body" idx="1"/>
+          </p:nvPr>
+        </p:nvSpPr>
+        <p:spPr/>
+        <p:txBody>
+          <a:bodyPr/>
+          <a:lstStyle/>
+          <a:p>
+            <a:endParaRPr lang="en-US" dirty="0" smtClean="0"/>
+          </a:p>
+          <a:p>
+            <a:endParaRPr lang="en-US" dirty="0"/>
+          </a:p>
+        </p:txBody>
+      </p:sp>
+      <p:sp>
+        <p:nvSpPr>
+          <p:cNvPr id="4" name="Content Placeholder 3"/>
+          <p:cNvSpPr>
+            <a:spLocks noGrp="1"/>
+          </p:cNvSpPr>
+          <p:nvPr>
+            <p:ph sz="half" idx="2"/>
+          </p:nvPr>
+        </p:nvSpPr>
+        <p:spPr/>
+        <p:txBody>
+          <a:bodyPr/>
+          <a:lstStyle/>
+          <a:p>
+            <a:endParaRPr lang="en-US" dirty="0" smtClean="0"/>
+          </a:p>
+          <a:p>
+            <a:endParaRPr lang="en-US" dirty="0"/>
+          </a:p>
+        </p:txBody>
+      </p:sp>
+      <p:sp>
+        <p:nvSpPr>
+          <p:cNvPr id="5" name="Text Placeholder 4"/>
+          <p:cNvSpPr>
+            <a:spLocks noGrp="1"/>
+          </p:cNvSpPr>
+          <p:nvPr>
+            <p:ph type="body" sz="quarter" idx="3"/>
+          </p:nvPr>
+        </p:nvSpPr>
+        <p:spPr/>
+        <p:txBody>
+          <a:bodyPr/>
+          <a:lstStyle/>
+          <a:p>
+            <a:endParaRPr lang="en-US" dirty="0" smtClean="0"/>
+          </a:p>
+          <a:p>
+            <a:endParaRPr lang="en-US" dirty="0"/>
+          </a:p>
+        </p:txBody>
+      </p:sp>
+      <p:sp>
+        <p:nvSpPr>
+          <p:cNvPr id="6" name="Content Placeholder 5"/>
+          <p:cNvSpPr>
+            <a:spLocks noGrp="1"/>
+          </p:cNvSpPr>
+          <p:nvPr>
+            <p:ph sz="quarter" idx="4"/>
+          </p:nvPr>
+        </p:nvSpPr>
+        <p:spPr/>
+        <p:txBody>
+          <a:bodyPr/>
+          <a:lstStyle/>
+          <a:p>
+            <a:endParaRPr lang="en-US" dirty="0" smtClean="0"/>
+          </a:p>
+          <a:p>
+            <a:endParaRPr lang="en-US" dirty="0"/>
           </a:p>
         </p:txBody>
       </p:sp>
     </p:spTree>
     <p:extLst>
       <p:ext uri="{BB962C8B-B14F-4D97-AF65-F5344CB8AC3E}">
-        <p14:creationId xmlns:p14="http://schemas.microsoft.com/office/powerpoint/2010/main" val="3046817513"/>
+        <p14:creationId xmlns:p14="http://schemas.microsoft.com/office/powerpoint/2010/main" val="910809924"/>
       </p:ext>
     </p:extLst>
   </p:cSld>
   <p:clrMapOvr>
     <a:masterClrMapping/>
   </p:clrMapOvr>
+  <p:timing>
+    <p:tnLst>
+      <p:par>
+        <p:cTn id="1" dur="indefinite" restart="never" nodeType="tmRoot"/>
+      </p:par>
+    </p:tnLst>
+  </p:timing>
 </p:sld>
 </file>
 
@@ -30389,13 +30662,7 @@
       </p:grpSpPr>
       <p:sp>
         <p:nvSpPr>
-          <p:cNvPr id="2" name="Title 1">
-            <a:extLst>
-              <a:ext uri="{FF2B5EF4-FFF2-40B4-BE49-F238E27FC236}">
-                <a16:creationId xmlns="" xmlns:a16="http://schemas.microsoft.com/office/drawing/2014/main" id="{6A40BEA3-6DF8-45EF-9E3D-FD75A00D43DE}"/>
-              </a:ext>
-            </a:extLst>
-          </p:cNvPr>
+          <p:cNvPr id="4" name="Title 3"/>
           <p:cNvSpPr>
             <a:spLocks noGrp="1"/>
           </p:cNvSpPr>
@@ -30409,163 +30676,29 @@
           <a:lstStyle/>
           <a:p>
             <a:r>
-              <a:rPr lang="en-US" dirty="0"/>
-              <a:t>Lists</a:t>
-            </a:r>
-          </a:p>
-        </p:txBody>
-      </p:sp>
-      <p:sp>
-        <p:nvSpPr>
-          <p:cNvPr id="3" name="Content Placeholder 2">
-            <a:extLst>
-              <a:ext uri="{FF2B5EF4-FFF2-40B4-BE49-F238E27FC236}">
-                <a16:creationId xmlns="" xmlns:a16="http://schemas.microsoft.com/office/drawing/2014/main" id="{9C254189-4ADD-4DFD-9AFB-1223CAF81DDD}"/>
-              </a:ext>
-            </a:extLst>
-          </p:cNvPr>
-          <p:cNvSpPr>
-            <a:spLocks noGrp="1"/>
-          </p:cNvSpPr>
-          <p:nvPr>
-            <p:ph idx="1"/>
-          </p:nvPr>
-        </p:nvSpPr>
-        <p:spPr>
-          <a:xfrm>
-            <a:off x="684213" y="685800"/>
-            <a:ext cx="11182643" cy="3614738"/>
-          </a:xfrm>
-        </p:spPr>
-        <p:txBody>
-          <a:bodyPr/>
-          <a:lstStyle/>
-          <a:p>
-            <a:pPr marL="0" indent="0" algn="ctr">
-              <a:buNone/>
-            </a:pPr>
-            <a:r>
-              <a:rPr lang="en-US" dirty="0" err="1">
-                <a:latin typeface="Consolas"/>
-              </a:rPr>
-              <a:t>var</a:t>
-            </a:r>
-            <a:r>
-              <a:rPr lang="en-US" dirty="0">
-                <a:latin typeface="Consolas"/>
-              </a:rPr>
-              <a:t> </a:t>
-            </a:r>
-            <a:r>
-              <a:rPr lang="en-US" dirty="0" err="1">
-                <a:latin typeface="Consolas"/>
-              </a:rPr>
-              <a:t>integerList</a:t>
-            </a:r>
-            <a:r>
-              <a:rPr lang="en-US" dirty="0">
-                <a:latin typeface="Consolas"/>
-              </a:rPr>
-              <a:t> = new List&lt;</a:t>
-            </a:r>
-            <a:r>
-              <a:rPr lang="en-US" dirty="0" err="1">
-                <a:latin typeface="Consolas"/>
-              </a:rPr>
-              <a:t>int</a:t>
-            </a:r>
-            <a:r>
-              <a:rPr lang="en-US" dirty="0">
-                <a:latin typeface="Consolas"/>
-              </a:rPr>
-              <a:t>&gt;();</a:t>
-            </a:r>
-            <a:endParaRPr lang="en-US" dirty="0"/>
-          </a:p>
-          <a:p>
-            <a:pPr marL="0" indent="0" algn="ctr">
-              <a:buNone/>
-            </a:pPr>
-            <a:r>
-              <a:rPr lang="en-US" dirty="0" err="1">
-                <a:latin typeface="Consolas"/>
-              </a:rPr>
-              <a:t>integerList.Add</a:t>
-            </a:r>
-            <a:r>
-              <a:rPr lang="en-US" dirty="0">
-                <a:latin typeface="Consolas"/>
-              </a:rPr>
-              <a:t>(2);</a:t>
-            </a:r>
-            <a:endParaRPr lang="en-US" dirty="0"/>
-          </a:p>
-          <a:p>
-            <a:pPr marL="0" indent="0" algn="ctr">
-              <a:buNone/>
-            </a:pPr>
-            <a:r>
-              <a:rPr lang="en-US" err="1">
-                <a:latin typeface="Consolas"/>
-              </a:rPr>
-              <a:t>integerList.Add</a:t>
-            </a:r>
-            <a:r>
-              <a:rPr lang="en-US" dirty="0">
-                <a:latin typeface="Consolas"/>
-              </a:rPr>
-              <a:t>(3);</a:t>
-            </a:r>
-            <a:endParaRPr lang="en-US" dirty="0"/>
-          </a:p>
-          <a:p>
-            <a:pPr marL="0" indent="0" algn="ctr">
-              <a:buNone/>
-            </a:pPr>
-            <a:r>
-              <a:rPr lang="en-US" err="1">
-                <a:latin typeface="Consolas"/>
-              </a:rPr>
-              <a:t>integerList.Add</a:t>
-            </a:r>
-            <a:r>
-              <a:rPr lang="en-US" dirty="0">
-                <a:latin typeface="Consolas"/>
-              </a:rPr>
-              <a:t>(5);</a:t>
-            </a:r>
-            <a:endParaRPr lang="en-US" dirty="0"/>
-          </a:p>
-          <a:p>
-            <a:pPr marL="0" indent="0" algn="ctr">
-              <a:buNone/>
-            </a:pPr>
-            <a:r>
-              <a:rPr lang="en-US" err="1">
-                <a:latin typeface="Consolas"/>
-              </a:rPr>
-              <a:t>integerList.Add</a:t>
-            </a:r>
-            <a:r>
-              <a:rPr lang="en-US" dirty="0">
-                <a:latin typeface="Consolas"/>
-              </a:rPr>
-              <a:t>(6);</a:t>
-            </a:r>
-            <a:endParaRPr lang="en-US" dirty="0"/>
+              <a:rPr lang="en-US"/>
+              <a:t>Cool! En-List ME</a:t>
+            </a:r>
           </a:p>
         </p:txBody>
       </p:sp>
     </p:spTree>
     <p:extLst>
       <p:ext uri="{BB962C8B-B14F-4D97-AF65-F5344CB8AC3E}">
-        <p14:creationId xmlns:p14="http://schemas.microsoft.com/office/powerpoint/2010/main" val="4179611855"/>
+        <p14:creationId xmlns:p14="http://schemas.microsoft.com/office/powerpoint/2010/main" val="3046817513"/>
       </p:ext>
     </p:extLst>
   </p:cSld>
   <p:clrMapOvr>
     <a:masterClrMapping/>
   </p:clrMapOvr>
+  <p:timing>
+    <p:tnLst>
+      <p:par>
+        <p:cTn id="1" dur="indefinite" restart="never" nodeType="tmRoot"/>
+      </p:par>
+    </p:tnLst>
+  </p:timing>
 </p:sld>
 </file>
 
@@ -30591,7 +30724,7 @@
           <p:cNvPr id="2" name="Title 1">
             <a:extLst>
               <a:ext uri="{FF2B5EF4-FFF2-40B4-BE49-F238E27FC236}">
-                <a16:creationId xmlns="" xmlns:a16="http://schemas.microsoft.com/office/drawing/2014/main" id="{99717467-7E90-4DC7-AD3C-76145BC0A26D}"/>
+                <a16:creationId xmlns="" xmlns:a16="http://schemas.microsoft.com/office/drawing/2014/main" id="{6A40BEA3-6DF8-45EF-9E3D-FD75A00D43DE}"/>
               </a:ext>
             </a:extLst>
           </p:cNvPr>
@@ -30609,7 +30742,7 @@
           <a:p>
             <a:r>
               <a:rPr lang="en-US" dirty="0"/>
-              <a:t>ITERATING</a:t>
+              <a:t>Lists</a:t>
             </a:r>
           </a:p>
         </p:txBody>
@@ -30619,7 +30752,7 @@
           <p:cNvPr id="3" name="Content Placeholder 2">
             <a:extLst>
               <a:ext uri="{FF2B5EF4-FFF2-40B4-BE49-F238E27FC236}">
-                <a16:creationId xmlns="" xmlns:a16="http://schemas.microsoft.com/office/drawing/2014/main" id="{C0EAEFAE-5B8A-46FD-A4E5-D7229890F931}"/>
+                <a16:creationId xmlns="" xmlns:a16="http://schemas.microsoft.com/office/drawing/2014/main" id="{9C254189-4ADD-4DFD-9AFB-1223CAF81DDD}"/>
               </a:ext>
             </a:extLst>
           </p:cNvPr>
@@ -30633,24 +30766,16 @@
         <p:spPr>
           <a:xfrm>
             <a:off x="684213" y="685800"/>
-            <a:ext cx="9515621" cy="3931382"/>
+            <a:ext cx="11182643" cy="3614738"/>
           </a:xfrm>
         </p:spPr>
         <p:txBody>
-          <a:bodyPr>
-            <a:normAutofit fontScale="85000" lnSpcReduction="20000"/>
-          </a:bodyPr>
-          <a:lstStyle/>
-          <a:p>
-            <a:pPr algn="just">
+          <a:bodyPr/>
+          <a:lstStyle/>
+          <a:p>
+            <a:pPr marL="0" indent="0" algn="ctr">
               <a:buNone/>
             </a:pPr>
-            <a:r>
-              <a:rPr lang="en-US" dirty="0">
-                <a:latin typeface="Consolas"/>
-              </a:rPr>
-              <a:t>for(</a:t>
-            </a:r>
             <a:r>
               <a:rPr lang="en-US" dirty="0" err="1">
                 <a:latin typeface="Consolas"/>
@@ -30661,92 +30786,7 @@
               <a:rPr lang="en-US" dirty="0">
                 <a:latin typeface="Consolas"/>
               </a:rPr>
-              <a:t> </a:t>
-            </a:r>
-            <a:r>
-              <a:rPr lang="en-US" dirty="0" err="1">
-                <a:latin typeface="Consolas"/>
-              </a:rPr>
-              <a:t>i</a:t>
-            </a:r>
-            <a:r>
-              <a:rPr lang="en-US" dirty="0">
-                <a:latin typeface="Consolas"/>
-              </a:rPr>
-              <a:t> = 0; </a:t>
-            </a:r>
-            <a:r>
-              <a:rPr lang="en-US" dirty="0" err="1">
-                <a:latin typeface="Consolas"/>
-              </a:rPr>
-              <a:t>i</a:t>
-            </a:r>
-            <a:r>
-              <a:rPr lang="en-US" dirty="0">
-                <a:latin typeface="Consolas"/>
-              </a:rPr>
-              <a:t> &lt; </a:t>
-            </a:r>
-            <a:r>
-              <a:rPr lang="en-US" dirty="0" err="1">
-                <a:latin typeface="Consolas"/>
-              </a:rPr>
-              <a:t>integerList.Count</a:t>
-            </a:r>
-            <a:r>
-              <a:rPr lang="en-US" dirty="0">
-                <a:latin typeface="Consolas"/>
-              </a:rPr>
-              <a:t>; </a:t>
-            </a:r>
-            <a:r>
-              <a:rPr lang="en-US" dirty="0" err="1">
-                <a:latin typeface="Consolas"/>
-              </a:rPr>
-              <a:t>i</a:t>
-            </a:r>
-            <a:r>
-              <a:rPr lang="en-US" dirty="0">
-                <a:latin typeface="Consolas"/>
-              </a:rPr>
-              <a:t>++)</a:t>
-            </a:r>
-            <a:endParaRPr lang="en-US" dirty="0">
-              <a:latin typeface="Century Gothic"/>
-            </a:endParaRPr>
-          </a:p>
-          <a:p>
-            <a:pPr algn="just">
-              <a:buNone/>
-            </a:pPr>
-            <a:r>
-              <a:rPr lang="en-US" dirty="0">
-                <a:latin typeface="Consolas"/>
-              </a:rPr>
-              <a:t>{</a:t>
-            </a:r>
-            <a:r>
-              <a:rPr lang="en-US" dirty="0"/>
-              <a:t>
-</a:t>
-            </a:r>
-            <a:r>
-              <a:rPr lang="en-US" dirty="0">
-                <a:latin typeface="Consolas"/>
-              </a:rPr>
-              <a:t>  </a:t>
-            </a:r>
-            <a:r>
-              <a:rPr lang="en-US" dirty="0" err="1">
-                <a:latin typeface="Consolas"/>
-              </a:rPr>
-              <a:t>Console.WriteLine</a:t>
-            </a:r>
-            <a:r>
-              <a:rPr lang="en-US" dirty="0">
-                <a:latin typeface="Consolas"/>
-              </a:rPr>
-              <a:t>(</a:t>
+              <a:t> </a:t>
             </a:r>
             <a:r>
               <a:rPr lang="en-US" dirty="0" err="1">
@@ -30758,179 +30798,113 @@
               <a:rPr lang="en-US" dirty="0">
                 <a:latin typeface="Consolas"/>
               </a:rPr>
-              <a:t>[</a:t>
+              <a:t> = new List&lt;</a:t>
             </a:r>
             <a:r>
               <a:rPr lang="en-US" dirty="0" err="1">
                 <a:latin typeface="Consolas"/>
               </a:rPr>
-              <a:t>i</a:t>
+              <a:t>int</a:t>
             </a:r>
             <a:r>
               <a:rPr lang="en-US" dirty="0">
                 <a:latin typeface="Consolas"/>
               </a:rPr>
-              <a:t>]);</a:t>
+              <a:t>&gt;();</a:t>
             </a:r>
             <a:endParaRPr lang="en-US" dirty="0"/>
           </a:p>
           <a:p>
-            <a:pPr algn="just">
+            <a:pPr marL="0" indent="0" algn="ctr">
               <a:buNone/>
             </a:pPr>
+            <a:r>
+              <a:rPr lang="en-US" dirty="0" err="1">
+                <a:latin typeface="Consolas"/>
+              </a:rPr>
+              <a:t>integerList.Add</a:t>
+            </a:r>
             <a:r>
               <a:rPr lang="en-US" dirty="0">
                 <a:latin typeface="Consolas"/>
               </a:rPr>
-              <a:t>}</a:t>
-            </a:r>
-            <a:endParaRPr lang="en-US" dirty="0">
-              <a:latin typeface="Century Gothic"/>
-            </a:endParaRPr>
-          </a:p>
-          <a:p>
-            <a:pPr algn="just">
+              <a:t>(2);</a:t>
+            </a:r>
+            <a:endParaRPr lang="en-US" dirty="0"/>
+          </a:p>
+          <a:p>
+            <a:pPr marL="0" indent="0" algn="ctr">
               <a:buNone/>
             </a:pPr>
-            <a:endParaRPr lang="en-US" dirty="0">
-              <a:latin typeface="Consolas"/>
-            </a:endParaRPr>
-          </a:p>
-          <a:p>
-            <a:pPr algn="just">
-              <a:buNone/>
-            </a:pPr>
-            <a:r>
-              <a:rPr lang="en-US" dirty="0" err="1">
+            <a:r>
+              <a:rPr lang="en-US" err="1">
                 <a:latin typeface="Consolas"/>
               </a:rPr>
-              <a:t>foreach</a:t>
+              <a:t>integerList.Add</a:t>
             </a:r>
             <a:r>
               <a:rPr lang="en-US" dirty="0">
                 <a:latin typeface="Consolas"/>
               </a:rPr>
-              <a:t>(</a:t>
-            </a:r>
-            <a:r>
-              <a:rPr lang="en-US" dirty="0" err="1">
+              <a:t>(3);</a:t>
+            </a:r>
+            <a:endParaRPr lang="en-US" dirty="0"/>
+          </a:p>
+          <a:p>
+            <a:pPr marL="0" indent="0" algn="ctr">
+              <a:buNone/>
+            </a:pPr>
+            <a:r>
+              <a:rPr lang="en-US" err="1">
                 <a:latin typeface="Consolas"/>
               </a:rPr>
-              <a:t>var</a:t>
+              <a:t>integerList.Add</a:t>
             </a:r>
             <a:r>
               <a:rPr lang="en-US" dirty="0">
                 <a:latin typeface="Consolas"/>
               </a:rPr>
-              <a:t> integer in </a:t>
-            </a:r>
-            <a:r>
-              <a:rPr lang="en-US" dirty="0" err="1">
+              <a:t>(5);</a:t>
+            </a:r>
+            <a:endParaRPr lang="en-US" dirty="0"/>
+          </a:p>
+          <a:p>
+            <a:pPr marL="0" indent="0" algn="ctr">
+              <a:buNone/>
+            </a:pPr>
+            <a:r>
+              <a:rPr lang="en-US" err="1">
                 <a:latin typeface="Consolas"/>
               </a:rPr>
-              <a:t>integerList</a:t>
+              <a:t>integerList.Add</a:t>
             </a:r>
             <a:r>
               <a:rPr lang="en-US" dirty="0">
                 <a:latin typeface="Consolas"/>
               </a:rPr>
-              <a:t>)</a:t>
-            </a:r>
-          </a:p>
-          <a:p>
-            <a:pPr algn="just">
-              <a:buNone/>
-            </a:pPr>
-            <a:r>
-              <a:rPr lang="en-US" dirty="0">
-                <a:latin typeface="Consolas"/>
-              </a:rPr>
-              <a:t>{</a:t>
-            </a:r>
-          </a:p>
-          <a:p>
-            <a:pPr algn="just">
-              <a:buNone/>
-            </a:pPr>
-            <a:r>
-              <a:rPr lang="en-US" dirty="0">
-                <a:latin typeface="Consolas"/>
-              </a:rPr>
-              <a:t>    </a:t>
-            </a:r>
-            <a:r>
-              <a:rPr lang="en-US" dirty="0" err="1">
-                <a:latin typeface="Consolas"/>
-              </a:rPr>
-              <a:t>Console.WriteLine</a:t>
-            </a:r>
-            <a:r>
-              <a:rPr lang="en-US" dirty="0">
-                <a:latin typeface="Consolas"/>
-              </a:rPr>
-              <a:t>(integer);</a:t>
-            </a:r>
-          </a:p>
-          <a:p>
-            <a:pPr algn="just">
-              <a:buNone/>
-            </a:pPr>
-            <a:r>
-              <a:rPr lang="en-US" dirty="0">
-                <a:latin typeface="Consolas"/>
-              </a:rPr>
-              <a:t>}</a:t>
-            </a:r>
-          </a:p>
-          <a:p>
-            <a:pPr algn="just">
-              <a:buNone/>
-            </a:pPr>
-            <a:endParaRPr lang="en-US" dirty="0">
-              <a:latin typeface="Consolas"/>
-            </a:endParaRPr>
-          </a:p>
-          <a:p>
-            <a:pPr algn="just">
-              <a:buNone/>
-            </a:pPr>
-            <a:r>
-              <a:rPr lang="en-US" dirty="0" err="1">
-                <a:latin typeface="Consolas"/>
-              </a:rPr>
-              <a:t>integerList.ForEach</a:t>
-            </a:r>
-            <a:r>
-              <a:rPr lang="en-US" dirty="0">
-                <a:latin typeface="Consolas"/>
-              </a:rPr>
-              <a:t>(integer =&gt; </a:t>
-            </a:r>
-            <a:r>
-              <a:rPr lang="en-US" dirty="0" err="1">
-                <a:latin typeface="Consolas"/>
-              </a:rPr>
-              <a:t>Console.WriteLine</a:t>
-            </a:r>
-            <a:r>
-              <a:rPr lang="en-US" dirty="0">
-                <a:latin typeface="Consolas"/>
-              </a:rPr>
-              <a:t>(integer)); //Next chapter</a:t>
-            </a:r>
+              <a:t>(6);</a:t>
+            </a:r>
+            <a:endParaRPr lang="en-US" dirty="0"/>
           </a:p>
         </p:txBody>
       </p:sp>
     </p:spTree>
     <p:extLst>
       <p:ext uri="{BB962C8B-B14F-4D97-AF65-F5344CB8AC3E}">
-        <p14:creationId xmlns:p14="http://schemas.microsoft.com/office/powerpoint/2010/main" val="3233279809"/>
+        <p14:creationId xmlns:p14="http://schemas.microsoft.com/office/powerpoint/2010/main" val="4179611855"/>
       </p:ext>
     </p:extLst>
   </p:cSld>
   <p:clrMapOvr>
     <a:masterClrMapping/>
   </p:clrMapOvr>
+  <p:timing>
+    <p:tnLst>
+      <p:par>
+        <p:cTn id="1" dur="indefinite" restart="never" nodeType="tmRoot"/>
+      </p:par>
+    </p:tnLst>
+  </p:timing>
 </p:sld>
 </file>
 
@@ -30956,7 +30930,7 @@
           <p:cNvPr id="2" name="Title 1">
             <a:extLst>
               <a:ext uri="{FF2B5EF4-FFF2-40B4-BE49-F238E27FC236}">
-                <a16:creationId xmlns="" xmlns:a16="http://schemas.microsoft.com/office/drawing/2014/main" id="{2E7B394F-1DDE-48D1-805C-D2A80FC83766}"/>
+                <a16:creationId xmlns="" xmlns:a16="http://schemas.microsoft.com/office/drawing/2014/main" id="{99717467-7E90-4DC7-AD3C-76145BC0A26D}"/>
               </a:ext>
             </a:extLst>
           </p:cNvPr>
@@ -30974,7 +30948,7 @@
           <a:p>
             <a:r>
               <a:rPr lang="en-US" dirty="0"/>
-              <a:t>Basic usage</a:t>
+              <a:t>ITERATING</a:t>
             </a:r>
           </a:p>
         </p:txBody>
@@ -30984,7 +30958,7 @@
           <p:cNvPr id="3" name="Content Placeholder 2">
             <a:extLst>
               <a:ext uri="{FF2B5EF4-FFF2-40B4-BE49-F238E27FC236}">
-                <a16:creationId xmlns="" xmlns:a16="http://schemas.microsoft.com/office/drawing/2014/main" id="{71167E79-E7B6-4692-92C1-018D90ECD7CA}"/>
+                <a16:creationId xmlns="" xmlns:a16="http://schemas.microsoft.com/office/drawing/2014/main" id="{C0EAEFAE-5B8A-46FD-A4E5-D7229890F931}"/>
               </a:ext>
             </a:extLst>
           </p:cNvPr>
@@ -30998,120 +30972,311 @@
         <p:spPr>
           <a:xfrm>
             <a:off x="684213" y="685800"/>
-            <a:ext cx="10771344" cy="3614738"/>
+            <a:ext cx="9515621" cy="3931382"/>
           </a:xfrm>
         </p:spPr>
         <p:txBody>
-          <a:bodyPr/>
-          <a:lstStyle/>
-          <a:p>
-            <a:pPr marL="0" indent="0" algn="ctr">
+          <a:bodyPr>
+            <a:normAutofit fontScale="85000" lnSpcReduction="20000"/>
+          </a:bodyPr>
+          <a:lstStyle/>
+          <a:p>
+            <a:pPr algn="just">
               <a:buNone/>
             </a:pPr>
+            <a:r>
+              <a:rPr lang="en-US" dirty="0">
+                <a:latin typeface="Consolas"/>
+              </a:rPr>
+              <a:t>for(</a:t>
+            </a:r>
             <a:r>
               <a:rPr lang="en-US" dirty="0" err="1">
                 <a:latin typeface="Consolas"/>
               </a:rPr>
-              <a:t>myList.Add</a:t>
+              <a:t>var</a:t>
             </a:r>
             <a:r>
               <a:rPr lang="en-US" dirty="0">
                 <a:latin typeface="Consolas"/>
               </a:rPr>
-              <a:t>();</a:t>
-            </a:r>
-            <a:endParaRPr lang="en-US" dirty="0"/>
-          </a:p>
-          <a:p>
-            <a:pPr marL="0" indent="0" algn="ctr">
-              <a:buNone/>
-            </a:pPr>
+              <a:t> </a:t>
+            </a:r>
             <a:r>
               <a:rPr lang="en-US" dirty="0" err="1">
                 <a:latin typeface="Consolas"/>
               </a:rPr>
-              <a:t>myList.AddRange</a:t>
+              <a:t>i</a:t>
             </a:r>
             <a:r>
               <a:rPr lang="en-US" dirty="0">
                 <a:latin typeface="Consolas"/>
               </a:rPr>
-              <a:t>();</a:t>
-            </a:r>
-            <a:endParaRPr lang="en-US" dirty="0"/>
-          </a:p>
-          <a:p>
-            <a:pPr marL="0" indent="0" algn="ctr">
-              <a:buNone/>
-            </a:pPr>
-            <a:r>
-              <a:rPr lang="en-US" err="1">
+              <a:t> = 0; </a:t>
+            </a:r>
+            <a:r>
+              <a:rPr lang="en-US" dirty="0" err="1">
                 <a:latin typeface="Consolas"/>
               </a:rPr>
-              <a:t>myList.Remove</a:t>
+              <a:t>i</a:t>
             </a:r>
             <a:r>
               <a:rPr lang="en-US" dirty="0">
                 <a:latin typeface="Consolas"/>
               </a:rPr>
-              <a:t>();</a:t>
-            </a:r>
-            <a:endParaRPr lang="en-US" dirty="0"/>
-          </a:p>
-          <a:p>
-            <a:pPr marL="0" indent="0" algn="ctr">
-              <a:buNone/>
-            </a:pPr>
-            <a:r>
-              <a:rPr lang="en-US" err="1">
+              <a:t> &lt; </a:t>
+            </a:r>
+            <a:r>
+              <a:rPr lang="en-US" dirty="0" err="1">
                 <a:latin typeface="Consolas"/>
               </a:rPr>
-              <a:t>myList.RemoveAt</a:t>
+              <a:t>integerList.Count</a:t>
             </a:r>
             <a:r>
               <a:rPr lang="en-US" dirty="0">
                 <a:latin typeface="Consolas"/>
               </a:rPr>
-              <a:t>();</a:t>
-            </a:r>
-            <a:endParaRPr lang="en-US" dirty="0"/>
-          </a:p>
-          <a:p>
-            <a:pPr marL="0" indent="0" algn="ctr">
-              <a:buNone/>
-            </a:pPr>
-            <a:r>
-              <a:rPr lang="en-US" err="1">
+              <a:t>; </a:t>
+            </a:r>
+            <a:r>
+              <a:rPr lang="en-US" dirty="0" err="1">
                 <a:latin typeface="Consolas"/>
               </a:rPr>
-              <a:t>myList.RemoveRange</a:t>
+              <a:t>i</a:t>
             </a:r>
             <a:r>
               <a:rPr lang="en-US" dirty="0">
                 <a:latin typeface="Consolas"/>
               </a:rPr>
-              <a:t>();</a:t>
+              <a:t>++)</a:t>
+            </a:r>
+            <a:endParaRPr lang="en-US" dirty="0">
+              <a:latin typeface="Century Gothic"/>
+            </a:endParaRPr>
+          </a:p>
+          <a:p>
+            <a:pPr algn="just">
+              <a:buNone/>
+            </a:pPr>
+            <a:r>
+              <a:rPr lang="en-US" dirty="0">
+                <a:latin typeface="Consolas"/>
+              </a:rPr>
+              <a:t>{</a:t>
+            </a:r>
+            <a:r>
+              <a:rPr lang="en-US" dirty="0"/>
+              <a:t>
+</a:t>
+            </a:r>
+            <a:r>
+              <a:rPr lang="en-US" dirty="0">
+                <a:latin typeface="Consolas"/>
+              </a:rPr>
+              <a:t>  </a:t>
+            </a:r>
+            <a:r>
+              <a:rPr lang="en-US" dirty="0" err="1">
+                <a:latin typeface="Consolas"/>
+              </a:rPr>
+              <a:t>Console.WriteLine</a:t>
+            </a:r>
+            <a:r>
+              <a:rPr lang="en-US" dirty="0">
+                <a:latin typeface="Consolas"/>
+              </a:rPr>
+              <a:t>(</a:t>
+            </a:r>
+            <a:r>
+              <a:rPr lang="en-US" dirty="0" err="1">
+                <a:latin typeface="Consolas"/>
+              </a:rPr>
+              <a:t>integerList</a:t>
+            </a:r>
+            <a:r>
+              <a:rPr lang="en-US" dirty="0">
+                <a:latin typeface="Consolas"/>
+              </a:rPr>
+              <a:t>[</a:t>
+            </a:r>
+            <a:r>
+              <a:rPr lang="en-US" dirty="0" err="1">
+                <a:latin typeface="Consolas"/>
+              </a:rPr>
+              <a:t>i</a:t>
+            </a:r>
+            <a:r>
+              <a:rPr lang="en-US" dirty="0">
+                <a:latin typeface="Consolas"/>
+              </a:rPr>
+              <a:t>]);</a:t>
             </a:r>
             <a:endParaRPr lang="en-US" dirty="0"/>
           </a:p>
           <a:p>
-            <a:pPr marL="0" indent="0">
+            <a:pPr algn="just">
               <a:buNone/>
             </a:pPr>
-            <a:endParaRPr lang="en-US" dirty="0"/>
+            <a:r>
+              <a:rPr lang="en-US" dirty="0">
+                <a:latin typeface="Consolas"/>
+              </a:rPr>
+              <a:t>}</a:t>
+            </a:r>
+            <a:endParaRPr lang="en-US" dirty="0">
+              <a:latin typeface="Century Gothic"/>
+            </a:endParaRPr>
+          </a:p>
+          <a:p>
+            <a:pPr algn="just">
+              <a:buNone/>
+            </a:pPr>
+            <a:endParaRPr lang="en-US" dirty="0">
+              <a:latin typeface="Consolas"/>
+            </a:endParaRPr>
+          </a:p>
+          <a:p>
+            <a:pPr algn="just">
+              <a:buNone/>
+            </a:pPr>
+            <a:r>
+              <a:rPr lang="en-US" dirty="0" err="1">
+                <a:latin typeface="Consolas"/>
+              </a:rPr>
+              <a:t>foreach</a:t>
+            </a:r>
+            <a:r>
+              <a:rPr lang="en-US" dirty="0">
+                <a:latin typeface="Consolas"/>
+              </a:rPr>
+              <a:t>(</a:t>
+            </a:r>
+            <a:r>
+              <a:rPr lang="en-US" dirty="0" err="1">
+                <a:latin typeface="Consolas"/>
+              </a:rPr>
+              <a:t>var</a:t>
+            </a:r>
+            <a:r>
+              <a:rPr lang="en-US" dirty="0">
+                <a:latin typeface="Consolas"/>
+              </a:rPr>
+              <a:t> integer in </a:t>
+            </a:r>
+            <a:r>
+              <a:rPr lang="en-US" dirty="0" err="1">
+                <a:latin typeface="Consolas"/>
+              </a:rPr>
+              <a:t>integerList</a:t>
+            </a:r>
+            <a:r>
+              <a:rPr lang="en-US" dirty="0">
+                <a:latin typeface="Consolas"/>
+              </a:rPr>
+              <a:t>)</a:t>
+            </a:r>
+          </a:p>
+          <a:p>
+            <a:pPr algn="just">
+              <a:buNone/>
+            </a:pPr>
+            <a:r>
+              <a:rPr lang="en-US" dirty="0">
+                <a:latin typeface="Consolas"/>
+              </a:rPr>
+              <a:t>{</a:t>
+            </a:r>
+          </a:p>
+          <a:p>
+            <a:pPr algn="just">
+              <a:buNone/>
+            </a:pPr>
+            <a:r>
+              <a:rPr lang="en-US" dirty="0">
+                <a:latin typeface="Consolas"/>
+              </a:rPr>
+              <a:t>    </a:t>
+            </a:r>
+            <a:r>
+              <a:rPr lang="en-US" dirty="0" err="1">
+                <a:latin typeface="Consolas"/>
+              </a:rPr>
+              <a:t>Console.WriteLine</a:t>
+            </a:r>
+            <a:r>
+              <a:rPr lang="en-US" dirty="0">
+                <a:latin typeface="Consolas"/>
+              </a:rPr>
+              <a:t>(integer);</a:t>
+            </a:r>
+          </a:p>
+          <a:p>
+            <a:pPr algn="just">
+              <a:buNone/>
+            </a:pPr>
+            <a:r>
+              <a:rPr lang="en-US" dirty="0">
+                <a:latin typeface="Consolas"/>
+              </a:rPr>
+              <a:t>}</a:t>
+            </a:r>
+          </a:p>
+          <a:p>
+            <a:pPr algn="just">
+              <a:buNone/>
+            </a:pPr>
+            <a:endParaRPr lang="en-US" dirty="0">
+              <a:latin typeface="Consolas"/>
+            </a:endParaRPr>
+          </a:p>
+          <a:p>
+            <a:pPr algn="just">
+              <a:buNone/>
+            </a:pPr>
+            <a:r>
+              <a:rPr lang="en-US" dirty="0" err="1">
+                <a:latin typeface="Consolas"/>
+              </a:rPr>
+              <a:t>integerList.ForEach</a:t>
+            </a:r>
+            <a:r>
+              <a:rPr lang="en-US" dirty="0">
+                <a:latin typeface="Consolas"/>
+              </a:rPr>
+              <a:t>(integer =&gt; </a:t>
+            </a:r>
+            <a:r>
+              <a:rPr lang="en-US" dirty="0" err="1">
+                <a:latin typeface="Consolas"/>
+              </a:rPr>
+              <a:t>Console.WriteLine</a:t>
+            </a:r>
+            <a:r>
+              <a:rPr lang="en-US" dirty="0">
+                <a:latin typeface="Consolas"/>
+              </a:rPr>
+              <a:t>(integer)); //Next chapter</a:t>
+            </a:r>
           </a:p>
         </p:txBody>
       </p:sp>
     </p:spTree>
     <p:extLst>
       <p:ext uri="{BB962C8B-B14F-4D97-AF65-F5344CB8AC3E}">
-        <p14:creationId xmlns:p14="http://schemas.microsoft.com/office/powerpoint/2010/main" val="1789332859"/>
+        <p14:creationId xmlns:p14="http://schemas.microsoft.com/office/powerpoint/2010/main" val="3233279809"/>
       </p:ext>
     </p:extLst>
   </p:cSld>
   <p:clrMapOvr>
     <a:masterClrMapping/>
   </p:clrMapOvr>
+  <p:timing>
+    <p:tnLst>
+      <p:par>
+        <p:cTn id="1" dur="indefinite" restart="never" nodeType="tmRoot"/>
+      </p:par>
+    </p:tnLst>
+  </p:timing>
 </p:sld>
 </file>
 
@@ -31137,7 +31302,7 @@
           <p:cNvPr id="2" name="Title 1">
             <a:extLst>
               <a:ext uri="{FF2B5EF4-FFF2-40B4-BE49-F238E27FC236}">
-                <a16:creationId xmlns="" xmlns:a16="http://schemas.microsoft.com/office/drawing/2014/main" id="{238A3B3B-8400-40B9-8C51-38D93595CAF3}"/>
+                <a16:creationId xmlns="" xmlns:a16="http://schemas.microsoft.com/office/drawing/2014/main" id="{2E7B394F-1DDE-48D1-805C-D2A80FC83766}"/>
               </a:ext>
             </a:extLst>
           </p:cNvPr>
@@ -31155,7 +31320,7 @@
           <a:p>
             <a:r>
               <a:rPr lang="en-US" dirty="0"/>
-              <a:t>LINQ</a:t>
+              <a:t>Basic usage</a:t>
             </a:r>
           </a:p>
         </p:txBody>
@@ -31165,7 +31330,7 @@
           <p:cNvPr id="3" name="Content Placeholder 2">
             <a:extLst>
               <a:ext uri="{FF2B5EF4-FFF2-40B4-BE49-F238E27FC236}">
-                <a16:creationId xmlns="" xmlns:a16="http://schemas.microsoft.com/office/drawing/2014/main" id="{DD11D3B3-1511-4791-80A9-DCAE5E332255}"/>
+                <a16:creationId xmlns="" xmlns:a16="http://schemas.microsoft.com/office/drawing/2014/main" id="{71167E79-E7B6-4692-92C1-018D90ECD7CA}"/>
               </a:ext>
             </a:extLst>
           </p:cNvPr>
@@ -31176,14 +31341,109 @@
             <p:ph idx="1"/>
           </p:nvPr>
         </p:nvSpPr>
-        <p:spPr/>
+        <p:spPr>
+          <a:xfrm>
+            <a:off x="684213" y="685800"/>
+            <a:ext cx="10771344" cy="3614738"/>
+          </a:xfrm>
+        </p:spPr>
         <p:txBody>
           <a:bodyPr/>
           <a:lstStyle/>
           <a:p>
-            <a:endParaRPr lang="en-US" dirty="0" smtClean="0"/>
-          </a:p>
-          <a:p>
+            <a:pPr marL="0" indent="0" algn="ctr">
+              <a:buNone/>
+            </a:pPr>
+            <a:r>
+              <a:rPr lang="en-US" dirty="0" err="1">
+                <a:latin typeface="Consolas"/>
+              </a:rPr>
+              <a:t>myList.Add</a:t>
+            </a:r>
+            <a:r>
+              <a:rPr lang="en-US" dirty="0">
+                <a:latin typeface="Consolas"/>
+              </a:rPr>
+              <a:t>();</a:t>
+            </a:r>
+            <a:endParaRPr lang="en-US" dirty="0"/>
+          </a:p>
+          <a:p>
+            <a:pPr marL="0" indent="0" algn="ctr">
+              <a:buNone/>
+            </a:pPr>
+            <a:r>
+              <a:rPr lang="en-US" dirty="0" err="1">
+                <a:latin typeface="Consolas"/>
+              </a:rPr>
+              <a:t>myList.AddRange</a:t>
+            </a:r>
+            <a:r>
+              <a:rPr lang="en-US" dirty="0">
+                <a:latin typeface="Consolas"/>
+              </a:rPr>
+              <a:t>();</a:t>
+            </a:r>
+            <a:endParaRPr lang="en-US" dirty="0"/>
+          </a:p>
+          <a:p>
+            <a:pPr marL="0" indent="0" algn="ctr">
+              <a:buNone/>
+            </a:pPr>
+            <a:r>
+              <a:rPr lang="en-US" err="1">
+                <a:latin typeface="Consolas"/>
+              </a:rPr>
+              <a:t>myList.Remove</a:t>
+            </a:r>
+            <a:r>
+              <a:rPr lang="en-US" dirty="0">
+                <a:latin typeface="Consolas"/>
+              </a:rPr>
+              <a:t>();</a:t>
+            </a:r>
+            <a:endParaRPr lang="en-US" dirty="0"/>
+          </a:p>
+          <a:p>
+            <a:pPr marL="0" indent="0" algn="ctr">
+              <a:buNone/>
+            </a:pPr>
+            <a:r>
+              <a:rPr lang="en-US" err="1">
+                <a:latin typeface="Consolas"/>
+              </a:rPr>
+              <a:t>myList.RemoveAt</a:t>
+            </a:r>
+            <a:r>
+              <a:rPr lang="en-US" dirty="0">
+                <a:latin typeface="Consolas"/>
+              </a:rPr>
+              <a:t>();</a:t>
+            </a:r>
+            <a:endParaRPr lang="en-US" dirty="0"/>
+          </a:p>
+          <a:p>
+            <a:pPr marL="0" indent="0" algn="ctr">
+              <a:buNone/>
+            </a:pPr>
+            <a:r>
+              <a:rPr lang="en-US" err="1">
+                <a:latin typeface="Consolas"/>
+              </a:rPr>
+              <a:t>myList.RemoveRange</a:t>
+            </a:r>
+            <a:r>
+              <a:rPr lang="en-US" dirty="0">
+                <a:latin typeface="Consolas"/>
+              </a:rPr>
+              <a:t>();</a:t>
+            </a:r>
+            <a:endParaRPr lang="en-US" dirty="0"/>
+          </a:p>
+          <a:p>
+            <a:pPr marL="0" indent="0">
+              <a:buNone/>
+            </a:pPr>
             <a:endParaRPr lang="en-US" dirty="0"/>
           </a:p>
         </p:txBody>
@@ -31191,13 +31451,20 @@
     </p:spTree>
     <p:extLst>
       <p:ext uri="{BB962C8B-B14F-4D97-AF65-F5344CB8AC3E}">
-        <p14:creationId xmlns:p14="http://schemas.microsoft.com/office/powerpoint/2010/main" val="3770503825"/>
+        <p14:creationId xmlns:p14="http://schemas.microsoft.com/office/powerpoint/2010/main" val="1789332859"/>
       </p:ext>
     </p:extLst>
   </p:cSld>
   <p:clrMapOvr>
     <a:masterClrMapping/>
   </p:clrMapOvr>
+  <p:timing>
+    <p:tnLst>
+      <p:par>
+        <p:cTn id="1" dur="indefinite" restart="never" nodeType="tmRoot"/>
+      </p:par>
+    </p:tnLst>
+  </p:timing>
 </p:sld>
 </file>
 
@@ -31220,7 +31487,13 @@
       </p:grpSpPr>
       <p:sp>
         <p:nvSpPr>
-          <p:cNvPr id="4" name="Title 3"/>
+          <p:cNvPr id="2" name="Title 1">
+            <a:extLst>
+              <a:ext uri="{FF2B5EF4-FFF2-40B4-BE49-F238E27FC236}">
+                <a16:creationId xmlns="" xmlns:a16="http://schemas.microsoft.com/office/drawing/2014/main" id="{238A3B3B-8400-40B9-8C51-38D93595CAF3}"/>
+              </a:ext>
+            </a:extLst>
+          </p:cNvPr>
           <p:cNvSpPr>
             <a:spLocks noGrp="1"/>
           </p:cNvSpPr>
@@ -31234,20 +31507,26 @@
           <a:lstStyle/>
           <a:p>
             <a:r>
-              <a:rPr lang="en-US"/>
-              <a:t>Linq sintaxes</a:t>
-            </a:r>
-          </a:p>
-        </p:txBody>
-      </p:sp>
-      <p:sp>
-        <p:nvSpPr>
-          <p:cNvPr id="5" name="Text Placeholder 4"/>
-          <p:cNvSpPr>
-            <a:spLocks noGrp="1"/>
-          </p:cNvSpPr>
-          <p:nvPr>
-            <p:ph type="body" idx="1"/>
+              <a:rPr lang="en-US" dirty="0"/>
+              <a:t>LINQ</a:t>
+            </a:r>
+          </a:p>
+        </p:txBody>
+      </p:sp>
+      <p:sp>
+        <p:nvSpPr>
+          <p:cNvPr id="3" name="Content Placeholder 2">
+            <a:extLst>
+              <a:ext uri="{FF2B5EF4-FFF2-40B4-BE49-F238E27FC236}">
+                <a16:creationId xmlns="" xmlns:a16="http://schemas.microsoft.com/office/drawing/2014/main" id="{DD11D3B3-1511-4791-80A9-DCAE5E332255}"/>
+              </a:ext>
+            </a:extLst>
+          </p:cNvPr>
+          <p:cNvSpPr>
+            <a:spLocks noGrp="1"/>
+          </p:cNvSpPr>
+          <p:nvPr>
+            <p:ph idx="1"/>
           </p:nvPr>
         </p:nvSpPr>
         <p:spPr/>
@@ -31255,293 +31534,30 @@
           <a:bodyPr/>
           <a:lstStyle/>
           <a:p>
-            <a:r>
-              <a:rPr lang="en-US"/>
-              <a:t>Method Sintax</a:t>
-            </a:r>
-          </a:p>
-        </p:txBody>
-      </p:sp>
-      <p:sp>
-        <p:nvSpPr>
-          <p:cNvPr id="6" name="Content Placeholder 5"/>
-          <p:cNvSpPr>
-            <a:spLocks noGrp="1"/>
-          </p:cNvSpPr>
-          <p:nvPr>
-            <p:ph sz="half" idx="2"/>
-          </p:nvPr>
-        </p:nvSpPr>
-        <p:spPr/>
-        <p:txBody>
-          <a:bodyPr anchor="ctr">
-            <a:normAutofit/>
-          </a:bodyPr>
-          <a:lstStyle/>
-          <a:p>
-            <a:pPr marL="0" indent="0">
-              <a:spcBef>
-                <a:spcPts val="0"/>
-              </a:spcBef>
-              <a:spcAft>
-                <a:spcPts val="0"/>
-              </a:spcAft>
-              <a:buNone/>
-            </a:pPr>
-            <a:r>
-              <a:rPr lang="en-US" sz="1400" dirty="0" err="1">
-                <a:latin typeface="Consolas" panose="020B0609020204030204" pitchFamily="49" charset="0"/>
-              </a:rPr>
-              <a:t>var</a:t>
-            </a:r>
-            <a:r>
-              <a:rPr lang="en-US" sz="1400" dirty="0">
-                <a:latin typeface="Consolas" panose="020B0609020204030204" pitchFamily="49" charset="0"/>
-              </a:rPr>
-              <a:t> names = collection</a:t>
-            </a:r>
-          </a:p>
-          <a:p>
-            <a:pPr marL="0" indent="0">
-              <a:spcBef>
-                <a:spcPts val="0"/>
-              </a:spcBef>
-              <a:spcAft>
-                <a:spcPts val="0"/>
-              </a:spcAft>
-              <a:buNone/>
-            </a:pPr>
-            <a:r>
-              <a:rPr lang="en-US" sz="1400" dirty="0">
-                <a:latin typeface="Consolas" panose="020B0609020204030204" pitchFamily="49" charset="0"/>
-              </a:rPr>
-              <a:t>	.Where(item =&gt; </a:t>
-            </a:r>
-            <a:r>
-              <a:rPr lang="en-US" sz="1400" dirty="0" err="1">
-                <a:latin typeface="Consolas" panose="020B0609020204030204" pitchFamily="49" charset="0"/>
-              </a:rPr>
-              <a:t>item.Name</a:t>
-            </a:r>
-            <a:r>
-              <a:rPr lang="en-US" sz="1400" dirty="0">
-                <a:latin typeface="Consolas" panose="020B0609020204030204" pitchFamily="49" charset="0"/>
-              </a:rPr>
-              <a:t> == "Fred") 		.</a:t>
-            </a:r>
-            <a:r>
-              <a:rPr lang="en-US" sz="1400" dirty="0" err="1">
-                <a:latin typeface="Consolas" panose="020B0609020204030204" pitchFamily="49" charset="0"/>
-              </a:rPr>
-              <a:t>OrderBy</a:t>
-            </a:r>
-            <a:r>
-              <a:rPr lang="en-US" sz="1400" dirty="0">
-                <a:latin typeface="Consolas" panose="020B0609020204030204" pitchFamily="49" charset="0"/>
-              </a:rPr>
-              <a:t>(item =&gt; </a:t>
-            </a:r>
-            <a:r>
-              <a:rPr lang="en-US" sz="1400" dirty="0" err="1">
-                <a:latin typeface="Consolas" panose="020B0609020204030204" pitchFamily="49" charset="0"/>
-              </a:rPr>
-              <a:t>item.Age</a:t>
-            </a:r>
-            <a:r>
-              <a:rPr lang="en-US" sz="1400" dirty="0">
-                <a:latin typeface="Consolas" panose="020B0609020204030204" pitchFamily="49" charset="0"/>
-              </a:rPr>
-              <a:t>)</a:t>
-            </a:r>
-          </a:p>
-          <a:p>
-            <a:pPr marL="0" indent="0">
-              <a:spcBef>
-                <a:spcPts val="0"/>
-              </a:spcBef>
-              <a:spcAft>
-                <a:spcPts val="0"/>
-              </a:spcAft>
-              <a:buNone/>
-            </a:pPr>
-            <a:r>
-              <a:rPr lang="en-US" sz="1400" dirty="0">
-                <a:latin typeface="Consolas" panose="020B0609020204030204" pitchFamily="49" charset="0"/>
-              </a:rPr>
-              <a:t>	.Select(item =&gt; </a:t>
-            </a:r>
-            <a:r>
-              <a:rPr lang="en-US" sz="1400" dirty="0" err="1">
-                <a:latin typeface="Consolas" panose="020B0609020204030204" pitchFamily="49" charset="0"/>
-              </a:rPr>
-              <a:t>item.FullName</a:t>
-            </a:r>
-            <a:r>
-              <a:rPr lang="en-US" sz="1400" dirty="0">
-                <a:latin typeface="Consolas" panose="020B0609020204030204" pitchFamily="49" charset="0"/>
-              </a:rPr>
-              <a:t>);</a:t>
-            </a:r>
-          </a:p>
-        </p:txBody>
-      </p:sp>
-      <p:sp>
-        <p:nvSpPr>
-          <p:cNvPr id="7" name="Text Placeholder 6"/>
-          <p:cNvSpPr>
-            <a:spLocks noGrp="1"/>
-          </p:cNvSpPr>
-          <p:nvPr>
-            <p:ph type="body" sz="quarter" idx="3"/>
-          </p:nvPr>
-        </p:nvSpPr>
-        <p:spPr/>
-        <p:txBody>
-          <a:bodyPr/>
-          <a:lstStyle/>
-          <a:p>
-            <a:r>
-              <a:rPr lang="en-US"/>
-              <a:t>Query Sintax</a:t>
-            </a:r>
-          </a:p>
-        </p:txBody>
-      </p:sp>
-      <p:sp>
-        <p:nvSpPr>
-          <p:cNvPr id="8" name="Content Placeholder 7"/>
-          <p:cNvSpPr>
-            <a:spLocks noGrp="1"/>
-          </p:cNvSpPr>
-          <p:nvPr>
-            <p:ph sz="quarter" idx="4"/>
-          </p:nvPr>
-        </p:nvSpPr>
-        <p:spPr/>
-        <p:txBody>
-          <a:bodyPr anchor="ctr">
-            <a:normAutofit/>
-          </a:bodyPr>
-          <a:lstStyle/>
-          <a:p>
-            <a:pPr marL="0" indent="0">
-              <a:spcBef>
-                <a:spcPts val="0"/>
-              </a:spcBef>
-              <a:spcAft>
-                <a:spcPts val="0"/>
-              </a:spcAft>
-              <a:buNone/>
-            </a:pPr>
-            <a:r>
-              <a:rPr lang="en-US" sz="1400" dirty="0" err="1">
-                <a:latin typeface="Consolas" panose="020B0609020204030204" pitchFamily="49" charset="0"/>
-              </a:rPr>
-              <a:t>var</a:t>
-            </a:r>
-            <a:r>
-              <a:rPr lang="en-US" sz="1400" dirty="0">
-                <a:latin typeface="Consolas" panose="020B0609020204030204" pitchFamily="49" charset="0"/>
-              </a:rPr>
-              <a:t> names = from item in collection</a:t>
-            </a:r>
-          </a:p>
-          <a:p>
-            <a:pPr marL="0" indent="0">
-              <a:spcBef>
-                <a:spcPts val="0"/>
-              </a:spcBef>
-              <a:spcAft>
-                <a:spcPts val="0"/>
-              </a:spcAft>
-              <a:buNone/>
-            </a:pPr>
-            <a:r>
-              <a:rPr lang="en-US" sz="1400" dirty="0">
-                <a:latin typeface="Consolas" panose="020B0609020204030204" pitchFamily="49" charset="0"/>
-              </a:rPr>
-              <a:t>            where </a:t>
-            </a:r>
-            <a:r>
-              <a:rPr lang="en-US" sz="1400" dirty="0" err="1">
-                <a:latin typeface="Consolas" panose="020B0609020204030204" pitchFamily="49" charset="0"/>
-              </a:rPr>
-              <a:t>item.Name</a:t>
-            </a:r>
-            <a:r>
-              <a:rPr lang="en-US" sz="1400" dirty="0">
-                <a:latin typeface="Consolas" panose="020B0609020204030204" pitchFamily="49" charset="0"/>
-              </a:rPr>
-              <a:t> == "Fred"</a:t>
-            </a:r>
-          </a:p>
-          <a:p>
-            <a:pPr marL="0" indent="0">
-              <a:spcBef>
-                <a:spcPts val="0"/>
-              </a:spcBef>
-              <a:spcAft>
-                <a:spcPts val="0"/>
-              </a:spcAft>
-              <a:buNone/>
-            </a:pPr>
-            <a:r>
-              <a:rPr lang="en-US" sz="1400" dirty="0">
-                <a:latin typeface="Consolas" panose="020B0609020204030204" pitchFamily="49" charset="0"/>
-              </a:rPr>
-              <a:t>            order by </a:t>
-            </a:r>
-            <a:r>
-              <a:rPr lang="en-US" sz="1400" dirty="0" err="1">
-                <a:latin typeface="Consolas" panose="020B0609020204030204" pitchFamily="49" charset="0"/>
-              </a:rPr>
-              <a:t>item.Age</a:t>
-            </a:r>
-            <a:endParaRPr lang="en-US" sz="1400" dirty="0">
-              <a:latin typeface="Consolas" panose="020B0609020204030204" pitchFamily="49" charset="0"/>
-            </a:endParaRPr>
-          </a:p>
-          <a:p>
-            <a:pPr marL="0" indent="0">
-              <a:spcBef>
-                <a:spcPts val="0"/>
-              </a:spcBef>
-              <a:spcAft>
-                <a:spcPts val="0"/>
-              </a:spcAft>
-              <a:buNone/>
-            </a:pPr>
-            <a:r>
-              <a:rPr lang="en-US" sz="1400" dirty="0">
-                <a:latin typeface="Consolas" panose="020B0609020204030204" pitchFamily="49" charset="0"/>
-              </a:rPr>
-              <a:t>            select </a:t>
-            </a:r>
-            <a:r>
-              <a:rPr lang="en-US" sz="1400" dirty="0" err="1">
-                <a:latin typeface="Consolas" panose="020B0609020204030204" pitchFamily="49" charset="0"/>
-              </a:rPr>
-              <a:t>item.FullName</a:t>
-            </a:r>
-            <a:r>
-              <a:rPr lang="en-US" sz="1400" dirty="0">
-                <a:latin typeface="Consolas" panose="020B0609020204030204" pitchFamily="49" charset="0"/>
-              </a:rPr>
-              <a:t>;</a:t>
-            </a:r>
+            <a:endParaRPr lang="en-US" dirty="0" smtClean="0"/>
+          </a:p>
+          <a:p>
+            <a:endParaRPr lang="en-US" dirty="0"/>
           </a:p>
         </p:txBody>
       </p:sp>
     </p:spTree>
     <p:extLst>
       <p:ext uri="{BB962C8B-B14F-4D97-AF65-F5344CB8AC3E}">
-        <p14:creationId xmlns:p14="http://schemas.microsoft.com/office/powerpoint/2010/main" val="1678905364"/>
+        <p14:creationId xmlns:p14="http://schemas.microsoft.com/office/powerpoint/2010/main" val="3770503825"/>
       </p:ext>
     </p:extLst>
   </p:cSld>
   <p:clrMapOvr>
     <a:masterClrMapping/>
   </p:clrMapOvr>
+  <p:timing>
+    <p:tnLst>
+      <p:par>
+        <p:cTn id="1" dur="indefinite" restart="never" nodeType="tmRoot"/>
+      </p:par>
+    </p:tnLst>
+  </p:timing>
 </p:sld>
 </file>
 
@@ -31633,6 +31649,357 @@
               <a:buNone/>
             </a:pPr>
             <a:r>
+              <a:rPr lang="en-US" sz="1400" dirty="0" err="1">
+                <a:latin typeface="Consolas" panose="020B0609020204030204" pitchFamily="49" charset="0"/>
+              </a:rPr>
+              <a:t>var</a:t>
+            </a:r>
+            <a:r>
+              <a:rPr lang="en-US" sz="1400" dirty="0">
+                <a:latin typeface="Consolas" panose="020B0609020204030204" pitchFamily="49" charset="0"/>
+              </a:rPr>
+              <a:t> names = collection</a:t>
+            </a:r>
+          </a:p>
+          <a:p>
+            <a:pPr marL="0" indent="0">
+              <a:spcBef>
+                <a:spcPts val="0"/>
+              </a:spcBef>
+              <a:spcAft>
+                <a:spcPts val="0"/>
+              </a:spcAft>
+              <a:buNone/>
+            </a:pPr>
+            <a:r>
+              <a:rPr lang="en-US" sz="1400" dirty="0">
+                <a:latin typeface="Consolas" panose="020B0609020204030204" pitchFamily="49" charset="0"/>
+              </a:rPr>
+              <a:t>	.Where(item =&gt; </a:t>
+            </a:r>
+            <a:r>
+              <a:rPr lang="en-US" sz="1400" dirty="0" err="1">
+                <a:latin typeface="Consolas" panose="020B0609020204030204" pitchFamily="49" charset="0"/>
+              </a:rPr>
+              <a:t>item.Name</a:t>
+            </a:r>
+            <a:r>
+              <a:rPr lang="en-US" sz="1400" dirty="0">
+                <a:latin typeface="Consolas" panose="020B0609020204030204" pitchFamily="49" charset="0"/>
+              </a:rPr>
+              <a:t> == "Fred") 		.</a:t>
+            </a:r>
+            <a:r>
+              <a:rPr lang="en-US" sz="1400" dirty="0" err="1">
+                <a:latin typeface="Consolas" panose="020B0609020204030204" pitchFamily="49" charset="0"/>
+              </a:rPr>
+              <a:t>OrderBy</a:t>
+            </a:r>
+            <a:r>
+              <a:rPr lang="en-US" sz="1400" dirty="0">
+                <a:latin typeface="Consolas" panose="020B0609020204030204" pitchFamily="49" charset="0"/>
+              </a:rPr>
+              <a:t>(item =&gt; </a:t>
+            </a:r>
+            <a:r>
+              <a:rPr lang="en-US" sz="1400" dirty="0" err="1">
+                <a:latin typeface="Consolas" panose="020B0609020204030204" pitchFamily="49" charset="0"/>
+              </a:rPr>
+              <a:t>item.Age</a:t>
+            </a:r>
+            <a:r>
+              <a:rPr lang="en-US" sz="1400" dirty="0">
+                <a:latin typeface="Consolas" panose="020B0609020204030204" pitchFamily="49" charset="0"/>
+              </a:rPr>
+              <a:t>)</a:t>
+            </a:r>
+          </a:p>
+          <a:p>
+            <a:pPr marL="0" indent="0">
+              <a:spcBef>
+                <a:spcPts val="0"/>
+              </a:spcBef>
+              <a:spcAft>
+                <a:spcPts val="0"/>
+              </a:spcAft>
+              <a:buNone/>
+            </a:pPr>
+            <a:r>
+              <a:rPr lang="en-US" sz="1400" dirty="0">
+                <a:latin typeface="Consolas" panose="020B0609020204030204" pitchFamily="49" charset="0"/>
+              </a:rPr>
+              <a:t>	.Select(item =&gt; </a:t>
+            </a:r>
+            <a:r>
+              <a:rPr lang="en-US" sz="1400" dirty="0" err="1">
+                <a:latin typeface="Consolas" panose="020B0609020204030204" pitchFamily="49" charset="0"/>
+              </a:rPr>
+              <a:t>item.FullName</a:t>
+            </a:r>
+            <a:r>
+              <a:rPr lang="en-US" sz="1400" dirty="0">
+                <a:latin typeface="Consolas" panose="020B0609020204030204" pitchFamily="49" charset="0"/>
+              </a:rPr>
+              <a:t>);</a:t>
+            </a:r>
+          </a:p>
+        </p:txBody>
+      </p:sp>
+      <p:sp>
+        <p:nvSpPr>
+          <p:cNvPr id="7" name="Text Placeholder 6"/>
+          <p:cNvSpPr>
+            <a:spLocks noGrp="1"/>
+          </p:cNvSpPr>
+          <p:nvPr>
+            <p:ph type="body" sz="quarter" idx="3"/>
+          </p:nvPr>
+        </p:nvSpPr>
+        <p:spPr/>
+        <p:txBody>
+          <a:bodyPr/>
+          <a:lstStyle/>
+          <a:p>
+            <a:r>
+              <a:rPr lang="en-US"/>
+              <a:t>Query Sintax</a:t>
+            </a:r>
+          </a:p>
+        </p:txBody>
+      </p:sp>
+      <p:sp>
+        <p:nvSpPr>
+          <p:cNvPr id="8" name="Content Placeholder 7"/>
+          <p:cNvSpPr>
+            <a:spLocks noGrp="1"/>
+          </p:cNvSpPr>
+          <p:nvPr>
+            <p:ph sz="quarter" idx="4"/>
+          </p:nvPr>
+        </p:nvSpPr>
+        <p:spPr/>
+        <p:txBody>
+          <a:bodyPr anchor="ctr">
+            <a:normAutofit/>
+          </a:bodyPr>
+          <a:lstStyle/>
+          <a:p>
+            <a:pPr marL="0" indent="0">
+              <a:spcBef>
+                <a:spcPts val="0"/>
+              </a:spcBef>
+              <a:spcAft>
+                <a:spcPts val="0"/>
+              </a:spcAft>
+              <a:buNone/>
+            </a:pPr>
+            <a:r>
+              <a:rPr lang="en-US" sz="1400" dirty="0" err="1">
+                <a:latin typeface="Consolas" panose="020B0609020204030204" pitchFamily="49" charset="0"/>
+              </a:rPr>
+              <a:t>var</a:t>
+            </a:r>
+            <a:r>
+              <a:rPr lang="en-US" sz="1400" dirty="0">
+                <a:latin typeface="Consolas" panose="020B0609020204030204" pitchFamily="49" charset="0"/>
+              </a:rPr>
+              <a:t> names = from item in collection</a:t>
+            </a:r>
+          </a:p>
+          <a:p>
+            <a:pPr marL="0" indent="0">
+              <a:spcBef>
+                <a:spcPts val="0"/>
+              </a:spcBef>
+              <a:spcAft>
+                <a:spcPts val="0"/>
+              </a:spcAft>
+              <a:buNone/>
+            </a:pPr>
+            <a:r>
+              <a:rPr lang="en-US" sz="1400" dirty="0">
+                <a:latin typeface="Consolas" panose="020B0609020204030204" pitchFamily="49" charset="0"/>
+              </a:rPr>
+              <a:t>            where </a:t>
+            </a:r>
+            <a:r>
+              <a:rPr lang="en-US" sz="1400" dirty="0" err="1">
+                <a:latin typeface="Consolas" panose="020B0609020204030204" pitchFamily="49" charset="0"/>
+              </a:rPr>
+              <a:t>item.Name</a:t>
+            </a:r>
+            <a:r>
+              <a:rPr lang="en-US" sz="1400" dirty="0">
+                <a:latin typeface="Consolas" panose="020B0609020204030204" pitchFamily="49" charset="0"/>
+              </a:rPr>
+              <a:t> == "Fred"</a:t>
+            </a:r>
+          </a:p>
+          <a:p>
+            <a:pPr marL="0" indent="0">
+              <a:spcBef>
+                <a:spcPts val="0"/>
+              </a:spcBef>
+              <a:spcAft>
+                <a:spcPts val="0"/>
+              </a:spcAft>
+              <a:buNone/>
+            </a:pPr>
+            <a:r>
+              <a:rPr lang="en-US" sz="1400" dirty="0">
+                <a:latin typeface="Consolas" panose="020B0609020204030204" pitchFamily="49" charset="0"/>
+              </a:rPr>
+              <a:t>            order by </a:t>
+            </a:r>
+            <a:r>
+              <a:rPr lang="en-US" sz="1400" dirty="0" err="1">
+                <a:latin typeface="Consolas" panose="020B0609020204030204" pitchFamily="49" charset="0"/>
+              </a:rPr>
+              <a:t>item.Age</a:t>
+            </a:r>
+            <a:endParaRPr lang="en-US" sz="1400" dirty="0">
+              <a:latin typeface="Consolas" panose="020B0609020204030204" pitchFamily="49" charset="0"/>
+            </a:endParaRPr>
+          </a:p>
+          <a:p>
+            <a:pPr marL="0" indent="0">
+              <a:spcBef>
+                <a:spcPts val="0"/>
+              </a:spcBef>
+              <a:spcAft>
+                <a:spcPts val="0"/>
+              </a:spcAft>
+              <a:buNone/>
+            </a:pPr>
+            <a:r>
+              <a:rPr lang="en-US" sz="1400" dirty="0">
+                <a:latin typeface="Consolas" panose="020B0609020204030204" pitchFamily="49" charset="0"/>
+              </a:rPr>
+              <a:t>            select </a:t>
+            </a:r>
+            <a:r>
+              <a:rPr lang="en-US" sz="1400" dirty="0" err="1">
+                <a:latin typeface="Consolas" panose="020B0609020204030204" pitchFamily="49" charset="0"/>
+              </a:rPr>
+              <a:t>item.FullName</a:t>
+            </a:r>
+            <a:r>
+              <a:rPr lang="en-US" sz="1400" dirty="0">
+                <a:latin typeface="Consolas" panose="020B0609020204030204" pitchFamily="49" charset="0"/>
+              </a:rPr>
+              <a:t>;</a:t>
+            </a:r>
+          </a:p>
+        </p:txBody>
+      </p:sp>
+    </p:spTree>
+    <p:extLst>
+      <p:ext uri="{BB962C8B-B14F-4D97-AF65-F5344CB8AC3E}">
+        <p14:creationId xmlns:p14="http://schemas.microsoft.com/office/powerpoint/2010/main" val="1678905364"/>
+      </p:ext>
+    </p:extLst>
+  </p:cSld>
+  <p:clrMapOvr>
+    <a:masterClrMapping/>
+  </p:clrMapOvr>
+  <p:timing>
+    <p:tnLst>
+      <p:par>
+        <p:cTn id="1" dur="indefinite" restart="never" nodeType="tmRoot"/>
+      </p:par>
+    </p:tnLst>
+  </p:timing>
+</p:sld>
+</file>
+
+<file path=ppt/slides/slide47.xml><?xml version="1.0" encoding="utf-8"?>
+<p:sld xmlns:a="http://schemas.openxmlformats.org/drawingml/2006/main" xmlns:r="http://schemas.openxmlformats.org/officeDocument/2006/relationships" xmlns:p="http://schemas.openxmlformats.org/presentationml/2006/main">
+  <p:cSld>
+    <p:spTree>
+      <p:nvGrpSpPr>
+        <p:cNvPr id="1" name=""/>
+        <p:cNvGrpSpPr/>
+        <p:nvPr/>
+      </p:nvGrpSpPr>
+      <p:grpSpPr>
+        <a:xfrm>
+          <a:off x="0" y="0"/>
+          <a:ext cx="0" cy="0"/>
+          <a:chOff x="0" y="0"/>
+          <a:chExt cx="0" cy="0"/>
+        </a:xfrm>
+      </p:grpSpPr>
+      <p:sp>
+        <p:nvSpPr>
+          <p:cNvPr id="4" name="Title 3"/>
+          <p:cNvSpPr>
+            <a:spLocks noGrp="1"/>
+          </p:cNvSpPr>
+          <p:nvPr>
+            <p:ph type="title"/>
+          </p:nvPr>
+        </p:nvSpPr>
+        <p:spPr/>
+        <p:txBody>
+          <a:bodyPr/>
+          <a:lstStyle/>
+          <a:p>
+            <a:r>
+              <a:rPr lang="en-US"/>
+              <a:t>Linq sintaxes</a:t>
+            </a:r>
+          </a:p>
+        </p:txBody>
+      </p:sp>
+      <p:sp>
+        <p:nvSpPr>
+          <p:cNvPr id="5" name="Text Placeholder 4"/>
+          <p:cNvSpPr>
+            <a:spLocks noGrp="1"/>
+          </p:cNvSpPr>
+          <p:nvPr>
+            <p:ph type="body" idx="1"/>
+          </p:nvPr>
+        </p:nvSpPr>
+        <p:spPr/>
+        <p:txBody>
+          <a:bodyPr/>
+          <a:lstStyle/>
+          <a:p>
+            <a:r>
+              <a:rPr lang="en-US"/>
+              <a:t>Method Sintax</a:t>
+            </a:r>
+          </a:p>
+        </p:txBody>
+      </p:sp>
+      <p:sp>
+        <p:nvSpPr>
+          <p:cNvPr id="6" name="Content Placeholder 5"/>
+          <p:cNvSpPr>
+            <a:spLocks noGrp="1"/>
+          </p:cNvSpPr>
+          <p:nvPr>
+            <p:ph sz="half" idx="2"/>
+          </p:nvPr>
+        </p:nvSpPr>
+        <p:spPr/>
+        <p:txBody>
+          <a:bodyPr anchor="ctr">
+            <a:normAutofit/>
+          </a:bodyPr>
+          <a:lstStyle/>
+          <a:p>
+            <a:pPr marL="0" indent="0">
+              <a:spcBef>
+                <a:spcPts val="0"/>
+              </a:spcBef>
+              <a:spcAft>
+                <a:spcPts val="0"/>
+              </a:spcAft>
+              <a:buNone/>
+            </a:pPr>
+            <a:r>
               <a:rPr lang="en-US" sz="1400">
                 <a:latin typeface="Consolas" panose="020B0609020204030204" pitchFamily="49" charset="0"/>
               </a:rPr>
@@ -31759,10 +32126,17 @@
   <p:clrMapOvr>
     <a:masterClrMapping/>
   </p:clrMapOvr>
+  <p:timing>
+    <p:tnLst>
+      <p:par>
+        <p:cTn id="1" dur="indefinite" restart="never" nodeType="tmRoot"/>
+      </p:par>
+    </p:tnLst>
+  </p:timing>
 </p:sld>
 </file>
 
-<file path=ppt/slides/slide47.xml><?xml version="1.0" encoding="utf-8"?>
+<file path=ppt/slides/slide48.xml><?xml version="1.0" encoding="utf-8"?>
 <p:sld xmlns:a="http://schemas.openxmlformats.org/drawingml/2006/main" xmlns:r="http://schemas.openxmlformats.org/officeDocument/2006/relationships" xmlns:p="http://schemas.openxmlformats.org/presentationml/2006/main">
   <p:cSld>
     <p:spTree>
@@ -31813,59 +32187,13 @@
   <p:clrMapOvr>
     <a:masterClrMapping/>
   </p:clrMapOvr>
-</p:sld>
-</file>
-
-<file path=ppt/slides/slide48.xml><?xml version="1.0" encoding="utf-8"?>
-<p:sld xmlns:a="http://schemas.openxmlformats.org/drawingml/2006/main" xmlns:r="http://schemas.openxmlformats.org/officeDocument/2006/relationships" xmlns:p="http://schemas.openxmlformats.org/presentationml/2006/main">
-  <p:cSld>
-    <p:spTree>
-      <p:nvGrpSpPr>
-        <p:cNvPr id="1" name=""/>
-        <p:cNvGrpSpPr/>
-        <p:nvPr/>
-      </p:nvGrpSpPr>
-      <p:grpSpPr>
-        <a:xfrm>
-          <a:off x="0" y="0"/>
-          <a:ext cx="0" cy="0"/>
-          <a:chOff x="0" y="0"/>
-          <a:chExt cx="0" cy="0"/>
-        </a:xfrm>
-      </p:grpSpPr>
-      <p:sp>
-        <p:nvSpPr>
-          <p:cNvPr id="2" name="Title 1"/>
-          <p:cNvSpPr>
-            <a:spLocks noGrp="1"/>
-          </p:cNvSpPr>
-          <p:nvPr>
-            <p:ph type="title"/>
-          </p:nvPr>
-        </p:nvSpPr>
-        <p:spPr/>
-        <p:txBody>
-          <a:bodyPr/>
-          <a:lstStyle/>
-          <a:p>
-            <a:r>
-              <a:rPr lang="en-US" dirty="0" smtClean="0"/>
-              <a:t>practice</a:t>
-            </a:r>
-            <a:endParaRPr lang="en-US" dirty="0"/>
-          </a:p>
-        </p:txBody>
-      </p:sp>
-    </p:spTree>
-    <p:extLst>
-      <p:ext uri="{BB962C8B-B14F-4D97-AF65-F5344CB8AC3E}">
-        <p14:creationId xmlns:p14="http://schemas.microsoft.com/office/powerpoint/2010/main" val="4149998624"/>
-      </p:ext>
-    </p:extLst>
-  </p:cSld>
-  <p:clrMapOvr>
-    <a:masterClrMapping/>
-  </p:clrMapOvr>
+  <p:timing>
+    <p:tnLst>
+      <p:par>
+        <p:cTn id="1" dur="indefinite" restart="never" nodeType="tmRoot"/>
+      </p:par>
+    </p:tnLst>
+  </p:timing>
 </p:sld>
 </file>
 
@@ -31888,7 +32216,7 @@
       </p:grpSpPr>
       <p:sp>
         <p:nvSpPr>
-          <p:cNvPr id="7" name="Title 6"/>
+          <p:cNvPr id="2" name="Title 1"/>
           <p:cNvSpPr>
             <a:spLocks noGrp="1"/>
           </p:cNvSpPr>
@@ -31902,22 +32230,30 @@
           <a:lstStyle/>
           <a:p>
             <a:r>
-              <a:rPr lang="en-US"/>
-              <a:t>N-Layer</a:t>
-            </a:r>
+              <a:rPr lang="en-US" dirty="0" smtClean="0"/>
+              <a:t>practice</a:t>
+            </a:r>
+            <a:endParaRPr lang="en-US" dirty="0"/>
           </a:p>
         </p:txBody>
       </p:sp>
     </p:spTree>
     <p:extLst>
       <p:ext uri="{BB962C8B-B14F-4D97-AF65-F5344CB8AC3E}">
-        <p14:creationId xmlns:p14="http://schemas.microsoft.com/office/powerpoint/2010/main" val="3295338271"/>
+        <p14:creationId xmlns:p14="http://schemas.microsoft.com/office/powerpoint/2010/main" val="4149998624"/>
       </p:ext>
     </p:extLst>
   </p:cSld>
   <p:clrMapOvr>
     <a:masterClrMapping/>
   </p:clrMapOvr>
+  <p:timing>
+    <p:tnLst>
+      <p:par>
+        <p:cTn id="1" dur="indefinite" restart="never" nodeType="tmRoot"/>
+      </p:par>
+    </p:tnLst>
+  </p:timing>
 </p:sld>
 </file>
 
@@ -32020,10 +32356,76 @@
   <p:clrMapOvr>
     <a:masterClrMapping/>
   </p:clrMapOvr>
+  <p:timing>
+    <p:tnLst>
+      <p:par>
+        <p:cTn id="1" dur="indefinite" restart="never" nodeType="tmRoot"/>
+      </p:par>
+    </p:tnLst>
+  </p:timing>
 </p:sld>
 </file>
 
 <file path=ppt/slides/slide50.xml><?xml version="1.0" encoding="utf-8"?>
+<p:sld xmlns:a="http://schemas.openxmlformats.org/drawingml/2006/main" xmlns:r="http://schemas.openxmlformats.org/officeDocument/2006/relationships" xmlns:p="http://schemas.openxmlformats.org/presentationml/2006/main">
+  <p:cSld>
+    <p:spTree>
+      <p:nvGrpSpPr>
+        <p:cNvPr id="1" name=""/>
+        <p:cNvGrpSpPr/>
+        <p:nvPr/>
+      </p:nvGrpSpPr>
+      <p:grpSpPr>
+        <a:xfrm>
+          <a:off x="0" y="0"/>
+          <a:ext cx="0" cy="0"/>
+          <a:chOff x="0" y="0"/>
+          <a:chExt cx="0" cy="0"/>
+        </a:xfrm>
+      </p:grpSpPr>
+      <p:sp>
+        <p:nvSpPr>
+          <p:cNvPr id="7" name="Title 6"/>
+          <p:cNvSpPr>
+            <a:spLocks noGrp="1"/>
+          </p:cNvSpPr>
+          <p:nvPr>
+            <p:ph type="title"/>
+          </p:nvPr>
+        </p:nvSpPr>
+        <p:spPr/>
+        <p:txBody>
+          <a:bodyPr/>
+          <a:lstStyle/>
+          <a:p>
+            <a:r>
+              <a:rPr lang="en-US"/>
+              <a:t>N-Layer</a:t>
+            </a:r>
+          </a:p>
+        </p:txBody>
+      </p:sp>
+    </p:spTree>
+    <p:extLst>
+      <p:ext uri="{BB962C8B-B14F-4D97-AF65-F5344CB8AC3E}">
+        <p14:creationId xmlns:p14="http://schemas.microsoft.com/office/powerpoint/2010/main" val="3295338271"/>
+      </p:ext>
+    </p:extLst>
+  </p:cSld>
+  <p:clrMapOvr>
+    <a:masterClrMapping/>
+  </p:clrMapOvr>
+  <p:timing>
+    <p:tnLst>
+      <p:par>
+        <p:cTn id="1" dur="indefinite" restart="never" nodeType="tmRoot"/>
+      </p:par>
+    </p:tnLst>
+  </p:timing>
+</p:sld>
+</file>
+
+<file path=ppt/slides/slide51.xml><?xml version="1.0" encoding="utf-8"?>
 <p:sld xmlns:a="http://schemas.openxmlformats.org/drawingml/2006/main" xmlns:r="http://schemas.openxmlformats.org/officeDocument/2006/relationships" xmlns:p="http://schemas.openxmlformats.org/presentationml/2006/main">
   <p:cSld>
     <p:spTree>
@@ -32130,10 +32532,17 @@
   <p:clrMapOvr>
     <a:masterClrMapping/>
   </p:clrMapOvr>
+  <p:timing>
+    <p:tnLst>
+      <p:par>
+        <p:cTn id="1" dur="indefinite" restart="never" nodeType="tmRoot"/>
+      </p:par>
+    </p:tnLst>
+  </p:timing>
 </p:sld>
 </file>
 
-<file path=ppt/slides/slide51.xml><?xml version="1.0" encoding="utf-8"?>
+<file path=ppt/slides/slide52.xml><?xml version="1.0" encoding="utf-8"?>
 <p:sld xmlns:a="http://schemas.openxmlformats.org/drawingml/2006/main" xmlns:r="http://schemas.openxmlformats.org/officeDocument/2006/relationships" xmlns:p="http://schemas.openxmlformats.org/presentationml/2006/main">
   <p:cSld>
     <p:spTree>
@@ -32182,10 +32591,17 @@
   <p:clrMapOvr>
     <a:masterClrMapping/>
   </p:clrMapOvr>
+  <p:timing>
+    <p:tnLst>
+      <p:par>
+        <p:cTn id="1" dur="indefinite" restart="never" nodeType="tmRoot"/>
+      </p:par>
+    </p:tnLst>
+  </p:timing>
 </p:sld>
 </file>
 
-<file path=ppt/slides/slide52.xml><?xml version="1.0" encoding="utf-8"?>
+<file path=ppt/slides/slide53.xml><?xml version="1.0" encoding="utf-8"?>
 <p:sld xmlns:a="http://schemas.openxmlformats.org/drawingml/2006/main" xmlns:r="http://schemas.openxmlformats.org/officeDocument/2006/relationships" xmlns:p="http://schemas.openxmlformats.org/presentationml/2006/main">
   <p:cSld>
     <p:spTree>
@@ -32390,148 +32806,13 @@
   <p:clrMapOvr>
     <a:masterClrMapping/>
   </p:clrMapOvr>
-</p:sld>
-</file>
-
-<file path=ppt/slides/slide53.xml><?xml version="1.0" encoding="utf-8"?>
-<p:sld xmlns:a="http://schemas.openxmlformats.org/drawingml/2006/main" xmlns:r="http://schemas.openxmlformats.org/officeDocument/2006/relationships" xmlns:p="http://schemas.openxmlformats.org/presentationml/2006/main">
-  <p:cSld>
-    <p:spTree>
-      <p:nvGrpSpPr>
-        <p:cNvPr id="1" name=""/>
-        <p:cNvGrpSpPr/>
-        <p:nvPr/>
-      </p:nvGrpSpPr>
-      <p:grpSpPr>
-        <a:xfrm>
-          <a:off x="0" y="0"/>
-          <a:ext cx="0" cy="0"/>
-          <a:chOff x="0" y="0"/>
-          <a:chExt cx="0" cy="0"/>
-        </a:xfrm>
-      </p:grpSpPr>
-      <p:sp>
-        <p:nvSpPr>
-          <p:cNvPr id="3" name="Title 2"/>
-          <p:cNvSpPr>
-            <a:spLocks noGrp="1"/>
-          </p:cNvSpPr>
-          <p:nvPr>
-            <p:ph type="title"/>
-          </p:nvPr>
-        </p:nvSpPr>
-        <p:spPr/>
-        <p:txBody>
-          <a:bodyPr/>
-          <a:lstStyle/>
-          <a:p>
-            <a:r>
-              <a:rPr lang="en-US"/>
-              <a:t>Why this never happens</a:t>
-            </a:r>
-          </a:p>
-        </p:txBody>
-      </p:sp>
-      <p:sp>
-        <p:nvSpPr>
-          <p:cNvPr id="4" name="Content Placeholder 3"/>
-          <p:cNvSpPr>
-            <a:spLocks noGrp="1"/>
-          </p:cNvSpPr>
-          <p:nvPr>
-            <p:ph idx="1"/>
-          </p:nvPr>
-        </p:nvSpPr>
-        <p:spPr/>
-        <p:txBody>
-          <a:bodyPr/>
-          <a:lstStyle/>
-          <a:p>
-            <a:pPr marL="0" indent="0">
-              <a:buNone/>
-            </a:pPr>
-            <a:r>
-              <a:rPr lang="en-US">
-                <a:latin typeface="Consolas" panose="020B0609020204030204" pitchFamily="49" charset="0"/>
-              </a:rPr>
-              <a:t>public List&lt;User&gt; Users { get; set; } </a:t>
-            </a:r>
-          </a:p>
-          <a:p>
-            <a:pPr marL="0" indent="0">
-              <a:buNone/>
-            </a:pPr>
-            <a:r>
-              <a:rPr lang="en-US">
-                <a:latin typeface="Consolas" panose="020B0609020204030204" pitchFamily="49" charset="0"/>
-              </a:rPr>
-              <a:t>//trying to mimic a database</a:t>
-            </a:r>
-          </a:p>
-          <a:p>
-            <a:pPr marL="0" indent="0">
-              <a:buNone/>
-            </a:pPr>
-            <a:endParaRPr lang="en-US">
-              <a:latin typeface="Consolas" panose="020B0609020204030204" pitchFamily="49" charset="0"/>
-            </a:endParaRPr>
-          </a:p>
-          <a:p>
-            <a:pPr marL="0" indent="0">
-              <a:buNone/>
-            </a:pPr>
-            <a:r>
-              <a:rPr lang="en-US">
-                <a:latin typeface="Consolas" panose="020B0609020204030204" pitchFamily="49" charset="0"/>
-              </a:rPr>
-              <a:t>public UserService(List&lt;User&gt; users)</a:t>
-            </a:r>
-          </a:p>
-          <a:p>
-            <a:pPr marL="0" indent="0">
-              <a:buNone/>
-            </a:pPr>
-            <a:r>
-              <a:rPr lang="en-US">
-                <a:latin typeface="Consolas" panose="020B0609020204030204" pitchFamily="49" charset="0"/>
-              </a:rPr>
-              <a:t>{            </a:t>
-            </a:r>
-          </a:p>
-          <a:p>
-            <a:pPr marL="0" indent="0">
-              <a:buNone/>
-            </a:pPr>
-            <a:r>
-              <a:rPr lang="en-US">
-                <a:latin typeface="Consolas" panose="020B0609020204030204" pitchFamily="49" charset="0"/>
-              </a:rPr>
-              <a:t>	Users = users;        </a:t>
-            </a:r>
-          </a:p>
-          <a:p>
-            <a:pPr marL="0" indent="0">
-              <a:buNone/>
-            </a:pPr>
-            <a:r>
-              <a:rPr lang="en-US">
-                <a:latin typeface="Consolas" panose="020B0609020204030204" pitchFamily="49" charset="0"/>
-              </a:rPr>
-              <a:t>}</a:t>
-            </a:r>
-          </a:p>
-        </p:txBody>
-      </p:sp>
-    </p:spTree>
-    <p:extLst>
-      <p:ext uri="{BB962C8B-B14F-4D97-AF65-F5344CB8AC3E}">
-        <p14:creationId xmlns:p14="http://schemas.microsoft.com/office/powerpoint/2010/main" val="3983290447"/>
-      </p:ext>
-    </p:extLst>
-  </p:cSld>
-  <p:clrMapOvr>
-    <a:masterClrMapping/>
-  </p:clrMapOvr>
+  <p:timing>
+    <p:tnLst>
+      <p:par>
+        <p:cTn id="1" dur="indefinite" restart="never" nodeType="tmRoot"/>
+      </p:par>
+    </p:tnLst>
+  </p:timing>
 </p:sld>
 </file>
 
@@ -32584,6 +32865,13 @@
   <p:clrMapOvr>
     <a:masterClrMapping/>
   </p:clrMapOvr>
+  <p:timing>
+    <p:tnLst>
+      <p:par>
+        <p:cTn id="1" dur="indefinite" restart="never" nodeType="tmRoot"/>
+      </p:par>
+    </p:tnLst>
+  </p:timing>
 </p:sld>
 </file>
 
@@ -32636,6 +32924,13 @@
   <p:clrMapOvr>
     <a:masterClrMapping/>
   </p:clrMapOvr>
+  <p:timing>
+    <p:tnLst>
+      <p:par>
+        <p:cTn id="1" dur="indefinite" restart="never" nodeType="tmRoot"/>
+      </p:par>
+    </p:tnLst>
+  </p:timing>
 </p:sld>
 </file>
 
@@ -32744,6 +33039,13 @@
   <p:clrMapOvr>
     <a:masterClrMapping/>
   </p:clrMapOvr>
+  <p:timing>
+    <p:tnLst>
+      <p:par>
+        <p:cTn id="1" dur="indefinite" restart="never" nodeType="tmRoot"/>
+      </p:par>
+    </p:tnLst>
+  </p:timing>
 </p:sld>
 </file>
 
@@ -32852,6 +33154,13 @@
   <p:clrMapOvr>
     <a:masterClrMapping/>
   </p:clrMapOvr>
+  <p:timing>
+    <p:tnLst>
+      <p:par>
+        <p:cTn id="1" dur="indefinite" restart="never" nodeType="tmRoot"/>
+      </p:par>
+    </p:tnLst>
+  </p:timing>
 </p:sld>
 </file>
 
@@ -32960,6 +33269,13 @@
   <p:clrMapOvr>
     <a:masterClrMapping/>
   </p:clrMapOvr>
+  <p:timing>
+    <p:tnLst>
+      <p:par>
+        <p:cTn id="1" dur="indefinite" restart="never" nodeType="tmRoot"/>
+      </p:par>
+    </p:tnLst>
+  </p:timing>
 </p:sld>
 </file>
 
@@ -32997,46 +33313,7 @@
           <a:p>
             <a:r>
               <a:rPr lang="en-US"/>
-              <a:t>command line interface</a:t>
-            </a:r>
-          </a:p>
-        </p:txBody>
-      </p:sp>
-      <p:sp>
-        <p:nvSpPr>
-          <p:cNvPr id="3" name="Content Placeholder 2"/>
-          <p:cNvSpPr>
-            <a:spLocks noGrp="1"/>
-          </p:cNvSpPr>
-          <p:nvPr>
-            <p:ph idx="1"/>
-          </p:nvPr>
-        </p:nvSpPr>
-        <p:spPr>
-          <a:xfrm>
-            <a:off x="684212" y="685800"/>
-            <a:ext cx="9025476" cy="3615267"/>
-          </a:xfrm>
-        </p:spPr>
-        <p:txBody>
-          <a:bodyPr/>
-          <a:lstStyle/>
-          <a:p>
-            <a:r>
-              <a:rPr lang="en-US"/>
-              <a:t>dotnet new [console|classlib|web|mvc|…] –n &lt;OUTPUT_NAME&gt;</a:t>
-            </a:r>
-          </a:p>
-          <a:p>
-            <a:r>
-              <a:rPr lang="en-US"/>
-              <a:t>dotnet build</a:t>
-            </a:r>
-          </a:p>
-          <a:p>
-            <a:r>
-              <a:rPr lang="en-US"/>
-              <a:t>dotnet run</a:t>
+              <a:t>Code first</a:t>
             </a:r>
           </a:p>
         </p:txBody>
@@ -33044,13 +33321,20 @@
     </p:spTree>
     <p:extLst>
       <p:ext uri="{BB962C8B-B14F-4D97-AF65-F5344CB8AC3E}">
-        <p14:creationId xmlns:p14="http://schemas.microsoft.com/office/powerpoint/2010/main" val="2806863253"/>
+        <p14:creationId xmlns:p14="http://schemas.microsoft.com/office/powerpoint/2010/main" val="2292348886"/>
       </p:ext>
     </p:extLst>
   </p:cSld>
   <p:clrMapOvr>
     <a:masterClrMapping/>
   </p:clrMapOvr>
+  <p:timing>
+    <p:tnLst>
+      <p:par>
+        <p:cTn id="1" dur="indefinite" restart="never" nodeType="tmRoot"/>
+      </p:par>
+    </p:tnLst>
+  </p:timing>
 </p:sld>
 </file>
 
@@ -33164,6 +33448,13 @@
   <p:clrMapOvr>
     <a:masterClrMapping/>
   </p:clrMapOvr>
+  <p:timing>
+    <p:tnLst>
+      <p:par>
+        <p:cTn id="1" dur="indefinite" restart="never" nodeType="tmRoot"/>
+      </p:par>
+    </p:tnLst>
+  </p:timing>
 </p:sld>
 </file>
 
@@ -33201,7 +33492,144 @@
           <a:p>
             <a:r>
               <a:rPr lang="en-US"/>
-              <a:t>Code first</a:t>
+              <a:t>Create a new Class Library</a:t>
+            </a:r>
+          </a:p>
+        </p:txBody>
+      </p:sp>
+      <p:sp>
+        <p:nvSpPr>
+          <p:cNvPr id="3" name="Content Placeholder 2"/>
+          <p:cNvSpPr>
+            <a:spLocks noGrp="1"/>
+          </p:cNvSpPr>
+          <p:nvPr>
+            <p:ph idx="1"/>
+          </p:nvPr>
+        </p:nvSpPr>
+        <p:spPr/>
+        <p:txBody>
+          <a:bodyPr/>
+          <a:lstStyle/>
+          <a:p>
+            <a:r>
+              <a:rPr lang="en-US" dirty="0" err="1"/>
+              <a:t>dotnet</a:t>
+            </a:r>
+            <a:r>
+              <a:rPr lang="en-US" dirty="0"/>
+              <a:t> new </a:t>
+            </a:r>
+            <a:r>
+              <a:rPr lang="en-US" dirty="0" err="1"/>
+              <a:t>sln</a:t>
+            </a:r>
+            <a:r>
+              <a:rPr lang="en-US" dirty="0"/>
+              <a:t> –n </a:t>
+            </a:r>
+            <a:r>
+              <a:rPr lang="en-US" dirty="0" err="1"/>
+              <a:t>CodeFirst</a:t>
+            </a:r>
+            <a:endParaRPr lang="en-US" dirty="0"/>
+          </a:p>
+          <a:p>
+            <a:r>
+              <a:rPr lang="en-US" dirty="0" err="1"/>
+              <a:t>dotnet</a:t>
+            </a:r>
+            <a:r>
+              <a:rPr lang="en-US" dirty="0"/>
+              <a:t> new </a:t>
+            </a:r>
+            <a:r>
+              <a:rPr lang="en-US" dirty="0" err="1"/>
+              <a:t>classlib</a:t>
+            </a:r>
+            <a:r>
+              <a:rPr lang="en-US" dirty="0"/>
+              <a:t> –n </a:t>
+            </a:r>
+            <a:r>
+              <a:rPr lang="en-US" dirty="0" err="1"/>
+              <a:t>CodeFirst.Data</a:t>
+            </a:r>
+            <a:r>
+              <a:rPr lang="en-US" dirty="0"/>
+              <a:t> –f </a:t>
+            </a:r>
+            <a:r>
+              <a:rPr lang="en-US" dirty="0" smtClean="0"/>
+              <a:t>netcoreapp2.2</a:t>
+            </a:r>
+            <a:endParaRPr lang="en-US" dirty="0"/>
+          </a:p>
+          <a:p>
+            <a:r>
+              <a:rPr lang="en-US" dirty="0" err="1"/>
+              <a:t>dotnet</a:t>
+            </a:r>
+            <a:r>
+              <a:rPr lang="en-US" dirty="0"/>
+              <a:t> </a:t>
+            </a:r>
+            <a:r>
+              <a:rPr lang="en-US" dirty="0" err="1"/>
+              <a:t>sln</a:t>
+            </a:r>
+            <a:r>
+              <a:rPr lang="en-US" dirty="0"/>
+              <a:t> list</a:t>
+            </a:r>
+          </a:p>
+          <a:p>
+            <a:r>
+              <a:rPr lang="en-US" dirty="0" err="1"/>
+              <a:t>dotnet</a:t>
+            </a:r>
+            <a:r>
+              <a:rPr lang="en-US" dirty="0"/>
+              <a:t> </a:t>
+            </a:r>
+            <a:r>
+              <a:rPr lang="en-US" dirty="0" err="1"/>
+              <a:t>sln</a:t>
+            </a:r>
+            <a:r>
+              <a:rPr lang="en-US" dirty="0"/>
+              <a:t> add </a:t>
+            </a:r>
+            <a:r>
+              <a:rPr lang="en-US" dirty="0" err="1"/>
+              <a:t>CodeFirst.Data</a:t>
+            </a:r>
+            <a:r>
+              <a:rPr lang="en-US" dirty="0"/>
+              <a:t>/</a:t>
+            </a:r>
+            <a:r>
+              <a:rPr lang="en-US" dirty="0" err="1"/>
+              <a:t>CodeFirst.Data.csproj</a:t>
+            </a:r>
+            <a:endParaRPr lang="en-US" dirty="0"/>
+          </a:p>
+          <a:p>
+            <a:r>
+              <a:rPr lang="en-US" dirty="0" err="1"/>
+              <a:t>dotnet</a:t>
+            </a:r>
+            <a:r>
+              <a:rPr lang="en-US" dirty="0"/>
+              <a:t> </a:t>
+            </a:r>
+            <a:r>
+              <a:rPr lang="en-US" dirty="0" err="1"/>
+              <a:t>sln</a:t>
+            </a:r>
+            <a:r>
+              <a:rPr lang="en-US" dirty="0"/>
+              <a:t> list</a:t>
             </a:r>
           </a:p>
         </p:txBody>
@@ -33209,13 +33637,20 @@
     </p:spTree>
     <p:extLst>
       <p:ext uri="{BB962C8B-B14F-4D97-AF65-F5344CB8AC3E}">
-        <p14:creationId xmlns:p14="http://schemas.microsoft.com/office/powerpoint/2010/main" val="2292348886"/>
+        <p14:creationId xmlns:p14="http://schemas.microsoft.com/office/powerpoint/2010/main" val="598506218"/>
       </p:ext>
     </p:extLst>
   </p:cSld>
   <p:clrMapOvr>
     <a:masterClrMapping/>
   </p:clrMapOvr>
+  <p:timing>
+    <p:tnLst>
+      <p:par>
+        <p:cTn id="1" dur="indefinite" restart="never" nodeType="tmRoot"/>
+      </p:par>
+    </p:tnLst>
+  </p:timing>
 </p:sld>
 </file>
 
@@ -33253,7 +33688,7 @@
           <a:p>
             <a:r>
               <a:rPr lang="en-US"/>
-              <a:t>Create a new Class Library</a:t>
+              <a:t>Prerequisites</a:t>
             </a:r>
           </a:p>
         </p:txBody>
@@ -33274,119 +33709,63 @@
           <a:lstStyle/>
           <a:p>
             <a:r>
-              <a:rPr lang="en-US"/>
-              <a:t>dotnet new sln –n CodeFirst</a:t>
-            </a:r>
-          </a:p>
-          <a:p>
-            <a:r>
-              <a:rPr lang="en-US"/>
-              <a:t>dotnet new classlib –n CodeFirst.Data –f netcoreapp2.0</a:t>
-            </a:r>
-          </a:p>
-          <a:p>
-            <a:r>
-              <a:rPr lang="en-US"/>
-              <a:t>dotnet sln list</a:t>
-            </a:r>
-          </a:p>
-          <a:p>
-            <a:r>
-              <a:rPr lang="en-US"/>
-              <a:t>dotnet sln add CodeFirst.Data/CodeFirst.Data.csproj</a:t>
-            </a:r>
-          </a:p>
-          <a:p>
-            <a:r>
-              <a:rPr lang="en-US"/>
-              <a:t>dotnet sln list</a:t>
-            </a:r>
-          </a:p>
-        </p:txBody>
-      </p:sp>
-    </p:spTree>
-    <p:extLst>
-      <p:ext uri="{BB962C8B-B14F-4D97-AF65-F5344CB8AC3E}">
-        <p14:creationId xmlns:p14="http://schemas.microsoft.com/office/powerpoint/2010/main" val="598506218"/>
-      </p:ext>
-    </p:extLst>
-  </p:cSld>
-  <p:clrMapOvr>
-    <a:masterClrMapping/>
-  </p:clrMapOvr>
-</p:sld>
-</file>
-
-<file path=ppt/slides/slide62.xml><?xml version="1.0" encoding="utf-8"?>
-<p:sld xmlns:a="http://schemas.openxmlformats.org/drawingml/2006/main" xmlns:r="http://schemas.openxmlformats.org/officeDocument/2006/relationships" xmlns:p="http://schemas.openxmlformats.org/presentationml/2006/main">
-  <p:cSld>
-    <p:spTree>
-      <p:nvGrpSpPr>
-        <p:cNvPr id="1" name=""/>
-        <p:cNvGrpSpPr/>
-        <p:nvPr/>
-      </p:nvGrpSpPr>
-      <p:grpSpPr>
-        <a:xfrm>
-          <a:off x="0" y="0"/>
-          <a:ext cx="0" cy="0"/>
-          <a:chOff x="0" y="0"/>
-          <a:chExt cx="0" cy="0"/>
-        </a:xfrm>
-      </p:grpSpPr>
-      <p:sp>
-        <p:nvSpPr>
-          <p:cNvPr id="2" name="Title 1"/>
-          <p:cNvSpPr>
-            <a:spLocks noGrp="1"/>
-          </p:cNvSpPr>
-          <p:nvPr>
-            <p:ph type="title"/>
-          </p:nvPr>
-        </p:nvSpPr>
-        <p:spPr/>
-        <p:txBody>
-          <a:bodyPr/>
-          <a:lstStyle/>
-          <a:p>
-            <a:r>
-              <a:rPr lang="en-US"/>
-              <a:t>Prerequisites</a:t>
-            </a:r>
-          </a:p>
-        </p:txBody>
-      </p:sp>
-      <p:sp>
-        <p:nvSpPr>
-          <p:cNvPr id="3" name="Content Placeholder 2"/>
-          <p:cNvSpPr>
-            <a:spLocks noGrp="1"/>
-          </p:cNvSpPr>
-          <p:nvPr>
-            <p:ph idx="1"/>
-          </p:nvPr>
-        </p:nvSpPr>
-        <p:spPr/>
-        <p:txBody>
-          <a:bodyPr/>
-          <a:lstStyle/>
-          <a:p>
-            <a:r>
-              <a:rPr lang="en-US"/>
-              <a:t>cd CodeFirst.Data</a:t>
-            </a:r>
-          </a:p>
-          <a:p>
-            <a:r>
-              <a:rPr lang="en-US"/>
-              <a:t>dotnet add package Microsoft.EntityFrameworkCore.SqlServer</a:t>
-            </a:r>
-          </a:p>
-          <a:p>
-            <a:r>
-              <a:rPr lang="en-US"/>
-              <a:t>dotnet add package Microsoft.EntityFrameworkCore.Design</a:t>
-            </a:r>
+              <a:rPr lang="en-US" dirty="0"/>
+              <a:t>cd </a:t>
+            </a:r>
+            <a:r>
+              <a:rPr lang="en-US" dirty="0" err="1"/>
+              <a:t>CodeFirst.Data</a:t>
+            </a:r>
+            <a:endParaRPr lang="en-US" dirty="0"/>
+          </a:p>
+          <a:p>
+            <a:r>
+              <a:rPr lang="en-US" dirty="0" err="1"/>
+              <a:t>dotnet</a:t>
+            </a:r>
+            <a:r>
+              <a:rPr lang="en-US" dirty="0"/>
+              <a:t> add package </a:t>
+            </a:r>
+            <a:r>
+              <a:rPr lang="en-US" dirty="0" err="1"/>
+              <a:t>Microsoft.EntityFrameworkCore.SqlServer</a:t>
+            </a:r>
+            <a:endParaRPr lang="en-US" dirty="0"/>
+          </a:p>
+          <a:p>
+            <a:r>
+              <a:rPr lang="en-US" dirty="0" err="1"/>
+              <a:t>dotnet</a:t>
+            </a:r>
+            <a:r>
+              <a:rPr lang="en-US" dirty="0"/>
+              <a:t> add package </a:t>
+            </a:r>
+            <a:r>
+              <a:rPr lang="en-US" dirty="0" err="1" smtClean="0"/>
+              <a:t>Microsoft.EntityFrameworkCore.Design</a:t>
+            </a:r>
+            <a:endParaRPr lang="en-US" dirty="0" smtClean="0"/>
+          </a:p>
+          <a:p>
+            <a:r>
+              <a:rPr lang="en-US" dirty="0" err="1"/>
+              <a:t>dotnet</a:t>
+            </a:r>
+            <a:r>
+              <a:rPr lang="en-US" dirty="0"/>
+              <a:t> add package </a:t>
+            </a:r>
+            <a:r>
+              <a:rPr lang="en-US" dirty="0" err="1"/>
+              <a:t>Microsoft.EntityFrameworkCore.Tools</a:t>
+            </a:r>
+            <a:r>
+              <a:rPr lang="en-US" dirty="0"/>
+              <a:t> --version 2.2.2</a:t>
+            </a:r>
+            <a:endParaRPr lang="en-US" dirty="0"/>
           </a:p>
         </p:txBody>
       </p:sp>
@@ -33400,10 +33779,17 @@
   <p:clrMapOvr>
     <a:masterClrMapping/>
   </p:clrMapOvr>
+  <p:timing>
+    <p:tnLst>
+      <p:par>
+        <p:cTn id="1" dur="indefinite" restart="never" nodeType="tmRoot"/>
+      </p:par>
+    </p:tnLst>
+  </p:timing>
 </p:sld>
 </file>
 
-<file path=ppt/slides/slide63.xml><?xml version="1.0" encoding="utf-8"?>
+<file path=ppt/slides/slide62.xml><?xml version="1.0" encoding="utf-8"?>
 <p:sld xmlns:a="http://schemas.openxmlformats.org/drawingml/2006/main" xmlns:r="http://schemas.openxmlformats.org/officeDocument/2006/relationships" xmlns:p="http://schemas.openxmlformats.org/presentationml/2006/main">
   <p:cSld>
     <p:spTree>
@@ -33508,10 +33894,17 @@
   <p:clrMapOvr>
     <a:masterClrMapping/>
   </p:clrMapOvr>
+  <p:timing>
+    <p:tnLst>
+      <p:par>
+        <p:cTn id="1" dur="indefinite" restart="never" nodeType="tmRoot"/>
+      </p:par>
+    </p:tnLst>
+  </p:timing>
 </p:sld>
 </file>
 
-<file path=ppt/slides/slide64.xml><?xml version="1.0" encoding="utf-8"?>
+<file path=ppt/slides/slide63.xml><?xml version="1.0" encoding="utf-8"?>
 <p:sld xmlns:a="http://schemas.openxmlformats.org/drawingml/2006/main" xmlns:r="http://schemas.openxmlformats.org/officeDocument/2006/relationships" xmlns:p="http://schemas.openxmlformats.org/presentationml/2006/main">
   <p:cSld>
     <p:spTree>
@@ -33619,6 +34012,112 @@
 </p:sld>
 </file>
 
+<file path=ppt/slides/slide64.xml><?xml version="1.0" encoding="utf-8"?>
+<p:sld xmlns:a="http://schemas.openxmlformats.org/drawingml/2006/main" xmlns:r="http://schemas.openxmlformats.org/officeDocument/2006/relationships" xmlns:p="http://schemas.openxmlformats.org/presentationml/2006/main">
+  <p:cSld>
+    <p:spTree>
+      <p:nvGrpSpPr>
+        <p:cNvPr id="1" name=""/>
+        <p:cNvGrpSpPr/>
+        <p:nvPr/>
+      </p:nvGrpSpPr>
+      <p:grpSpPr>
+        <a:xfrm>
+          <a:off x="0" y="0"/>
+          <a:ext cx="0" cy="0"/>
+          <a:chOff x="0" y="0"/>
+          <a:chExt cx="0" cy="0"/>
+        </a:xfrm>
+      </p:grpSpPr>
+      <p:sp>
+        <p:nvSpPr>
+          <p:cNvPr id="2" name="Title 1"/>
+          <p:cNvSpPr>
+            <a:spLocks noGrp="1"/>
+          </p:cNvSpPr>
+          <p:nvPr>
+            <p:ph type="title"/>
+          </p:nvPr>
+        </p:nvSpPr>
+        <p:spPr/>
+        <p:txBody>
+          <a:bodyPr/>
+          <a:lstStyle/>
+          <a:p>
+            <a:r>
+              <a:rPr lang="en-US"/>
+              <a:t>The added CLI commands</a:t>
+            </a:r>
+          </a:p>
+        </p:txBody>
+      </p:sp>
+      <p:sp>
+        <p:nvSpPr>
+          <p:cNvPr id="3" name="Content Placeholder 2"/>
+          <p:cNvSpPr>
+            <a:spLocks noGrp="1"/>
+          </p:cNvSpPr>
+          <p:nvPr>
+            <p:ph idx="1"/>
+          </p:nvPr>
+        </p:nvSpPr>
+        <p:spPr/>
+        <p:txBody>
+          <a:bodyPr/>
+          <a:lstStyle/>
+          <a:p>
+            <a:r>
+              <a:rPr lang="en-US"/>
+              <a:t>dotnet ef dbcontext list</a:t>
+            </a:r>
+          </a:p>
+          <a:p>
+            <a:r>
+              <a:rPr lang="en-US"/>
+              <a:t>dotnet ef dbcontext info</a:t>
+            </a:r>
+          </a:p>
+          <a:p>
+            <a:r>
+              <a:rPr lang="en-US"/>
+              <a:t>dotnet ef migrations list</a:t>
+            </a:r>
+          </a:p>
+          <a:p>
+            <a:r>
+              <a:rPr lang="en-US"/>
+              <a:t>dotnet ef migrations add </a:t>
+            </a:r>
+            <a:r>
+              <a:rPr lang="en-US" i="1"/>
+              <a:t>&lt;Migration Name&gt;</a:t>
+            </a:r>
+          </a:p>
+          <a:p>
+            <a:r>
+              <a:rPr lang="en-US"/>
+              <a:t>dotnet ef migrations remove &lt;- removes the last migration</a:t>
+            </a:r>
+            <a:br>
+              <a:rPr lang="en-US"/>
+            </a:br>
+            <a:endParaRPr lang="en-US"/>
+          </a:p>
+        </p:txBody>
+      </p:sp>
+    </p:spTree>
+    <p:extLst>
+      <p:ext uri="{BB962C8B-B14F-4D97-AF65-F5344CB8AC3E}">
+        <p14:creationId xmlns:p14="http://schemas.microsoft.com/office/powerpoint/2010/main" val="4021567576"/>
+      </p:ext>
+    </p:extLst>
+  </p:cSld>
+  <p:clrMapOvr>
+    <a:masterClrMapping/>
+  </p:clrMapOvr>
+</p:sld>
+</file>
+
 <file path=ppt/slides/slide65.xml><?xml version="1.0" encoding="utf-8"?>
 <p:sld xmlns:a="http://schemas.openxmlformats.org/drawingml/2006/main" xmlns:r="http://schemas.openxmlformats.org/officeDocument/2006/relationships" xmlns:p="http://schemas.openxmlformats.org/presentationml/2006/main">
   <p:cSld>
@@ -33638,7 +34137,7 @@
       </p:grpSpPr>
       <p:sp>
         <p:nvSpPr>
-          <p:cNvPr id="2" name="Title 1"/>
+          <p:cNvPr id="4" name="Title 3"/>
           <p:cNvSpPr>
             <a:spLocks noGrp="1"/>
           </p:cNvSpPr>
@@ -33653,63 +34152,7 @@
           <a:p>
             <a:r>
               <a:rPr lang="en-US"/>
-              <a:t>You need to add this Ef Core CLI Reference</a:t>
-            </a:r>
-          </a:p>
-        </p:txBody>
-      </p:sp>
-      <p:sp>
-        <p:nvSpPr>
-          <p:cNvPr id="3" name="Content Placeholder 2"/>
-          <p:cNvSpPr>
-            <a:spLocks noGrp="1"/>
-          </p:cNvSpPr>
-          <p:nvPr>
-            <p:ph idx="1"/>
-          </p:nvPr>
-        </p:nvSpPr>
-        <p:spPr>
-          <a:xfrm>
-            <a:off x="684212" y="685800"/>
-            <a:ext cx="10273090" cy="3615267"/>
-          </a:xfrm>
-        </p:spPr>
-        <p:txBody>
-          <a:bodyPr>
-            <a:normAutofit/>
-          </a:bodyPr>
-          <a:lstStyle/>
-          <a:p>
-            <a:pPr marL="0" indent="0">
-              <a:buNone/>
-            </a:pPr>
-            <a:r>
-              <a:rPr lang="en-US" sz="1400">
-                <a:latin typeface="Consolas" panose="020B0609020204030204" pitchFamily="49" charset="0"/>
-              </a:rPr>
-              <a:t>&lt;ItemGroup&gt;</a:t>
-            </a:r>
-          </a:p>
-          <a:p>
-            <a:pPr marL="0" indent="0">
-              <a:buNone/>
-            </a:pPr>
-            <a:r>
-              <a:rPr lang="en-US" sz="1400">
-                <a:latin typeface="Consolas" panose="020B0609020204030204" pitchFamily="49" charset="0"/>
-              </a:rPr>
-              <a:t>  &lt;DotNetCliToolReference Include="Microsoft.EntityFrameworkCore.Tools.DotNet" Version="2.0.0" /&gt;</a:t>
-            </a:r>
-          </a:p>
-          <a:p>
-            <a:pPr marL="0" indent="0">
-              <a:buNone/>
-            </a:pPr>
-            <a:r>
-              <a:rPr lang="en-US" sz="1400">
-                <a:latin typeface="Consolas" panose="020B0609020204030204" pitchFamily="49" charset="0"/>
-              </a:rPr>
-              <a:t>&lt;/ItemGroup&gt;</a:t>
+              <a:t>Let’s make a simple DB</a:t>
             </a:r>
           </a:p>
         </p:txBody>
@@ -33717,7 +34160,7 @@
     </p:spTree>
     <p:extLst>
       <p:ext uri="{BB962C8B-B14F-4D97-AF65-F5344CB8AC3E}">
-        <p14:creationId xmlns:p14="http://schemas.microsoft.com/office/powerpoint/2010/main" val="293208431"/>
+        <p14:creationId xmlns:p14="http://schemas.microsoft.com/office/powerpoint/2010/main" val="1340747170"/>
       </p:ext>
     </p:extLst>
   </p:cSld>
@@ -33746,7 +34189,7 @@
       </p:grpSpPr>
       <p:sp>
         <p:nvSpPr>
-          <p:cNvPr id="2" name="Title 1"/>
+          <p:cNvPr id="3" name="Title 2"/>
           <p:cNvSpPr>
             <a:spLocks noGrp="1"/>
           </p:cNvSpPr>
@@ -33761,71 +34204,93 @@
           <a:p>
             <a:r>
               <a:rPr lang="en-US"/>
-              <a:t>It should look somewhat similar to this</a:t>
-            </a:r>
-          </a:p>
-        </p:txBody>
-      </p:sp>
-      <p:pic>
-        <p:nvPicPr>
-          <p:cNvPr id="8196" name="Picture 4"/>
-          <p:cNvPicPr>
-            <a:picLocks noGrp="1" noChangeAspect="1" noChangeArrowheads="1"/>
-          </p:cNvPicPr>
+              <a:t>Add an Entity</a:t>
+            </a:r>
+            <a:br>
+              <a:rPr lang="en-US"/>
+            </a:br>
+            <a:r>
+              <a:rPr lang="en-US"/>
+              <a:t>(class that represents a table)</a:t>
+            </a:r>
+          </a:p>
+        </p:txBody>
+      </p:sp>
+      <p:sp>
+        <p:nvSpPr>
+          <p:cNvPr id="4" name="Content Placeholder 3"/>
+          <p:cNvSpPr>
+            <a:spLocks noGrp="1"/>
+          </p:cNvSpPr>
           <p:nvPr>
             <p:ph idx="1"/>
           </p:nvPr>
-        </p:nvPicPr>
-        <p:blipFill>
-          <a:blip r:embed="rId2">
-            <a:extLst>
-              <a:ext uri="{28A0092B-C50C-407E-A947-70E740481C1C}">
-                <a14:useLocalDpi xmlns:a14="http://schemas.microsoft.com/office/drawing/2010/main" val="0"/>
-              </a:ext>
-            </a:extLst>
-          </a:blip>
-          <a:srcRect/>
-          <a:stretch>
-            <a:fillRect/>
-          </a:stretch>
-        </p:blipFill>
-        <p:spPr bwMode="auto">
-          <a:xfrm>
-            <a:off x="946150" y="883444"/>
-            <a:ext cx="8010525" cy="3219450"/>
-          </a:xfrm>
-          <a:prstGeom prst="rect">
-            <a:avLst/>
-          </a:prstGeom>
-          <a:noFill/>
-          <a:ln>
-            <a:noFill/>
-          </a:ln>
-          <a:extLst>
-            <a:ext uri="{909E8E84-426E-40DD-AFC4-6F175D3DCCD1}">
-              <a14:hiddenFill xmlns:a14="http://schemas.microsoft.com/office/drawing/2010/main">
-                <a:solidFill>
-                  <a:schemeClr val="accent1"/>
-                </a:solidFill>
-              </a14:hiddenFill>
-            </a:ext>
-            <a:ext uri="{91240B29-F687-4F45-9708-019B960494DF}">
-              <a14:hiddenLine xmlns:a14="http://schemas.microsoft.com/office/drawing/2010/main" w="9525">
-                <a:solidFill>
-                  <a:schemeClr val="tx1"/>
-                </a:solidFill>
-                <a:miter lim="800000"/>
-                <a:headEnd/>
-                <a:tailEnd/>
-              </a14:hiddenLine>
-            </a:ext>
-          </a:extLst>
-        </p:spPr>
-      </p:pic>
+        </p:nvSpPr>
+        <p:spPr/>
+        <p:txBody>
+          <a:bodyPr/>
+          <a:lstStyle/>
+          <a:p>
+            <a:pPr marL="0" indent="0">
+              <a:buNone/>
+            </a:pPr>
+            <a:r>
+              <a:rPr lang="en-US">
+                <a:latin typeface="Consolas" panose="020B0609020204030204" pitchFamily="49" charset="0"/>
+              </a:rPr>
+              <a:t>public class User</a:t>
+            </a:r>
+          </a:p>
+          <a:p>
+            <a:pPr marL="0" indent="0">
+              <a:buNone/>
+            </a:pPr>
+            <a:r>
+              <a:rPr lang="en-US">
+                <a:latin typeface="Consolas" panose="020B0609020204030204" pitchFamily="49" charset="0"/>
+              </a:rPr>
+              <a:t>{</a:t>
+            </a:r>
+          </a:p>
+          <a:p>
+            <a:pPr marL="0" indent="0">
+              <a:buNone/>
+            </a:pPr>
+            <a:r>
+              <a:rPr lang="en-US">
+                <a:latin typeface="Consolas" panose="020B0609020204030204" pitchFamily="49" charset="0"/>
+              </a:rPr>
+              <a:t>	public int Id { get; set; }</a:t>
+            </a:r>
+          </a:p>
+          <a:p>
+            <a:pPr marL="0" indent="0">
+              <a:buNone/>
+            </a:pPr>
+            <a:r>
+              <a:rPr lang="en-US">
+                <a:latin typeface="Consolas" panose="020B0609020204030204" pitchFamily="49" charset="0"/>
+              </a:rPr>
+              <a:t>	public string Name { get; set; }</a:t>
+            </a:r>
+          </a:p>
+          <a:p>
+            <a:pPr marL="0" indent="0">
+              <a:buNone/>
+            </a:pPr>
+            <a:r>
+              <a:rPr lang="en-US">
+                <a:latin typeface="Consolas" panose="020B0609020204030204" pitchFamily="49" charset="0"/>
+              </a:rPr>
+              <a:t>}</a:t>
+            </a:r>
+          </a:p>
+        </p:txBody>
+      </p:sp>
     </p:spTree>
     <p:extLst>
       <p:ext uri="{BB962C8B-B14F-4D97-AF65-F5344CB8AC3E}">
-        <p14:creationId xmlns:p14="http://schemas.microsoft.com/office/powerpoint/2010/main" val="3610816412"/>
+        <p14:creationId xmlns:p14="http://schemas.microsoft.com/office/powerpoint/2010/main" val="987364704"/>
       </p:ext>
     </p:extLst>
   </p:cSld>
@@ -33862,14 +34327,28 @@
             <p:ph type="title"/>
           </p:nvPr>
         </p:nvSpPr>
-        <p:spPr/>
-        <p:txBody>
-          <a:bodyPr/>
+        <p:spPr>
+          <a:xfrm>
+            <a:off x="684211" y="4487332"/>
+            <a:ext cx="8831747" cy="1507067"/>
+          </a:xfrm>
+        </p:spPr>
+        <p:txBody>
+          <a:bodyPr>
+            <a:normAutofit/>
+          </a:bodyPr>
           <a:lstStyle/>
           <a:p>
             <a:r>
               <a:rPr lang="en-US"/>
-              <a:t>To install this reference you’ll need to restore the project </a:t>
+              <a:t>Add A Context</a:t>
+            </a:r>
+            <a:br>
+              <a:rPr lang="en-US"/>
+            </a:br>
+            <a:r>
+              <a:rPr lang="en-US"/>
+              <a:t>(class that represents a database)</a:t>
             </a:r>
           </a:p>
         </p:txBody>
@@ -33884,26 +34363,70 @@
             <p:ph idx="1"/>
           </p:nvPr>
         </p:nvSpPr>
-        <p:spPr/>
-        <p:txBody>
-          <a:bodyPr/>
-          <a:lstStyle/>
-          <a:p>
-            <a:r>
-              <a:rPr lang="en-US"/>
-              <a:t>dotnet ef &lt;- will not work</a:t>
-            </a:r>
-          </a:p>
-          <a:p>
-            <a:r>
-              <a:rPr lang="en-US"/>
-              <a:t>dotnet restore</a:t>
-            </a:r>
-          </a:p>
-          <a:p>
-            <a:r>
-              <a:rPr lang="en-US"/>
-              <a:t>dotnet ef &lt;- will work</a:t>
+        <p:spPr>
+          <a:xfrm>
+            <a:off x="684212" y="685800"/>
+            <a:ext cx="9955374" cy="3615267"/>
+          </a:xfrm>
+        </p:spPr>
+        <p:txBody>
+          <a:bodyPr>
+            <a:normAutofit/>
+          </a:bodyPr>
+          <a:lstStyle/>
+          <a:p>
+            <a:pPr marL="0" indent="0">
+              <a:buNone/>
+            </a:pPr>
+            <a:r>
+              <a:rPr lang="en-US">
+                <a:latin typeface="Consolas" panose="020B0609020204030204" pitchFamily="49" charset="0"/>
+              </a:rPr>
+              <a:t>public class TestContext : DbContext</a:t>
+            </a:r>
+          </a:p>
+          <a:p>
+            <a:pPr marL="0" indent="0">
+              <a:buNone/>
+            </a:pPr>
+            <a:r>
+              <a:rPr lang="en-US">
+                <a:latin typeface="Consolas" panose="020B0609020204030204" pitchFamily="49" charset="0"/>
+              </a:rPr>
+              <a:t>{</a:t>
+            </a:r>
+          </a:p>
+          <a:p>
+            <a:pPr marL="457200" lvl="1" indent="0">
+              <a:buNone/>
+            </a:pPr>
+            <a:r>
+              <a:rPr lang="en-US">
+                <a:latin typeface="Consolas" panose="020B0609020204030204" pitchFamily="49" charset="0"/>
+              </a:rPr>
+              <a:t>public DbSet&lt;User&gt; Users { get; set; }</a:t>
+            </a:r>
+          </a:p>
+          <a:p>
+            <a:pPr marL="0" indent="0">
+              <a:buNone/>
+            </a:pPr>
+            <a:r>
+              <a:rPr lang="en-US">
+                <a:latin typeface="Consolas" panose="020B0609020204030204" pitchFamily="49" charset="0"/>
+              </a:rPr>
+              <a:t>	protected override void OnConfiguring(DbContextOptionsBuilder ){…}</a:t>
+            </a:r>
+          </a:p>
+          <a:p>
+            <a:pPr marL="0" indent="0">
+              <a:buNone/>
+            </a:pPr>
+            <a:r>
+              <a:rPr lang="en-US">
+                <a:latin typeface="Consolas" panose="020B0609020204030204" pitchFamily="49" charset="0"/>
+              </a:rPr>
+              <a:t>}</a:t>
             </a:r>
           </a:p>
         </p:txBody>
@@ -33911,165 +34434,7 @@
     </p:spTree>
     <p:extLst>
       <p:ext uri="{BB962C8B-B14F-4D97-AF65-F5344CB8AC3E}">
-        <p14:creationId xmlns:p14="http://schemas.microsoft.com/office/powerpoint/2010/main" val="2593755170"/>
-      </p:ext>
-    </p:extLst>
-  </p:cSld>
-  <p:clrMapOvr>
-    <a:masterClrMapping/>
-  </p:clrMapOvr>
-</p:sld>
-</file>
-
-<file path=ppt/slides/slide68.xml><?xml version="1.0" encoding="utf-8"?>
-<p:sld xmlns:a="http://schemas.openxmlformats.org/drawingml/2006/main" xmlns:r="http://schemas.openxmlformats.org/officeDocument/2006/relationships" xmlns:p="http://schemas.openxmlformats.org/presentationml/2006/main">
-  <p:cSld>
-    <p:spTree>
-      <p:nvGrpSpPr>
-        <p:cNvPr id="1" name=""/>
-        <p:cNvGrpSpPr/>
-        <p:nvPr/>
-      </p:nvGrpSpPr>
-      <p:grpSpPr>
-        <a:xfrm>
-          <a:off x="0" y="0"/>
-          <a:ext cx="0" cy="0"/>
-          <a:chOff x="0" y="0"/>
-          <a:chExt cx="0" cy="0"/>
-        </a:xfrm>
-      </p:grpSpPr>
-      <p:sp>
-        <p:nvSpPr>
-          <p:cNvPr id="2" name="Title 1"/>
-          <p:cNvSpPr>
-            <a:spLocks noGrp="1"/>
-          </p:cNvSpPr>
-          <p:nvPr>
-            <p:ph type="title"/>
-          </p:nvPr>
-        </p:nvSpPr>
-        <p:spPr/>
-        <p:txBody>
-          <a:bodyPr/>
-          <a:lstStyle/>
-          <a:p>
-            <a:r>
-              <a:rPr lang="en-US"/>
-              <a:t>The added CLI commands</a:t>
-            </a:r>
-          </a:p>
-        </p:txBody>
-      </p:sp>
-      <p:sp>
-        <p:nvSpPr>
-          <p:cNvPr id="3" name="Content Placeholder 2"/>
-          <p:cNvSpPr>
-            <a:spLocks noGrp="1"/>
-          </p:cNvSpPr>
-          <p:nvPr>
-            <p:ph idx="1"/>
-          </p:nvPr>
-        </p:nvSpPr>
-        <p:spPr/>
-        <p:txBody>
-          <a:bodyPr/>
-          <a:lstStyle/>
-          <a:p>
-            <a:r>
-              <a:rPr lang="en-US"/>
-              <a:t>dotnet ef dbcontext list</a:t>
-            </a:r>
-          </a:p>
-          <a:p>
-            <a:r>
-              <a:rPr lang="en-US"/>
-              <a:t>dotnet ef dbcontext info</a:t>
-            </a:r>
-          </a:p>
-          <a:p>
-            <a:r>
-              <a:rPr lang="en-US"/>
-              <a:t>dotnet ef migrations list</a:t>
-            </a:r>
-          </a:p>
-          <a:p>
-            <a:r>
-              <a:rPr lang="en-US"/>
-              <a:t>dotnet ef migrations add </a:t>
-            </a:r>
-            <a:r>
-              <a:rPr lang="en-US" i="1"/>
-              <a:t>&lt;Migration Name&gt;</a:t>
-            </a:r>
-          </a:p>
-          <a:p>
-            <a:r>
-              <a:rPr lang="en-US"/>
-              <a:t>dotnet ef migrations remove &lt;- removes the last migration</a:t>
-            </a:r>
-            <a:br>
-              <a:rPr lang="en-US"/>
-            </a:br>
-            <a:endParaRPr lang="en-US"/>
-          </a:p>
-        </p:txBody>
-      </p:sp>
-    </p:spTree>
-    <p:extLst>
-      <p:ext uri="{BB962C8B-B14F-4D97-AF65-F5344CB8AC3E}">
-        <p14:creationId xmlns:p14="http://schemas.microsoft.com/office/powerpoint/2010/main" val="4021567576"/>
-      </p:ext>
-    </p:extLst>
-  </p:cSld>
-  <p:clrMapOvr>
-    <a:masterClrMapping/>
-  </p:clrMapOvr>
-</p:sld>
-</file>
-
-<file path=ppt/slides/slide69.xml><?xml version="1.0" encoding="utf-8"?>
-<p:sld xmlns:a="http://schemas.openxmlformats.org/drawingml/2006/main" xmlns:r="http://schemas.openxmlformats.org/officeDocument/2006/relationships" xmlns:p="http://schemas.openxmlformats.org/presentationml/2006/main">
-  <p:cSld>
-    <p:spTree>
-      <p:nvGrpSpPr>
-        <p:cNvPr id="1" name=""/>
-        <p:cNvGrpSpPr/>
-        <p:nvPr/>
-      </p:nvGrpSpPr>
-      <p:grpSpPr>
-        <a:xfrm>
-          <a:off x="0" y="0"/>
-          <a:ext cx="0" cy="0"/>
-          <a:chOff x="0" y="0"/>
-          <a:chExt cx="0" cy="0"/>
-        </a:xfrm>
-      </p:grpSpPr>
-      <p:sp>
-        <p:nvSpPr>
-          <p:cNvPr id="4" name="Title 3"/>
-          <p:cNvSpPr>
-            <a:spLocks noGrp="1"/>
-          </p:cNvSpPr>
-          <p:nvPr>
-            <p:ph type="title"/>
-          </p:nvPr>
-        </p:nvSpPr>
-        <p:spPr/>
-        <p:txBody>
-          <a:bodyPr/>
-          <a:lstStyle/>
-          <a:p>
-            <a:r>
-              <a:rPr lang="en-US"/>
-              <a:t>Let’s make a simple DB</a:t>
-            </a:r>
-          </a:p>
-        </p:txBody>
-      </p:sp>
-    </p:spTree>
-    <p:extLst>
-      <p:ext uri="{BB962C8B-B14F-4D97-AF65-F5344CB8AC3E}">
-        <p14:creationId xmlns:p14="http://schemas.microsoft.com/office/powerpoint/2010/main" val="1340747170"/>
+        <p14:creationId xmlns:p14="http://schemas.microsoft.com/office/powerpoint/2010/main" val="3062204976"/>
       </p:ext>
     </p:extLst>
   </p:cSld>
@@ -34185,280 +34550,13 @@
   <p:clrMapOvr>
     <a:masterClrMapping/>
   </p:clrMapOvr>
-</p:sld>
-</file>
-
-<file path=ppt/slides/slide70.xml><?xml version="1.0" encoding="utf-8"?>
-<p:sld xmlns:a="http://schemas.openxmlformats.org/drawingml/2006/main" xmlns:r="http://schemas.openxmlformats.org/officeDocument/2006/relationships" xmlns:p="http://schemas.openxmlformats.org/presentationml/2006/main">
-  <p:cSld>
-    <p:spTree>
-      <p:nvGrpSpPr>
-        <p:cNvPr id="1" name=""/>
-        <p:cNvGrpSpPr/>
-        <p:nvPr/>
-      </p:nvGrpSpPr>
-      <p:grpSpPr>
-        <a:xfrm>
-          <a:off x="0" y="0"/>
-          <a:ext cx="0" cy="0"/>
-          <a:chOff x="0" y="0"/>
-          <a:chExt cx="0" cy="0"/>
-        </a:xfrm>
-      </p:grpSpPr>
-      <p:sp>
-        <p:nvSpPr>
-          <p:cNvPr id="3" name="Title 2"/>
-          <p:cNvSpPr>
-            <a:spLocks noGrp="1"/>
-          </p:cNvSpPr>
-          <p:nvPr>
-            <p:ph type="title"/>
-          </p:nvPr>
-        </p:nvSpPr>
-        <p:spPr/>
-        <p:txBody>
-          <a:bodyPr/>
-          <a:lstStyle/>
-          <a:p>
-            <a:r>
-              <a:rPr lang="en-US"/>
-              <a:t>Add an Entity</a:t>
-            </a:r>
-            <a:br>
-              <a:rPr lang="en-US"/>
-            </a:br>
-            <a:r>
-              <a:rPr lang="en-US"/>
-              <a:t>(class that represents a table)</a:t>
-            </a:r>
-          </a:p>
-        </p:txBody>
-      </p:sp>
-      <p:sp>
-        <p:nvSpPr>
-          <p:cNvPr id="4" name="Content Placeholder 3"/>
-          <p:cNvSpPr>
-            <a:spLocks noGrp="1"/>
-          </p:cNvSpPr>
-          <p:nvPr>
-            <p:ph idx="1"/>
-          </p:nvPr>
-        </p:nvSpPr>
-        <p:spPr/>
-        <p:txBody>
-          <a:bodyPr/>
-          <a:lstStyle/>
-          <a:p>
-            <a:pPr marL="0" indent="0">
-              <a:buNone/>
-            </a:pPr>
-            <a:r>
-              <a:rPr lang="en-US">
-                <a:latin typeface="Consolas" panose="020B0609020204030204" pitchFamily="49" charset="0"/>
-              </a:rPr>
-              <a:t>public class User</a:t>
-            </a:r>
-          </a:p>
-          <a:p>
-            <a:pPr marL="0" indent="0">
-              <a:buNone/>
-            </a:pPr>
-            <a:r>
-              <a:rPr lang="en-US">
-                <a:latin typeface="Consolas" panose="020B0609020204030204" pitchFamily="49" charset="0"/>
-              </a:rPr>
-              <a:t>{</a:t>
-            </a:r>
-          </a:p>
-          <a:p>
-            <a:pPr marL="0" indent="0">
-              <a:buNone/>
-            </a:pPr>
-            <a:r>
-              <a:rPr lang="en-US">
-                <a:latin typeface="Consolas" panose="020B0609020204030204" pitchFamily="49" charset="0"/>
-              </a:rPr>
-              <a:t>	public int Id { get; set; }</a:t>
-            </a:r>
-          </a:p>
-          <a:p>
-            <a:pPr marL="0" indent="0">
-              <a:buNone/>
-            </a:pPr>
-            <a:r>
-              <a:rPr lang="en-US">
-                <a:latin typeface="Consolas" panose="020B0609020204030204" pitchFamily="49" charset="0"/>
-              </a:rPr>
-              <a:t>	public string Name { get; set; }</a:t>
-            </a:r>
-          </a:p>
-          <a:p>
-            <a:pPr marL="0" indent="0">
-              <a:buNone/>
-            </a:pPr>
-            <a:r>
-              <a:rPr lang="en-US">
-                <a:latin typeface="Consolas" panose="020B0609020204030204" pitchFamily="49" charset="0"/>
-              </a:rPr>
-              <a:t>}</a:t>
-            </a:r>
-          </a:p>
-        </p:txBody>
-      </p:sp>
-    </p:spTree>
-    <p:extLst>
-      <p:ext uri="{BB962C8B-B14F-4D97-AF65-F5344CB8AC3E}">
-        <p14:creationId xmlns:p14="http://schemas.microsoft.com/office/powerpoint/2010/main" val="987364704"/>
-      </p:ext>
-    </p:extLst>
-  </p:cSld>
-  <p:clrMapOvr>
-    <a:masterClrMapping/>
-  </p:clrMapOvr>
-</p:sld>
-</file>
-
-<file path=ppt/slides/slide71.xml><?xml version="1.0" encoding="utf-8"?>
-<p:sld xmlns:a="http://schemas.openxmlformats.org/drawingml/2006/main" xmlns:r="http://schemas.openxmlformats.org/officeDocument/2006/relationships" xmlns:p="http://schemas.openxmlformats.org/presentationml/2006/main">
-  <p:cSld>
-    <p:spTree>
-      <p:nvGrpSpPr>
-        <p:cNvPr id="1" name=""/>
-        <p:cNvGrpSpPr/>
-        <p:nvPr/>
-      </p:nvGrpSpPr>
-      <p:grpSpPr>
-        <a:xfrm>
-          <a:off x="0" y="0"/>
-          <a:ext cx="0" cy="0"/>
-          <a:chOff x="0" y="0"/>
-          <a:chExt cx="0" cy="0"/>
-        </a:xfrm>
-      </p:grpSpPr>
-      <p:sp>
-        <p:nvSpPr>
-          <p:cNvPr id="2" name="Title 1"/>
-          <p:cNvSpPr>
-            <a:spLocks noGrp="1"/>
-          </p:cNvSpPr>
-          <p:nvPr>
-            <p:ph type="title"/>
-          </p:nvPr>
-        </p:nvSpPr>
-        <p:spPr>
-          <a:xfrm>
-            <a:off x="684211" y="4487332"/>
-            <a:ext cx="8831747" cy="1507067"/>
-          </a:xfrm>
-        </p:spPr>
-        <p:txBody>
-          <a:bodyPr>
-            <a:normAutofit/>
-          </a:bodyPr>
-          <a:lstStyle/>
-          <a:p>
-            <a:r>
-              <a:rPr lang="en-US"/>
-              <a:t>Add A Context</a:t>
-            </a:r>
-            <a:br>
-              <a:rPr lang="en-US"/>
-            </a:br>
-            <a:r>
-              <a:rPr lang="en-US"/>
-              <a:t>(class that represents a database)</a:t>
-            </a:r>
-          </a:p>
-        </p:txBody>
-      </p:sp>
-      <p:sp>
-        <p:nvSpPr>
-          <p:cNvPr id="3" name="Content Placeholder 2"/>
-          <p:cNvSpPr>
-            <a:spLocks noGrp="1"/>
-          </p:cNvSpPr>
-          <p:nvPr>
-            <p:ph idx="1"/>
-          </p:nvPr>
-        </p:nvSpPr>
-        <p:spPr>
-          <a:xfrm>
-            <a:off x="684212" y="685800"/>
-            <a:ext cx="9955374" cy="3615267"/>
-          </a:xfrm>
-        </p:spPr>
-        <p:txBody>
-          <a:bodyPr>
-            <a:normAutofit/>
-          </a:bodyPr>
-          <a:lstStyle/>
-          <a:p>
-            <a:pPr marL="0" indent="0">
-              <a:buNone/>
-            </a:pPr>
-            <a:r>
-              <a:rPr lang="en-US">
-                <a:latin typeface="Consolas" panose="020B0609020204030204" pitchFamily="49" charset="0"/>
-              </a:rPr>
-              <a:t>public class TestContext : DbContext</a:t>
-            </a:r>
-          </a:p>
-          <a:p>
-            <a:pPr marL="0" indent="0">
-              <a:buNone/>
-            </a:pPr>
-            <a:r>
-              <a:rPr lang="en-US">
-                <a:latin typeface="Consolas" panose="020B0609020204030204" pitchFamily="49" charset="0"/>
-              </a:rPr>
-              <a:t>{</a:t>
-            </a:r>
-          </a:p>
-          <a:p>
-            <a:pPr marL="457200" lvl="1" indent="0">
-              <a:buNone/>
-            </a:pPr>
-            <a:r>
-              <a:rPr lang="en-US">
-                <a:latin typeface="Consolas" panose="020B0609020204030204" pitchFamily="49" charset="0"/>
-              </a:rPr>
-              <a:t>public DbSet&lt;User&gt; Users { get; set; }</a:t>
-            </a:r>
-          </a:p>
-          <a:p>
-            <a:pPr marL="0" indent="0">
-              <a:buNone/>
-            </a:pPr>
-            <a:r>
-              <a:rPr lang="en-US">
-                <a:latin typeface="Consolas" panose="020B0609020204030204" pitchFamily="49" charset="0"/>
-              </a:rPr>
-              <a:t>	protected override void OnConfiguring(DbContextOptionsBuilder ){…}</a:t>
-            </a:r>
-          </a:p>
-          <a:p>
-            <a:pPr marL="0" indent="0">
-              <a:buNone/>
-            </a:pPr>
-            <a:r>
-              <a:rPr lang="en-US">
-                <a:latin typeface="Consolas" panose="020B0609020204030204" pitchFamily="49" charset="0"/>
-              </a:rPr>
-              <a:t>}</a:t>
-            </a:r>
-          </a:p>
-        </p:txBody>
-      </p:sp>
-    </p:spTree>
-    <p:extLst>
-      <p:ext uri="{BB962C8B-B14F-4D97-AF65-F5344CB8AC3E}">
-        <p14:creationId xmlns:p14="http://schemas.microsoft.com/office/powerpoint/2010/main" val="3062204976"/>
-      </p:ext>
-    </p:extLst>
-  </p:cSld>
-  <p:clrMapOvr>
-    <a:masterClrMapping/>
-  </p:clrMapOvr>
+  <p:timing>
+    <p:tnLst>
+      <p:par>
+        <p:cTn id="1" dur="indefinite" restart="never" nodeType="tmRoot"/>
+      </p:par>
+    </p:tnLst>
+  </p:timing>
 </p:sld>
 </file>
 
@@ -34562,6 +34660,13 @@
   <p:clrMapOvr>
     <a:masterClrMapping/>
   </p:clrMapOvr>
+  <p:timing>
+    <p:tnLst>
+      <p:par>
+        <p:cTn id="1" dur="indefinite" restart="never" nodeType="tmRoot"/>
+      </p:par>
+    </p:tnLst>
+  </p:timing>
 </p:sld>
 </file>
 
@@ -34661,6 +34766,13 @@
   <p:clrMapOvr>
     <a:masterClrMapping/>
   </p:clrMapOvr>
+  <p:timing>
+    <p:tnLst>
+      <p:par>
+        <p:cTn id="1" dur="indefinite" restart="never" nodeType="tmRoot"/>
+      </p:par>
+    </p:tnLst>
+  </p:timing>
 </p:sld>
 </file>
 
